--- a/_book/plot/unnamed-chunk-77-1.pptx
+++ b/_book/plot/unnamed-chunk-77-1.pptx
@@ -3192,8 +3192,8 @@
           </p:nvSpPr>
           <p:spPr>
             <a:xfrm>
-              <a:off x="2023549" y="1590617"/>
-              <a:ext cx="6913543" cy="4048310"/>
+              <a:off x="2179881" y="1809173"/>
+              <a:ext cx="1295770" cy="3464924"/>
             </a:xfrm>
             <a:prstGeom prst="rect">
               <a:avLst/>
@@ -3218,28 +3218,28 @@
           </p:nvSpPr>
           <p:spPr>
             <a:xfrm>
-              <a:off x="2769037" y="1590617"/>
-              <a:ext cx="0" cy="4048310"/>
-            </a:xfrm>
-            <a:custGeom>
-              <a:avLst/>
-              <a:pathLst>
-                <a:path w="0" h="4048310">
-                  <a:moveTo>
-                    <a:pt x="0" y="4048310"/>
-                  </a:moveTo>
-                  <a:lnTo>
-                    <a:pt x="0" y="0"/>
-                  </a:lnTo>
-                  <a:lnTo>
-                    <a:pt x="0" y="0"/>
-                  </a:lnTo>
-                </a:path>
-              </a:pathLst>
-            </a:custGeom>
-            <a:ln w="3387" cap="flat">
-              <a:solidFill>
-                <a:srgbClr val="DEDEDE">
+              <a:off x="2179881" y="4777168"/>
+              <a:ext cx="1295770" cy="0"/>
+            </a:xfrm>
+            <a:custGeom>
+              <a:avLst/>
+              <a:pathLst>
+                <a:path w="1295770" h="0">
+                  <a:moveTo>
+                    <a:pt x="0" y="0"/>
+                  </a:moveTo>
+                  <a:lnTo>
+                    <a:pt x="1295770" y="0"/>
+                  </a:lnTo>
+                  <a:lnTo>
+                    <a:pt x="1295770" y="0"/>
+                  </a:lnTo>
+                </a:path>
+              </a:pathLst>
+            </a:custGeom>
+            <a:ln w="6775" cap="flat">
+              <a:solidFill>
+                <a:srgbClr val="EBEBEB">
                   <a:alpha val="100000"/>
                 </a:srgbClr>
               </a:solidFill>
@@ -3261,28 +3261,28 @@
           </p:nvSpPr>
           <p:spPr>
             <a:xfrm>
-              <a:off x="4260015" y="1590617"/>
-              <a:ext cx="0" cy="4048310"/>
-            </a:xfrm>
-            <a:custGeom>
-              <a:avLst/>
-              <a:pathLst>
-                <a:path w="0" h="4048310">
-                  <a:moveTo>
-                    <a:pt x="0" y="4048310"/>
-                  </a:moveTo>
-                  <a:lnTo>
-                    <a:pt x="0" y="0"/>
-                  </a:lnTo>
-                  <a:lnTo>
-                    <a:pt x="0" y="0"/>
-                  </a:lnTo>
-                </a:path>
-              </a:pathLst>
-            </a:custGeom>
-            <a:ln w="3387" cap="flat">
-              <a:solidFill>
-                <a:srgbClr val="DEDEDE">
+              <a:off x="2179881" y="4098304"/>
+              <a:ext cx="1295770" cy="0"/>
+            </a:xfrm>
+            <a:custGeom>
+              <a:avLst/>
+              <a:pathLst>
+                <a:path w="1295770" h="0">
+                  <a:moveTo>
+                    <a:pt x="0" y="0"/>
+                  </a:moveTo>
+                  <a:lnTo>
+                    <a:pt x="1295770" y="0"/>
+                  </a:lnTo>
+                  <a:lnTo>
+                    <a:pt x="1295770" y="0"/>
+                  </a:lnTo>
+                </a:path>
+              </a:pathLst>
+            </a:custGeom>
+            <a:ln w="6775" cap="flat">
+              <a:solidFill>
+                <a:srgbClr val="EBEBEB">
                   <a:alpha val="100000"/>
                 </a:srgbClr>
               </a:solidFill>
@@ -3304,28 +3304,28 @@
           </p:nvSpPr>
           <p:spPr>
             <a:xfrm>
-              <a:off x="5750992" y="1590617"/>
-              <a:ext cx="0" cy="4048310"/>
-            </a:xfrm>
-            <a:custGeom>
-              <a:avLst/>
-              <a:pathLst>
-                <a:path w="0" h="4048310">
-                  <a:moveTo>
-                    <a:pt x="0" y="4048310"/>
-                  </a:moveTo>
-                  <a:lnTo>
-                    <a:pt x="0" y="0"/>
-                  </a:lnTo>
-                  <a:lnTo>
-                    <a:pt x="0" y="0"/>
-                  </a:lnTo>
-                </a:path>
-              </a:pathLst>
-            </a:custGeom>
-            <a:ln w="3387" cap="flat">
-              <a:solidFill>
-                <a:srgbClr val="DEDEDE">
+              <a:off x="2179881" y="3419439"/>
+              <a:ext cx="1295770" cy="0"/>
+            </a:xfrm>
+            <a:custGeom>
+              <a:avLst/>
+              <a:pathLst>
+                <a:path w="1295770" h="0">
+                  <a:moveTo>
+                    <a:pt x="0" y="0"/>
+                  </a:moveTo>
+                  <a:lnTo>
+                    <a:pt x="1295770" y="0"/>
+                  </a:lnTo>
+                  <a:lnTo>
+                    <a:pt x="1295770" y="0"/>
+                  </a:lnTo>
+                </a:path>
+              </a:pathLst>
+            </a:custGeom>
+            <a:ln w="6775" cap="flat">
+              <a:solidFill>
+                <a:srgbClr val="EBEBEB">
                   <a:alpha val="100000"/>
                 </a:srgbClr>
               </a:solidFill>
@@ -3347,28 +3347,28 @@
           </p:nvSpPr>
           <p:spPr>
             <a:xfrm>
-              <a:off x="7241970" y="1590617"/>
-              <a:ext cx="0" cy="4048310"/>
-            </a:xfrm>
-            <a:custGeom>
-              <a:avLst/>
-              <a:pathLst>
-                <a:path w="0" h="4048310">
-                  <a:moveTo>
-                    <a:pt x="0" y="4048310"/>
-                  </a:moveTo>
-                  <a:lnTo>
-                    <a:pt x="0" y="0"/>
-                  </a:lnTo>
-                  <a:lnTo>
-                    <a:pt x="0" y="0"/>
-                  </a:lnTo>
-                </a:path>
-              </a:pathLst>
-            </a:custGeom>
-            <a:ln w="3387" cap="flat">
-              <a:solidFill>
-                <a:srgbClr val="DEDEDE">
+              <a:off x="2179881" y="2740575"/>
+              <a:ext cx="1295770" cy="0"/>
+            </a:xfrm>
+            <a:custGeom>
+              <a:avLst/>
+              <a:pathLst>
+                <a:path w="1295770" h="0">
+                  <a:moveTo>
+                    <a:pt x="0" y="0"/>
+                  </a:moveTo>
+                  <a:lnTo>
+                    <a:pt x="1295770" y="0"/>
+                  </a:lnTo>
+                  <a:lnTo>
+                    <a:pt x="1295770" y="0"/>
+                  </a:lnTo>
+                </a:path>
+              </a:pathLst>
+            </a:custGeom>
+            <a:ln w="6775" cap="flat">
+              <a:solidFill>
+                <a:srgbClr val="EBEBEB">
                   <a:alpha val="100000"/>
                 </a:srgbClr>
               </a:solidFill>
@@ -3390,28 +3390,28 @@
           </p:nvSpPr>
           <p:spPr>
             <a:xfrm>
-              <a:off x="8732947" y="1590617"/>
-              <a:ext cx="0" cy="4048310"/>
-            </a:xfrm>
-            <a:custGeom>
-              <a:avLst/>
-              <a:pathLst>
-                <a:path w="0" h="4048310">
-                  <a:moveTo>
-                    <a:pt x="0" y="4048310"/>
-                  </a:moveTo>
-                  <a:lnTo>
-                    <a:pt x="0" y="0"/>
-                  </a:lnTo>
-                  <a:lnTo>
-                    <a:pt x="0" y="0"/>
-                  </a:lnTo>
-                </a:path>
-              </a:pathLst>
-            </a:custGeom>
-            <a:ln w="3387" cap="flat">
-              <a:solidFill>
-                <a:srgbClr val="DEDEDE">
+              <a:off x="2179881" y="2061710"/>
+              <a:ext cx="1295770" cy="0"/>
+            </a:xfrm>
+            <a:custGeom>
+              <a:avLst/>
+              <a:pathLst>
+                <a:path w="1295770" h="0">
+                  <a:moveTo>
+                    <a:pt x="0" y="0"/>
+                  </a:moveTo>
+                  <a:lnTo>
+                    <a:pt x="1295770" y="0"/>
+                  </a:lnTo>
+                  <a:lnTo>
+                    <a:pt x="1295770" y="0"/>
+                  </a:lnTo>
+                </a:path>
+              </a:pathLst>
+            </a:custGeom>
+            <a:ln w="6775" cap="flat">
+              <a:solidFill>
+                <a:srgbClr val="EBEBEB">
                   <a:alpha val="100000"/>
                 </a:srgbClr>
               </a:solidFill>
@@ -3433,28 +3433,28 @@
           </p:nvSpPr>
           <p:spPr>
             <a:xfrm>
-              <a:off x="2023549" y="5374907"/>
-              <a:ext cx="6913543" cy="0"/>
-            </a:xfrm>
-            <a:custGeom>
-              <a:avLst/>
-              <a:pathLst>
-                <a:path w="6913543" h="0">
-                  <a:moveTo>
-                    <a:pt x="0" y="0"/>
-                  </a:moveTo>
-                  <a:lnTo>
-                    <a:pt x="6913543" y="0"/>
-                  </a:lnTo>
-                  <a:lnTo>
-                    <a:pt x="6913543" y="0"/>
-                  </a:lnTo>
-                </a:path>
-              </a:pathLst>
-            </a:custGeom>
-            <a:ln w="6775" cap="flat">
-              <a:solidFill>
-                <a:srgbClr val="DEDEDE">
+              <a:off x="2179881" y="5116600"/>
+              <a:ext cx="1295770" cy="0"/>
+            </a:xfrm>
+            <a:custGeom>
+              <a:avLst/>
+              <a:pathLst>
+                <a:path w="1295770" h="0">
+                  <a:moveTo>
+                    <a:pt x="0" y="0"/>
+                  </a:moveTo>
+                  <a:lnTo>
+                    <a:pt x="1295770" y="0"/>
+                  </a:lnTo>
+                  <a:lnTo>
+                    <a:pt x="1295770" y="0"/>
+                  </a:lnTo>
+                </a:path>
+              </a:pathLst>
+            </a:custGeom>
+            <a:ln w="13550" cap="flat">
+              <a:solidFill>
+                <a:srgbClr val="EBEBEB">
                   <a:alpha val="100000"/>
                 </a:srgbClr>
               </a:solidFill>
@@ -3476,28 +3476,28 @@
           </p:nvSpPr>
           <p:spPr>
             <a:xfrm>
-              <a:off x="2023549" y="4934873"/>
-              <a:ext cx="6913543" cy="0"/>
-            </a:xfrm>
-            <a:custGeom>
-              <a:avLst/>
-              <a:pathLst>
-                <a:path w="6913543" h="0">
-                  <a:moveTo>
-                    <a:pt x="0" y="0"/>
-                  </a:moveTo>
-                  <a:lnTo>
-                    <a:pt x="6913543" y="0"/>
-                  </a:lnTo>
-                  <a:lnTo>
-                    <a:pt x="6913543" y="0"/>
-                  </a:lnTo>
-                </a:path>
-              </a:pathLst>
-            </a:custGeom>
-            <a:ln w="6775" cap="flat">
-              <a:solidFill>
-                <a:srgbClr val="DEDEDE">
+              <a:off x="2179881" y="4437736"/>
+              <a:ext cx="1295770" cy="0"/>
+            </a:xfrm>
+            <a:custGeom>
+              <a:avLst/>
+              <a:pathLst>
+                <a:path w="1295770" h="0">
+                  <a:moveTo>
+                    <a:pt x="0" y="0"/>
+                  </a:moveTo>
+                  <a:lnTo>
+                    <a:pt x="1295770" y="0"/>
+                  </a:lnTo>
+                  <a:lnTo>
+                    <a:pt x="1295770" y="0"/>
+                  </a:lnTo>
+                </a:path>
+              </a:pathLst>
+            </a:custGeom>
+            <a:ln w="13550" cap="flat">
+              <a:solidFill>
+                <a:srgbClr val="EBEBEB">
                   <a:alpha val="100000"/>
                 </a:srgbClr>
               </a:solidFill>
@@ -3519,28 +3519,28 @@
           </p:nvSpPr>
           <p:spPr>
             <a:xfrm>
-              <a:off x="2023549" y="4494840"/>
-              <a:ext cx="6913543" cy="0"/>
-            </a:xfrm>
-            <a:custGeom>
-              <a:avLst/>
-              <a:pathLst>
-                <a:path w="6913543" h="0">
-                  <a:moveTo>
-                    <a:pt x="0" y="0"/>
-                  </a:moveTo>
-                  <a:lnTo>
-                    <a:pt x="6913543" y="0"/>
-                  </a:lnTo>
-                  <a:lnTo>
-                    <a:pt x="6913543" y="0"/>
-                  </a:lnTo>
-                </a:path>
-              </a:pathLst>
-            </a:custGeom>
-            <a:ln w="6775" cap="flat">
-              <a:solidFill>
-                <a:srgbClr val="DEDEDE">
+              <a:off x="2179881" y="3758871"/>
+              <a:ext cx="1295770" cy="0"/>
+            </a:xfrm>
+            <a:custGeom>
+              <a:avLst/>
+              <a:pathLst>
+                <a:path w="1295770" h="0">
+                  <a:moveTo>
+                    <a:pt x="0" y="0"/>
+                  </a:moveTo>
+                  <a:lnTo>
+                    <a:pt x="1295770" y="0"/>
+                  </a:lnTo>
+                  <a:lnTo>
+                    <a:pt x="1295770" y="0"/>
+                  </a:lnTo>
+                </a:path>
+              </a:pathLst>
+            </a:custGeom>
+            <a:ln w="13550" cap="flat">
+              <a:solidFill>
+                <a:srgbClr val="EBEBEB">
                   <a:alpha val="100000"/>
                 </a:srgbClr>
               </a:solidFill>
@@ -3562,28 +3562,28 @@
           </p:nvSpPr>
           <p:spPr>
             <a:xfrm>
-              <a:off x="2023549" y="4054806"/>
-              <a:ext cx="6913543" cy="0"/>
-            </a:xfrm>
-            <a:custGeom>
-              <a:avLst/>
-              <a:pathLst>
-                <a:path w="6913543" h="0">
-                  <a:moveTo>
-                    <a:pt x="0" y="0"/>
-                  </a:moveTo>
-                  <a:lnTo>
-                    <a:pt x="6913543" y="0"/>
-                  </a:lnTo>
-                  <a:lnTo>
-                    <a:pt x="6913543" y="0"/>
-                  </a:lnTo>
-                </a:path>
-              </a:pathLst>
-            </a:custGeom>
-            <a:ln w="6775" cap="flat">
-              <a:solidFill>
-                <a:srgbClr val="DEDEDE">
+              <a:off x="2179881" y="3080007"/>
+              <a:ext cx="1295770" cy="0"/>
+            </a:xfrm>
+            <a:custGeom>
+              <a:avLst/>
+              <a:pathLst>
+                <a:path w="1295770" h="0">
+                  <a:moveTo>
+                    <a:pt x="0" y="0"/>
+                  </a:moveTo>
+                  <a:lnTo>
+                    <a:pt x="1295770" y="0"/>
+                  </a:lnTo>
+                  <a:lnTo>
+                    <a:pt x="1295770" y="0"/>
+                  </a:lnTo>
+                </a:path>
+              </a:pathLst>
+            </a:custGeom>
+            <a:ln w="13550" cap="flat">
+              <a:solidFill>
+                <a:srgbClr val="EBEBEB">
                   <a:alpha val="100000"/>
                 </a:srgbClr>
               </a:solidFill>
@@ -3605,28 +3605,28 @@
           </p:nvSpPr>
           <p:spPr>
             <a:xfrm>
-              <a:off x="2023549" y="3614772"/>
-              <a:ext cx="6913543" cy="0"/>
-            </a:xfrm>
-            <a:custGeom>
-              <a:avLst/>
-              <a:pathLst>
-                <a:path w="6913543" h="0">
-                  <a:moveTo>
-                    <a:pt x="0" y="0"/>
-                  </a:moveTo>
-                  <a:lnTo>
-                    <a:pt x="6913543" y="0"/>
-                  </a:lnTo>
-                  <a:lnTo>
-                    <a:pt x="6913543" y="0"/>
-                  </a:lnTo>
-                </a:path>
-              </a:pathLst>
-            </a:custGeom>
-            <a:ln w="6775" cap="flat">
-              <a:solidFill>
-                <a:srgbClr val="DEDEDE">
+              <a:off x="2179881" y="2401142"/>
+              <a:ext cx="1295770" cy="0"/>
+            </a:xfrm>
+            <a:custGeom>
+              <a:avLst/>
+              <a:pathLst>
+                <a:path w="1295770" h="0">
+                  <a:moveTo>
+                    <a:pt x="0" y="0"/>
+                  </a:moveTo>
+                  <a:lnTo>
+                    <a:pt x="1295770" y="0"/>
+                  </a:lnTo>
+                  <a:lnTo>
+                    <a:pt x="1295770" y="0"/>
+                  </a:lnTo>
+                </a:path>
+              </a:pathLst>
+            </a:custGeom>
+            <a:ln w="13550" cap="flat">
+              <a:solidFill>
+                <a:srgbClr val="EBEBEB">
                   <a:alpha val="100000"/>
                 </a:srgbClr>
               </a:solidFill>
@@ -3648,28 +3648,28 @@
           </p:nvSpPr>
           <p:spPr>
             <a:xfrm>
-              <a:off x="2023549" y="3174738"/>
-              <a:ext cx="6913543" cy="0"/>
-            </a:xfrm>
-            <a:custGeom>
-              <a:avLst/>
-              <a:pathLst>
-                <a:path w="6913543" h="0">
-                  <a:moveTo>
-                    <a:pt x="0" y="0"/>
-                  </a:moveTo>
-                  <a:lnTo>
-                    <a:pt x="6913543" y="0"/>
-                  </a:lnTo>
-                  <a:lnTo>
-                    <a:pt x="6913543" y="0"/>
-                  </a:lnTo>
-                </a:path>
-              </a:pathLst>
-            </a:custGeom>
-            <a:ln w="6775" cap="flat">
-              <a:solidFill>
-                <a:srgbClr val="DEDEDE">
+              <a:off x="2364991" y="1809173"/>
+              <a:ext cx="0" cy="3464924"/>
+            </a:xfrm>
+            <a:custGeom>
+              <a:avLst/>
+              <a:pathLst>
+                <a:path w="0" h="3464924">
+                  <a:moveTo>
+                    <a:pt x="0" y="3464924"/>
+                  </a:moveTo>
+                  <a:lnTo>
+                    <a:pt x="0" y="0"/>
+                  </a:lnTo>
+                  <a:lnTo>
+                    <a:pt x="0" y="0"/>
+                  </a:lnTo>
+                </a:path>
+              </a:pathLst>
+            </a:custGeom>
+            <a:ln w="13550" cap="flat">
+              <a:solidFill>
+                <a:srgbClr val="EBEBEB">
                   <a:alpha val="100000"/>
                 </a:srgbClr>
               </a:solidFill>
@@ -3691,28 +3691,28 @@
           </p:nvSpPr>
           <p:spPr>
             <a:xfrm>
-              <a:off x="2023549" y="2734705"/>
-              <a:ext cx="6913543" cy="0"/>
-            </a:xfrm>
-            <a:custGeom>
-              <a:avLst/>
-              <a:pathLst>
-                <a:path w="6913543" h="0">
-                  <a:moveTo>
-                    <a:pt x="0" y="0"/>
-                  </a:moveTo>
-                  <a:lnTo>
-                    <a:pt x="6913543" y="0"/>
-                  </a:lnTo>
-                  <a:lnTo>
-                    <a:pt x="6913543" y="0"/>
-                  </a:lnTo>
-                </a:path>
-              </a:pathLst>
-            </a:custGeom>
-            <a:ln w="6775" cap="flat">
-              <a:solidFill>
-                <a:srgbClr val="DEDEDE">
+              <a:off x="2673508" y="1809173"/>
+              <a:ext cx="0" cy="3464924"/>
+            </a:xfrm>
+            <a:custGeom>
+              <a:avLst/>
+              <a:pathLst>
+                <a:path w="0" h="3464924">
+                  <a:moveTo>
+                    <a:pt x="0" y="3464924"/>
+                  </a:moveTo>
+                  <a:lnTo>
+                    <a:pt x="0" y="0"/>
+                  </a:lnTo>
+                  <a:lnTo>
+                    <a:pt x="0" y="0"/>
+                  </a:lnTo>
+                </a:path>
+              </a:pathLst>
+            </a:custGeom>
+            <a:ln w="13550" cap="flat">
+              <a:solidFill>
+                <a:srgbClr val="EBEBEB">
                   <a:alpha val="100000"/>
                 </a:srgbClr>
               </a:solidFill>
@@ -3734,28 +3734,28 @@
           </p:nvSpPr>
           <p:spPr>
             <a:xfrm>
-              <a:off x="2023549" y="2294671"/>
-              <a:ext cx="6913543" cy="0"/>
-            </a:xfrm>
-            <a:custGeom>
-              <a:avLst/>
-              <a:pathLst>
-                <a:path w="6913543" h="0">
-                  <a:moveTo>
-                    <a:pt x="0" y="0"/>
-                  </a:moveTo>
-                  <a:lnTo>
-                    <a:pt x="6913543" y="0"/>
-                  </a:lnTo>
-                  <a:lnTo>
-                    <a:pt x="6913543" y="0"/>
-                  </a:lnTo>
-                </a:path>
-              </a:pathLst>
-            </a:custGeom>
-            <a:ln w="6775" cap="flat">
-              <a:solidFill>
-                <a:srgbClr val="DEDEDE">
+              <a:off x="2982025" y="1809173"/>
+              <a:ext cx="0" cy="3464924"/>
+            </a:xfrm>
+            <a:custGeom>
+              <a:avLst/>
+              <a:pathLst>
+                <a:path w="0" h="3464924">
+                  <a:moveTo>
+                    <a:pt x="0" y="3464924"/>
+                  </a:moveTo>
+                  <a:lnTo>
+                    <a:pt x="0" y="0"/>
+                  </a:lnTo>
+                  <a:lnTo>
+                    <a:pt x="0" y="0"/>
+                  </a:lnTo>
+                </a:path>
+              </a:pathLst>
+            </a:custGeom>
+            <a:ln w="13550" cap="flat">
+              <a:solidFill>
+                <a:srgbClr val="EBEBEB">
                   <a:alpha val="100000"/>
                 </a:srgbClr>
               </a:solidFill>
@@ -3777,272 +3777,57 @@
           </p:nvSpPr>
           <p:spPr>
             <a:xfrm>
-              <a:off x="2023549" y="1854637"/>
-              <a:ext cx="6913543" cy="0"/>
-            </a:xfrm>
-            <a:custGeom>
-              <a:avLst/>
-              <a:pathLst>
-                <a:path w="6913543" h="0">
-                  <a:moveTo>
-                    <a:pt x="0" y="0"/>
-                  </a:moveTo>
-                  <a:lnTo>
-                    <a:pt x="6913543" y="0"/>
-                  </a:lnTo>
-                  <a:lnTo>
-                    <a:pt x="6913543" y="0"/>
-                  </a:lnTo>
-                </a:path>
-              </a:pathLst>
-            </a:custGeom>
-            <a:ln w="6775" cap="flat">
-              <a:solidFill>
-                <a:srgbClr val="DEDEDE">
-                  <a:alpha val="100000"/>
-                </a:srgbClr>
-              </a:solidFill>
-              <a:prstDash val="solid"/>
-              <a:round/>
-            </a:ln>
-          </p:spPr>
-          <p:txBody>
-            <a:bodyPr/>
-            <a:lstStyle/>
-            <a:p/>
-          </p:txBody>
-        </p:sp>
-        <p:sp>
-          <p:nvSpPr>
-            <p:cNvPr id="20" name="pl20"/>
-            <p:cNvSpPr/>
-            <p:nvPr/>
-          </p:nvSpPr>
-          <p:spPr>
-            <a:xfrm>
-              <a:off x="2023549" y="1590617"/>
-              <a:ext cx="0" cy="4048310"/>
-            </a:xfrm>
-            <a:custGeom>
-              <a:avLst/>
-              <a:pathLst>
-                <a:path w="0" h="4048310">
-                  <a:moveTo>
-                    <a:pt x="0" y="4048310"/>
-                  </a:moveTo>
-                  <a:lnTo>
-                    <a:pt x="0" y="0"/>
-                  </a:lnTo>
-                  <a:lnTo>
-                    <a:pt x="0" y="0"/>
-                  </a:lnTo>
-                </a:path>
-              </a:pathLst>
-            </a:custGeom>
-            <a:ln w="6775" cap="flat">
-              <a:solidFill>
-                <a:srgbClr val="DEDEDE">
-                  <a:alpha val="100000"/>
-                </a:srgbClr>
-              </a:solidFill>
-              <a:prstDash val="solid"/>
-              <a:round/>
-            </a:ln>
-          </p:spPr>
-          <p:txBody>
-            <a:bodyPr/>
-            <a:lstStyle/>
-            <a:p/>
-          </p:txBody>
-        </p:sp>
-        <p:sp>
-          <p:nvSpPr>
-            <p:cNvPr id="21" name="pl21"/>
-            <p:cNvSpPr/>
-            <p:nvPr/>
-          </p:nvSpPr>
-          <p:spPr>
-            <a:xfrm>
-              <a:off x="3514526" y="1590617"/>
-              <a:ext cx="0" cy="4048310"/>
-            </a:xfrm>
-            <a:custGeom>
-              <a:avLst/>
-              <a:pathLst>
-                <a:path w="0" h="4048310">
-                  <a:moveTo>
-                    <a:pt x="0" y="4048310"/>
-                  </a:moveTo>
-                  <a:lnTo>
-                    <a:pt x="0" y="0"/>
-                  </a:lnTo>
-                  <a:lnTo>
-                    <a:pt x="0" y="0"/>
-                  </a:lnTo>
-                </a:path>
-              </a:pathLst>
-            </a:custGeom>
-            <a:ln w="6775" cap="flat">
-              <a:solidFill>
-                <a:srgbClr val="DEDEDE">
-                  <a:alpha val="100000"/>
-                </a:srgbClr>
-              </a:solidFill>
-              <a:prstDash val="solid"/>
-              <a:round/>
-            </a:ln>
-          </p:spPr>
-          <p:txBody>
-            <a:bodyPr/>
-            <a:lstStyle/>
-            <a:p/>
-          </p:txBody>
-        </p:sp>
-        <p:sp>
-          <p:nvSpPr>
-            <p:cNvPr id="22" name="pl22"/>
-            <p:cNvSpPr/>
-            <p:nvPr/>
-          </p:nvSpPr>
-          <p:spPr>
-            <a:xfrm>
-              <a:off x="5005504" y="1590617"/>
-              <a:ext cx="0" cy="4048310"/>
-            </a:xfrm>
-            <a:custGeom>
-              <a:avLst/>
-              <a:pathLst>
-                <a:path w="0" h="4048310">
-                  <a:moveTo>
-                    <a:pt x="0" y="4048310"/>
-                  </a:moveTo>
-                  <a:lnTo>
-                    <a:pt x="0" y="0"/>
-                  </a:lnTo>
-                  <a:lnTo>
-                    <a:pt x="0" y="0"/>
-                  </a:lnTo>
-                </a:path>
-              </a:pathLst>
-            </a:custGeom>
-            <a:ln w="6775" cap="flat">
-              <a:solidFill>
-                <a:srgbClr val="DEDEDE">
-                  <a:alpha val="100000"/>
-                </a:srgbClr>
-              </a:solidFill>
-              <a:prstDash val="solid"/>
-              <a:round/>
-            </a:ln>
-          </p:spPr>
-          <p:txBody>
-            <a:bodyPr/>
-            <a:lstStyle/>
-            <a:p/>
-          </p:txBody>
-        </p:sp>
-        <p:sp>
-          <p:nvSpPr>
-            <p:cNvPr id="23" name="pl23"/>
-            <p:cNvSpPr/>
-            <p:nvPr/>
-          </p:nvSpPr>
-          <p:spPr>
-            <a:xfrm>
-              <a:off x="6496481" y="1590617"/>
-              <a:ext cx="0" cy="4048310"/>
-            </a:xfrm>
-            <a:custGeom>
-              <a:avLst/>
-              <a:pathLst>
-                <a:path w="0" h="4048310">
-                  <a:moveTo>
-                    <a:pt x="0" y="4048310"/>
-                  </a:moveTo>
-                  <a:lnTo>
-                    <a:pt x="0" y="0"/>
-                  </a:lnTo>
-                  <a:lnTo>
-                    <a:pt x="0" y="0"/>
-                  </a:lnTo>
-                </a:path>
-              </a:pathLst>
-            </a:custGeom>
-            <a:ln w="6775" cap="flat">
-              <a:solidFill>
-                <a:srgbClr val="DEDEDE">
-                  <a:alpha val="100000"/>
-                </a:srgbClr>
-              </a:solidFill>
-              <a:prstDash val="solid"/>
-              <a:round/>
-            </a:ln>
-          </p:spPr>
-          <p:txBody>
-            <a:bodyPr/>
-            <a:lstStyle/>
-            <a:p/>
-          </p:txBody>
-        </p:sp>
-        <p:sp>
-          <p:nvSpPr>
-            <p:cNvPr id="24" name="pl24"/>
-            <p:cNvSpPr/>
-            <p:nvPr/>
-          </p:nvSpPr>
-          <p:spPr>
-            <a:xfrm>
-              <a:off x="7987459" y="1590617"/>
-              <a:ext cx="0" cy="4048310"/>
-            </a:xfrm>
-            <a:custGeom>
-              <a:avLst/>
-              <a:pathLst>
-                <a:path w="0" h="4048310">
-                  <a:moveTo>
-                    <a:pt x="0" y="4048310"/>
-                  </a:moveTo>
-                  <a:lnTo>
-                    <a:pt x="0" y="0"/>
-                  </a:lnTo>
-                  <a:lnTo>
-                    <a:pt x="0" y="0"/>
-                  </a:lnTo>
-                </a:path>
-              </a:pathLst>
-            </a:custGeom>
-            <a:ln w="6775" cap="flat">
-              <a:solidFill>
-                <a:srgbClr val="DEDEDE">
-                  <a:alpha val="100000"/>
-                </a:srgbClr>
-              </a:solidFill>
-              <a:prstDash val="solid"/>
-              <a:round/>
-            </a:ln>
-          </p:spPr>
-          <p:txBody>
-            <a:bodyPr/>
-            <a:lstStyle/>
-            <a:p/>
-          </p:txBody>
-        </p:sp>
-        <p:sp>
-          <p:nvSpPr>
-            <p:cNvPr id="25" name="rc25"/>
-            <p:cNvSpPr/>
-            <p:nvPr/>
-          </p:nvSpPr>
-          <p:spPr>
-            <a:xfrm>
-              <a:off x="2023549" y="1656622"/>
-              <a:ext cx="6777983" cy="396030"/>
+              <a:off x="3290542" y="1809173"/>
+              <a:ext cx="0" cy="3464924"/>
+            </a:xfrm>
+            <a:custGeom>
+              <a:avLst/>
+              <a:pathLst>
+                <a:path w="0" h="3464924">
+                  <a:moveTo>
+                    <a:pt x="0" y="3464924"/>
+                  </a:moveTo>
+                  <a:lnTo>
+                    <a:pt x="0" y="0"/>
+                  </a:lnTo>
+                  <a:lnTo>
+                    <a:pt x="0" y="0"/>
+                  </a:lnTo>
+                </a:path>
+              </a:pathLst>
+            </a:custGeom>
+            <a:ln w="13550" cap="flat">
+              <a:solidFill>
+                <a:srgbClr val="EBEBEB">
+                  <a:alpha val="100000"/>
+                </a:srgbClr>
+              </a:solidFill>
+              <a:prstDash val="solid"/>
+              <a:round/>
+            </a:ln>
+          </p:spPr>
+          <p:txBody>
+            <a:bodyPr/>
+            <a:lstStyle/>
+            <a:p/>
+          </p:txBody>
+        </p:sp>
+        <p:sp>
+          <p:nvSpPr>
+            <p:cNvPr id="20" name="rc20"/>
+            <p:cNvSpPr/>
+            <p:nvPr/>
+          </p:nvSpPr>
+          <p:spPr>
+            <a:xfrm>
+              <a:off x="2226159" y="5103023"/>
+              <a:ext cx="277665" cy="13577"/>
             </a:xfrm>
             <a:prstGeom prst="rect">
               <a:avLst/>
             </a:prstGeom>
             <a:solidFill>
-              <a:srgbClr val="595959">
+              <a:srgbClr val="FEE5D9">
                 <a:alpha val="100000"/>
               </a:srgbClr>
             </a:solidFill>
@@ -4055,20 +3840,20 @@
         </p:sp>
         <p:sp>
           <p:nvSpPr>
-            <p:cNvPr id="26" name="rc26"/>
-            <p:cNvSpPr/>
-            <p:nvPr/>
-          </p:nvSpPr>
-          <p:spPr>
-            <a:xfrm>
-              <a:off x="2023549" y="2096656"/>
-              <a:ext cx="5725353" cy="396030"/>
+            <p:cNvPr id="21" name="rc21"/>
+            <p:cNvSpPr/>
+            <p:nvPr/>
+          </p:nvSpPr>
+          <p:spPr>
+            <a:xfrm>
+              <a:off x="2534676" y="5089446"/>
+              <a:ext cx="277665" cy="27154"/>
             </a:xfrm>
             <a:prstGeom prst="rect">
               <a:avLst/>
             </a:prstGeom>
             <a:solidFill>
-              <a:srgbClr val="595959">
+              <a:srgbClr val="FCAE91">
                 <a:alpha val="100000"/>
               </a:srgbClr>
             </a:solidFill>
@@ -4081,20 +3866,20 @@
         </p:sp>
         <p:sp>
           <p:nvSpPr>
-            <p:cNvPr id="27" name="rc27"/>
-            <p:cNvSpPr/>
-            <p:nvPr/>
-          </p:nvSpPr>
-          <p:spPr>
-            <a:xfrm>
-              <a:off x="2023549" y="2536689"/>
-              <a:ext cx="5269114" cy="396030"/>
+            <p:cNvPr id="22" name="rc22"/>
+            <p:cNvSpPr/>
+            <p:nvPr/>
+          </p:nvSpPr>
+          <p:spPr>
+            <a:xfrm>
+              <a:off x="2843193" y="1966669"/>
+              <a:ext cx="277665" cy="3149931"/>
             </a:xfrm>
             <a:prstGeom prst="rect">
               <a:avLst/>
             </a:prstGeom>
             <a:solidFill>
-              <a:srgbClr val="595959">
+              <a:srgbClr val="FB6A4A">
                 <a:alpha val="100000"/>
               </a:srgbClr>
             </a:solidFill>
@@ -4107,20 +3892,20 @@
         </p:sp>
         <p:sp>
           <p:nvSpPr>
-            <p:cNvPr id="28" name="rc28"/>
-            <p:cNvSpPr/>
-            <p:nvPr/>
-          </p:nvSpPr>
-          <p:spPr>
-            <a:xfrm>
-              <a:off x="2023549" y="2976723"/>
-              <a:ext cx="4481878" cy="396030"/>
+            <p:cNvPr id="23" name="rc23"/>
+            <p:cNvSpPr/>
+            <p:nvPr/>
+          </p:nvSpPr>
+          <p:spPr>
+            <a:xfrm>
+              <a:off x="3151709" y="2333256"/>
+              <a:ext cx="277665" cy="2783344"/>
             </a:xfrm>
             <a:prstGeom prst="rect">
               <a:avLst/>
             </a:prstGeom>
             <a:solidFill>
-              <a:srgbClr val="595959">
+              <a:srgbClr val="CB181D">
                 <a:alpha val="100000"/>
               </a:srgbClr>
             </a:solidFill>
@@ -4133,20 +3918,50 @@
         </p:sp>
         <p:sp>
           <p:nvSpPr>
-            <p:cNvPr id="29" name="rc29"/>
-            <p:cNvSpPr/>
-            <p:nvPr/>
-          </p:nvSpPr>
-          <p:spPr>
-            <a:xfrm>
-              <a:off x="2023549" y="3416757"/>
-              <a:ext cx="4130007" cy="396030"/>
+            <p:cNvPr id="24" name="rc24"/>
+            <p:cNvSpPr/>
+            <p:nvPr/>
+          </p:nvSpPr>
+          <p:spPr>
+            <a:xfrm>
+              <a:off x="2179881" y="1809173"/>
+              <a:ext cx="1295770" cy="3464924"/>
+            </a:xfrm>
+            <a:prstGeom prst="rect">
+              <a:avLst/>
+            </a:prstGeom>
+            <a:ln w="13550" cap="rnd">
+              <a:solidFill>
+                <a:srgbClr val="333333">
+                  <a:alpha val="100000"/>
+                </a:srgbClr>
+              </a:solidFill>
+              <a:prstDash val="solid"/>
+              <a:round/>
+            </a:ln>
+          </p:spPr>
+          <p:txBody>
+            <a:bodyPr/>
+            <a:lstStyle/>
+            <a:p/>
+          </p:txBody>
+        </p:sp>
+        <p:sp>
+          <p:nvSpPr>
+            <p:cNvPr id="25" name="rc25"/>
+            <p:cNvSpPr/>
+            <p:nvPr/>
+          </p:nvSpPr>
+          <p:spPr>
+            <a:xfrm>
+              <a:off x="3545241" y="1809173"/>
+              <a:ext cx="1295770" cy="3464924"/>
             </a:xfrm>
             <a:prstGeom prst="rect">
               <a:avLst/>
             </a:prstGeom>
             <a:solidFill>
-              <a:srgbClr val="595959">
+              <a:srgbClr val="FFFFFF">
                 <a:alpha val="100000"/>
               </a:srgbClr>
             </a:solidFill>
@@ -4159,20 +3974,622 @@
         </p:sp>
         <p:sp>
           <p:nvSpPr>
-            <p:cNvPr id="30" name="rc30"/>
-            <p:cNvSpPr/>
-            <p:nvPr/>
-          </p:nvSpPr>
-          <p:spPr>
-            <a:xfrm>
-              <a:off x="2023549" y="3856791"/>
-              <a:ext cx="3843739" cy="396030"/>
+            <p:cNvPr id="26" name="pl26"/>
+            <p:cNvSpPr/>
+            <p:nvPr/>
+          </p:nvSpPr>
+          <p:spPr>
+            <a:xfrm>
+              <a:off x="3545241" y="4777168"/>
+              <a:ext cx="1295770" cy="0"/>
+            </a:xfrm>
+            <a:custGeom>
+              <a:avLst/>
+              <a:pathLst>
+                <a:path w="1295770" h="0">
+                  <a:moveTo>
+                    <a:pt x="0" y="0"/>
+                  </a:moveTo>
+                  <a:lnTo>
+                    <a:pt x="1295770" y="0"/>
+                  </a:lnTo>
+                  <a:lnTo>
+                    <a:pt x="1295770" y="0"/>
+                  </a:lnTo>
+                </a:path>
+              </a:pathLst>
+            </a:custGeom>
+            <a:ln w="6775" cap="flat">
+              <a:solidFill>
+                <a:srgbClr val="EBEBEB">
+                  <a:alpha val="100000"/>
+                </a:srgbClr>
+              </a:solidFill>
+              <a:prstDash val="solid"/>
+              <a:round/>
+            </a:ln>
+          </p:spPr>
+          <p:txBody>
+            <a:bodyPr/>
+            <a:lstStyle/>
+            <a:p/>
+          </p:txBody>
+        </p:sp>
+        <p:sp>
+          <p:nvSpPr>
+            <p:cNvPr id="27" name="pl27"/>
+            <p:cNvSpPr/>
+            <p:nvPr/>
+          </p:nvSpPr>
+          <p:spPr>
+            <a:xfrm>
+              <a:off x="3545241" y="4098304"/>
+              <a:ext cx="1295770" cy="0"/>
+            </a:xfrm>
+            <a:custGeom>
+              <a:avLst/>
+              <a:pathLst>
+                <a:path w="1295770" h="0">
+                  <a:moveTo>
+                    <a:pt x="0" y="0"/>
+                  </a:moveTo>
+                  <a:lnTo>
+                    <a:pt x="1295770" y="0"/>
+                  </a:lnTo>
+                  <a:lnTo>
+                    <a:pt x="1295770" y="0"/>
+                  </a:lnTo>
+                </a:path>
+              </a:pathLst>
+            </a:custGeom>
+            <a:ln w="6775" cap="flat">
+              <a:solidFill>
+                <a:srgbClr val="EBEBEB">
+                  <a:alpha val="100000"/>
+                </a:srgbClr>
+              </a:solidFill>
+              <a:prstDash val="solid"/>
+              <a:round/>
+            </a:ln>
+          </p:spPr>
+          <p:txBody>
+            <a:bodyPr/>
+            <a:lstStyle/>
+            <a:p/>
+          </p:txBody>
+        </p:sp>
+        <p:sp>
+          <p:nvSpPr>
+            <p:cNvPr id="28" name="pl28"/>
+            <p:cNvSpPr/>
+            <p:nvPr/>
+          </p:nvSpPr>
+          <p:spPr>
+            <a:xfrm>
+              <a:off x="3545241" y="3419439"/>
+              <a:ext cx="1295770" cy="0"/>
+            </a:xfrm>
+            <a:custGeom>
+              <a:avLst/>
+              <a:pathLst>
+                <a:path w="1295770" h="0">
+                  <a:moveTo>
+                    <a:pt x="0" y="0"/>
+                  </a:moveTo>
+                  <a:lnTo>
+                    <a:pt x="1295770" y="0"/>
+                  </a:lnTo>
+                  <a:lnTo>
+                    <a:pt x="1295770" y="0"/>
+                  </a:lnTo>
+                </a:path>
+              </a:pathLst>
+            </a:custGeom>
+            <a:ln w="6775" cap="flat">
+              <a:solidFill>
+                <a:srgbClr val="EBEBEB">
+                  <a:alpha val="100000"/>
+                </a:srgbClr>
+              </a:solidFill>
+              <a:prstDash val="solid"/>
+              <a:round/>
+            </a:ln>
+          </p:spPr>
+          <p:txBody>
+            <a:bodyPr/>
+            <a:lstStyle/>
+            <a:p/>
+          </p:txBody>
+        </p:sp>
+        <p:sp>
+          <p:nvSpPr>
+            <p:cNvPr id="29" name="pl29"/>
+            <p:cNvSpPr/>
+            <p:nvPr/>
+          </p:nvSpPr>
+          <p:spPr>
+            <a:xfrm>
+              <a:off x="3545241" y="2740575"/>
+              <a:ext cx="1295770" cy="0"/>
+            </a:xfrm>
+            <a:custGeom>
+              <a:avLst/>
+              <a:pathLst>
+                <a:path w="1295770" h="0">
+                  <a:moveTo>
+                    <a:pt x="0" y="0"/>
+                  </a:moveTo>
+                  <a:lnTo>
+                    <a:pt x="1295770" y="0"/>
+                  </a:lnTo>
+                  <a:lnTo>
+                    <a:pt x="1295770" y="0"/>
+                  </a:lnTo>
+                </a:path>
+              </a:pathLst>
+            </a:custGeom>
+            <a:ln w="6775" cap="flat">
+              <a:solidFill>
+                <a:srgbClr val="EBEBEB">
+                  <a:alpha val="100000"/>
+                </a:srgbClr>
+              </a:solidFill>
+              <a:prstDash val="solid"/>
+              <a:round/>
+            </a:ln>
+          </p:spPr>
+          <p:txBody>
+            <a:bodyPr/>
+            <a:lstStyle/>
+            <a:p/>
+          </p:txBody>
+        </p:sp>
+        <p:sp>
+          <p:nvSpPr>
+            <p:cNvPr id="30" name="pl30"/>
+            <p:cNvSpPr/>
+            <p:nvPr/>
+          </p:nvSpPr>
+          <p:spPr>
+            <a:xfrm>
+              <a:off x="3545241" y="2061710"/>
+              <a:ext cx="1295770" cy="0"/>
+            </a:xfrm>
+            <a:custGeom>
+              <a:avLst/>
+              <a:pathLst>
+                <a:path w="1295770" h="0">
+                  <a:moveTo>
+                    <a:pt x="0" y="0"/>
+                  </a:moveTo>
+                  <a:lnTo>
+                    <a:pt x="1295770" y="0"/>
+                  </a:lnTo>
+                  <a:lnTo>
+                    <a:pt x="1295770" y="0"/>
+                  </a:lnTo>
+                </a:path>
+              </a:pathLst>
+            </a:custGeom>
+            <a:ln w="6775" cap="flat">
+              <a:solidFill>
+                <a:srgbClr val="EBEBEB">
+                  <a:alpha val="100000"/>
+                </a:srgbClr>
+              </a:solidFill>
+              <a:prstDash val="solid"/>
+              <a:round/>
+            </a:ln>
+          </p:spPr>
+          <p:txBody>
+            <a:bodyPr/>
+            <a:lstStyle/>
+            <a:p/>
+          </p:txBody>
+        </p:sp>
+        <p:sp>
+          <p:nvSpPr>
+            <p:cNvPr id="31" name="pl31"/>
+            <p:cNvSpPr/>
+            <p:nvPr/>
+          </p:nvSpPr>
+          <p:spPr>
+            <a:xfrm>
+              <a:off x="3545241" y="5116600"/>
+              <a:ext cx="1295770" cy="0"/>
+            </a:xfrm>
+            <a:custGeom>
+              <a:avLst/>
+              <a:pathLst>
+                <a:path w="1295770" h="0">
+                  <a:moveTo>
+                    <a:pt x="0" y="0"/>
+                  </a:moveTo>
+                  <a:lnTo>
+                    <a:pt x="1295770" y="0"/>
+                  </a:lnTo>
+                  <a:lnTo>
+                    <a:pt x="1295770" y="0"/>
+                  </a:lnTo>
+                </a:path>
+              </a:pathLst>
+            </a:custGeom>
+            <a:ln w="13550" cap="flat">
+              <a:solidFill>
+                <a:srgbClr val="EBEBEB">
+                  <a:alpha val="100000"/>
+                </a:srgbClr>
+              </a:solidFill>
+              <a:prstDash val="solid"/>
+              <a:round/>
+            </a:ln>
+          </p:spPr>
+          <p:txBody>
+            <a:bodyPr/>
+            <a:lstStyle/>
+            <a:p/>
+          </p:txBody>
+        </p:sp>
+        <p:sp>
+          <p:nvSpPr>
+            <p:cNvPr id="32" name="pl32"/>
+            <p:cNvSpPr/>
+            <p:nvPr/>
+          </p:nvSpPr>
+          <p:spPr>
+            <a:xfrm>
+              <a:off x="3545241" y="4437736"/>
+              <a:ext cx="1295770" cy="0"/>
+            </a:xfrm>
+            <a:custGeom>
+              <a:avLst/>
+              <a:pathLst>
+                <a:path w="1295770" h="0">
+                  <a:moveTo>
+                    <a:pt x="0" y="0"/>
+                  </a:moveTo>
+                  <a:lnTo>
+                    <a:pt x="1295770" y="0"/>
+                  </a:lnTo>
+                  <a:lnTo>
+                    <a:pt x="1295770" y="0"/>
+                  </a:lnTo>
+                </a:path>
+              </a:pathLst>
+            </a:custGeom>
+            <a:ln w="13550" cap="flat">
+              <a:solidFill>
+                <a:srgbClr val="EBEBEB">
+                  <a:alpha val="100000"/>
+                </a:srgbClr>
+              </a:solidFill>
+              <a:prstDash val="solid"/>
+              <a:round/>
+            </a:ln>
+          </p:spPr>
+          <p:txBody>
+            <a:bodyPr/>
+            <a:lstStyle/>
+            <a:p/>
+          </p:txBody>
+        </p:sp>
+        <p:sp>
+          <p:nvSpPr>
+            <p:cNvPr id="33" name="pl33"/>
+            <p:cNvSpPr/>
+            <p:nvPr/>
+          </p:nvSpPr>
+          <p:spPr>
+            <a:xfrm>
+              <a:off x="3545241" y="3758871"/>
+              <a:ext cx="1295770" cy="0"/>
+            </a:xfrm>
+            <a:custGeom>
+              <a:avLst/>
+              <a:pathLst>
+                <a:path w="1295770" h="0">
+                  <a:moveTo>
+                    <a:pt x="0" y="0"/>
+                  </a:moveTo>
+                  <a:lnTo>
+                    <a:pt x="1295770" y="0"/>
+                  </a:lnTo>
+                  <a:lnTo>
+                    <a:pt x="1295770" y="0"/>
+                  </a:lnTo>
+                </a:path>
+              </a:pathLst>
+            </a:custGeom>
+            <a:ln w="13550" cap="flat">
+              <a:solidFill>
+                <a:srgbClr val="EBEBEB">
+                  <a:alpha val="100000"/>
+                </a:srgbClr>
+              </a:solidFill>
+              <a:prstDash val="solid"/>
+              <a:round/>
+            </a:ln>
+          </p:spPr>
+          <p:txBody>
+            <a:bodyPr/>
+            <a:lstStyle/>
+            <a:p/>
+          </p:txBody>
+        </p:sp>
+        <p:sp>
+          <p:nvSpPr>
+            <p:cNvPr id="34" name="pl34"/>
+            <p:cNvSpPr/>
+            <p:nvPr/>
+          </p:nvSpPr>
+          <p:spPr>
+            <a:xfrm>
+              <a:off x="3545241" y="3080007"/>
+              <a:ext cx="1295770" cy="0"/>
+            </a:xfrm>
+            <a:custGeom>
+              <a:avLst/>
+              <a:pathLst>
+                <a:path w="1295770" h="0">
+                  <a:moveTo>
+                    <a:pt x="0" y="0"/>
+                  </a:moveTo>
+                  <a:lnTo>
+                    <a:pt x="1295770" y="0"/>
+                  </a:lnTo>
+                  <a:lnTo>
+                    <a:pt x="1295770" y="0"/>
+                  </a:lnTo>
+                </a:path>
+              </a:pathLst>
+            </a:custGeom>
+            <a:ln w="13550" cap="flat">
+              <a:solidFill>
+                <a:srgbClr val="EBEBEB">
+                  <a:alpha val="100000"/>
+                </a:srgbClr>
+              </a:solidFill>
+              <a:prstDash val="solid"/>
+              <a:round/>
+            </a:ln>
+          </p:spPr>
+          <p:txBody>
+            <a:bodyPr/>
+            <a:lstStyle/>
+            <a:p/>
+          </p:txBody>
+        </p:sp>
+        <p:sp>
+          <p:nvSpPr>
+            <p:cNvPr id="35" name="pl35"/>
+            <p:cNvSpPr/>
+            <p:nvPr/>
+          </p:nvSpPr>
+          <p:spPr>
+            <a:xfrm>
+              <a:off x="3545241" y="2401142"/>
+              <a:ext cx="1295770" cy="0"/>
+            </a:xfrm>
+            <a:custGeom>
+              <a:avLst/>
+              <a:pathLst>
+                <a:path w="1295770" h="0">
+                  <a:moveTo>
+                    <a:pt x="0" y="0"/>
+                  </a:moveTo>
+                  <a:lnTo>
+                    <a:pt x="1295770" y="0"/>
+                  </a:lnTo>
+                  <a:lnTo>
+                    <a:pt x="1295770" y="0"/>
+                  </a:lnTo>
+                </a:path>
+              </a:pathLst>
+            </a:custGeom>
+            <a:ln w="13550" cap="flat">
+              <a:solidFill>
+                <a:srgbClr val="EBEBEB">
+                  <a:alpha val="100000"/>
+                </a:srgbClr>
+              </a:solidFill>
+              <a:prstDash val="solid"/>
+              <a:round/>
+            </a:ln>
+          </p:spPr>
+          <p:txBody>
+            <a:bodyPr/>
+            <a:lstStyle/>
+            <a:p/>
+          </p:txBody>
+        </p:sp>
+        <p:sp>
+          <p:nvSpPr>
+            <p:cNvPr id="36" name="pl36"/>
+            <p:cNvSpPr/>
+            <p:nvPr/>
+          </p:nvSpPr>
+          <p:spPr>
+            <a:xfrm>
+              <a:off x="3730351" y="1809173"/>
+              <a:ext cx="0" cy="3464924"/>
+            </a:xfrm>
+            <a:custGeom>
+              <a:avLst/>
+              <a:pathLst>
+                <a:path w="0" h="3464924">
+                  <a:moveTo>
+                    <a:pt x="0" y="3464924"/>
+                  </a:moveTo>
+                  <a:lnTo>
+                    <a:pt x="0" y="0"/>
+                  </a:lnTo>
+                  <a:lnTo>
+                    <a:pt x="0" y="0"/>
+                  </a:lnTo>
+                </a:path>
+              </a:pathLst>
+            </a:custGeom>
+            <a:ln w="13550" cap="flat">
+              <a:solidFill>
+                <a:srgbClr val="EBEBEB">
+                  <a:alpha val="100000"/>
+                </a:srgbClr>
+              </a:solidFill>
+              <a:prstDash val="solid"/>
+              <a:round/>
+            </a:ln>
+          </p:spPr>
+          <p:txBody>
+            <a:bodyPr/>
+            <a:lstStyle/>
+            <a:p/>
+          </p:txBody>
+        </p:sp>
+        <p:sp>
+          <p:nvSpPr>
+            <p:cNvPr id="37" name="pl37"/>
+            <p:cNvSpPr/>
+            <p:nvPr/>
+          </p:nvSpPr>
+          <p:spPr>
+            <a:xfrm>
+              <a:off x="4038868" y="1809173"/>
+              <a:ext cx="0" cy="3464924"/>
+            </a:xfrm>
+            <a:custGeom>
+              <a:avLst/>
+              <a:pathLst>
+                <a:path w="0" h="3464924">
+                  <a:moveTo>
+                    <a:pt x="0" y="3464924"/>
+                  </a:moveTo>
+                  <a:lnTo>
+                    <a:pt x="0" y="0"/>
+                  </a:lnTo>
+                  <a:lnTo>
+                    <a:pt x="0" y="0"/>
+                  </a:lnTo>
+                </a:path>
+              </a:pathLst>
+            </a:custGeom>
+            <a:ln w="13550" cap="flat">
+              <a:solidFill>
+                <a:srgbClr val="EBEBEB">
+                  <a:alpha val="100000"/>
+                </a:srgbClr>
+              </a:solidFill>
+              <a:prstDash val="solid"/>
+              <a:round/>
+            </a:ln>
+          </p:spPr>
+          <p:txBody>
+            <a:bodyPr/>
+            <a:lstStyle/>
+            <a:p/>
+          </p:txBody>
+        </p:sp>
+        <p:sp>
+          <p:nvSpPr>
+            <p:cNvPr id="38" name="pl38"/>
+            <p:cNvSpPr/>
+            <p:nvPr/>
+          </p:nvSpPr>
+          <p:spPr>
+            <a:xfrm>
+              <a:off x="4347385" y="1809173"/>
+              <a:ext cx="0" cy="3464924"/>
+            </a:xfrm>
+            <a:custGeom>
+              <a:avLst/>
+              <a:pathLst>
+                <a:path w="0" h="3464924">
+                  <a:moveTo>
+                    <a:pt x="0" y="3464924"/>
+                  </a:moveTo>
+                  <a:lnTo>
+                    <a:pt x="0" y="0"/>
+                  </a:lnTo>
+                  <a:lnTo>
+                    <a:pt x="0" y="0"/>
+                  </a:lnTo>
+                </a:path>
+              </a:pathLst>
+            </a:custGeom>
+            <a:ln w="13550" cap="flat">
+              <a:solidFill>
+                <a:srgbClr val="EBEBEB">
+                  <a:alpha val="100000"/>
+                </a:srgbClr>
+              </a:solidFill>
+              <a:prstDash val="solid"/>
+              <a:round/>
+            </a:ln>
+          </p:spPr>
+          <p:txBody>
+            <a:bodyPr/>
+            <a:lstStyle/>
+            <a:p/>
+          </p:txBody>
+        </p:sp>
+        <p:sp>
+          <p:nvSpPr>
+            <p:cNvPr id="39" name="pl39"/>
+            <p:cNvSpPr/>
+            <p:nvPr/>
+          </p:nvSpPr>
+          <p:spPr>
+            <a:xfrm>
+              <a:off x="4655902" y="1809173"/>
+              <a:ext cx="0" cy="3464924"/>
+            </a:xfrm>
+            <a:custGeom>
+              <a:avLst/>
+              <a:pathLst>
+                <a:path w="0" h="3464924">
+                  <a:moveTo>
+                    <a:pt x="0" y="3464924"/>
+                  </a:moveTo>
+                  <a:lnTo>
+                    <a:pt x="0" y="0"/>
+                  </a:lnTo>
+                  <a:lnTo>
+                    <a:pt x="0" y="0"/>
+                  </a:lnTo>
+                </a:path>
+              </a:pathLst>
+            </a:custGeom>
+            <a:ln w="13550" cap="flat">
+              <a:solidFill>
+                <a:srgbClr val="EBEBEB">
+                  <a:alpha val="100000"/>
+                </a:srgbClr>
+              </a:solidFill>
+              <a:prstDash val="solid"/>
+              <a:round/>
+            </a:ln>
+          </p:spPr>
+          <p:txBody>
+            <a:bodyPr/>
+            <a:lstStyle/>
+            <a:p/>
+          </p:txBody>
+        </p:sp>
+        <p:sp>
+          <p:nvSpPr>
+            <p:cNvPr id="40" name="rc40"/>
+            <p:cNvSpPr/>
+            <p:nvPr/>
+          </p:nvSpPr>
+          <p:spPr>
+            <a:xfrm>
+              <a:off x="3900036" y="5103023"/>
+              <a:ext cx="277665" cy="13577"/>
             </a:xfrm>
             <a:prstGeom prst="rect">
               <a:avLst/>
             </a:prstGeom>
             <a:solidFill>
-              <a:srgbClr val="595959">
+              <a:srgbClr val="FCAE91">
                 <a:alpha val="100000"/>
               </a:srgbClr>
             </a:solidFill>
@@ -4185,20 +4602,20 @@
         </p:sp>
         <p:sp>
           <p:nvSpPr>
-            <p:cNvPr id="31" name="rc31"/>
-            <p:cNvSpPr/>
-            <p:nvPr/>
-          </p:nvSpPr>
-          <p:spPr>
-            <a:xfrm>
-              <a:off x="2023549" y="4296824"/>
-              <a:ext cx="2773218" cy="396030"/>
+            <p:cNvPr id="41" name="rc41"/>
+            <p:cNvSpPr/>
+            <p:nvPr/>
+          </p:nvSpPr>
+          <p:spPr>
+            <a:xfrm>
+              <a:off x="4208552" y="3663830"/>
+              <a:ext cx="277665" cy="1452770"/>
             </a:xfrm>
             <a:prstGeom prst="rect">
               <a:avLst/>
             </a:prstGeom>
             <a:solidFill>
-              <a:srgbClr val="595959">
+              <a:srgbClr val="FB6A4A">
                 <a:alpha val="100000"/>
               </a:srgbClr>
             </a:solidFill>
@@ -4211,20 +4628,20 @@
         </p:sp>
         <p:sp>
           <p:nvSpPr>
-            <p:cNvPr id="32" name="rc32"/>
-            <p:cNvSpPr/>
-            <p:nvPr/>
-          </p:nvSpPr>
-          <p:spPr>
-            <a:xfrm>
-              <a:off x="2023549" y="4736858"/>
-              <a:ext cx="1780227" cy="396030"/>
+            <p:cNvPr id="42" name="rc42"/>
+            <p:cNvSpPr/>
+            <p:nvPr/>
+          </p:nvSpPr>
+          <p:spPr>
+            <a:xfrm>
+              <a:off x="4517069" y="3066430"/>
+              <a:ext cx="277665" cy="2050170"/>
             </a:xfrm>
             <a:prstGeom prst="rect">
               <a:avLst/>
             </a:prstGeom>
             <a:solidFill>
-              <a:srgbClr val="595959">
+              <a:srgbClr val="CB181D">
                 <a:alpha val="100000"/>
               </a:srgbClr>
             </a:solidFill>
@@ -4237,20 +4654,50 @@
         </p:sp>
         <p:sp>
           <p:nvSpPr>
-            <p:cNvPr id="33" name="rc33"/>
-            <p:cNvSpPr/>
-            <p:nvPr/>
-          </p:nvSpPr>
-          <p:spPr>
-            <a:xfrm>
-              <a:off x="2023549" y="5176892"/>
-              <a:ext cx="1738479" cy="396030"/>
+            <p:cNvPr id="43" name="rc43"/>
+            <p:cNvSpPr/>
+            <p:nvPr/>
+          </p:nvSpPr>
+          <p:spPr>
+            <a:xfrm>
+              <a:off x="3545241" y="1809173"/>
+              <a:ext cx="1295770" cy="3464924"/>
+            </a:xfrm>
+            <a:prstGeom prst="rect">
+              <a:avLst/>
+            </a:prstGeom>
+            <a:ln w="13550" cap="rnd">
+              <a:solidFill>
+                <a:srgbClr val="333333">
+                  <a:alpha val="100000"/>
+                </a:srgbClr>
+              </a:solidFill>
+              <a:prstDash val="solid"/>
+              <a:round/>
+            </a:ln>
+          </p:spPr>
+          <p:txBody>
+            <a:bodyPr/>
+            <a:lstStyle/>
+            <a:p/>
+          </p:txBody>
+        </p:sp>
+        <p:sp>
+          <p:nvSpPr>
+            <p:cNvPr id="44" name="rc44"/>
+            <p:cNvSpPr/>
+            <p:nvPr/>
+          </p:nvSpPr>
+          <p:spPr>
+            <a:xfrm>
+              <a:off x="4910601" y="1809173"/>
+              <a:ext cx="1295770" cy="3464924"/>
             </a:xfrm>
             <a:prstGeom prst="rect">
               <a:avLst/>
             </a:prstGeom>
             <a:solidFill>
-              <a:srgbClr val="595959">
+              <a:srgbClr val="FFFFFF">
                 <a:alpha val="100000"/>
               </a:srgbClr>
             </a:solidFill>
@@ -4263,458 +4710,2205 @@
         </p:sp>
         <p:sp>
           <p:nvSpPr>
-            <p:cNvPr id="34" name="tx34"/>
-            <p:cNvSpPr/>
-            <p:nvPr/>
-          </p:nvSpPr>
-          <p:spPr>
-            <a:xfrm>
-              <a:off x="8269026" y="1810163"/>
-              <a:ext cx="406518" cy="67753"/>
+            <p:cNvPr id="45" name="pl45"/>
+            <p:cNvSpPr/>
+            <p:nvPr/>
+          </p:nvSpPr>
+          <p:spPr>
+            <a:xfrm>
+              <a:off x="4910601" y="4777168"/>
+              <a:ext cx="1295770" cy="0"/>
+            </a:xfrm>
+            <a:custGeom>
+              <a:avLst/>
+              <a:pathLst>
+                <a:path w="1295770" h="0">
+                  <a:moveTo>
+                    <a:pt x="0" y="0"/>
+                  </a:moveTo>
+                  <a:lnTo>
+                    <a:pt x="1295770" y="0"/>
+                  </a:lnTo>
+                  <a:lnTo>
+                    <a:pt x="1295770" y="0"/>
+                  </a:lnTo>
+                </a:path>
+              </a:pathLst>
+            </a:custGeom>
+            <a:ln w="6775" cap="flat">
+              <a:solidFill>
+                <a:srgbClr val="EBEBEB">
+                  <a:alpha val="100000"/>
+                </a:srgbClr>
+              </a:solidFill>
+              <a:prstDash val="solid"/>
+              <a:round/>
+            </a:ln>
+          </p:spPr>
+          <p:txBody>
+            <a:bodyPr/>
+            <a:lstStyle/>
+            <a:p/>
+          </p:txBody>
+        </p:sp>
+        <p:sp>
+          <p:nvSpPr>
+            <p:cNvPr id="46" name="pl46"/>
+            <p:cNvSpPr/>
+            <p:nvPr/>
+          </p:nvSpPr>
+          <p:spPr>
+            <a:xfrm>
+              <a:off x="4910601" y="4098304"/>
+              <a:ext cx="1295770" cy="0"/>
+            </a:xfrm>
+            <a:custGeom>
+              <a:avLst/>
+              <a:pathLst>
+                <a:path w="1295770" h="0">
+                  <a:moveTo>
+                    <a:pt x="0" y="0"/>
+                  </a:moveTo>
+                  <a:lnTo>
+                    <a:pt x="1295770" y="0"/>
+                  </a:lnTo>
+                  <a:lnTo>
+                    <a:pt x="1295770" y="0"/>
+                  </a:lnTo>
+                </a:path>
+              </a:pathLst>
+            </a:custGeom>
+            <a:ln w="6775" cap="flat">
+              <a:solidFill>
+                <a:srgbClr val="EBEBEB">
+                  <a:alpha val="100000"/>
+                </a:srgbClr>
+              </a:solidFill>
+              <a:prstDash val="solid"/>
+              <a:round/>
+            </a:ln>
+          </p:spPr>
+          <p:txBody>
+            <a:bodyPr/>
+            <a:lstStyle/>
+            <a:p/>
+          </p:txBody>
+        </p:sp>
+        <p:sp>
+          <p:nvSpPr>
+            <p:cNvPr id="47" name="pl47"/>
+            <p:cNvSpPr/>
+            <p:nvPr/>
+          </p:nvSpPr>
+          <p:spPr>
+            <a:xfrm>
+              <a:off x="4910601" y="3419439"/>
+              <a:ext cx="1295770" cy="0"/>
+            </a:xfrm>
+            <a:custGeom>
+              <a:avLst/>
+              <a:pathLst>
+                <a:path w="1295770" h="0">
+                  <a:moveTo>
+                    <a:pt x="0" y="0"/>
+                  </a:moveTo>
+                  <a:lnTo>
+                    <a:pt x="1295770" y="0"/>
+                  </a:lnTo>
+                  <a:lnTo>
+                    <a:pt x="1295770" y="0"/>
+                  </a:lnTo>
+                </a:path>
+              </a:pathLst>
+            </a:custGeom>
+            <a:ln w="6775" cap="flat">
+              <a:solidFill>
+                <a:srgbClr val="EBEBEB">
+                  <a:alpha val="100000"/>
+                </a:srgbClr>
+              </a:solidFill>
+              <a:prstDash val="solid"/>
+              <a:round/>
+            </a:ln>
+          </p:spPr>
+          <p:txBody>
+            <a:bodyPr/>
+            <a:lstStyle/>
+            <a:p/>
+          </p:txBody>
+        </p:sp>
+        <p:sp>
+          <p:nvSpPr>
+            <p:cNvPr id="48" name="pl48"/>
+            <p:cNvSpPr/>
+            <p:nvPr/>
+          </p:nvSpPr>
+          <p:spPr>
+            <a:xfrm>
+              <a:off x="4910601" y="2740575"/>
+              <a:ext cx="1295770" cy="0"/>
+            </a:xfrm>
+            <a:custGeom>
+              <a:avLst/>
+              <a:pathLst>
+                <a:path w="1295770" h="0">
+                  <a:moveTo>
+                    <a:pt x="0" y="0"/>
+                  </a:moveTo>
+                  <a:lnTo>
+                    <a:pt x="1295770" y="0"/>
+                  </a:lnTo>
+                  <a:lnTo>
+                    <a:pt x="1295770" y="0"/>
+                  </a:lnTo>
+                </a:path>
+              </a:pathLst>
+            </a:custGeom>
+            <a:ln w="6775" cap="flat">
+              <a:solidFill>
+                <a:srgbClr val="EBEBEB">
+                  <a:alpha val="100000"/>
+                </a:srgbClr>
+              </a:solidFill>
+              <a:prstDash val="solid"/>
+              <a:round/>
+            </a:ln>
+          </p:spPr>
+          <p:txBody>
+            <a:bodyPr/>
+            <a:lstStyle/>
+            <a:p/>
+          </p:txBody>
+        </p:sp>
+        <p:sp>
+          <p:nvSpPr>
+            <p:cNvPr id="49" name="pl49"/>
+            <p:cNvSpPr/>
+            <p:nvPr/>
+          </p:nvSpPr>
+          <p:spPr>
+            <a:xfrm>
+              <a:off x="4910601" y="2061710"/>
+              <a:ext cx="1295770" cy="0"/>
+            </a:xfrm>
+            <a:custGeom>
+              <a:avLst/>
+              <a:pathLst>
+                <a:path w="1295770" h="0">
+                  <a:moveTo>
+                    <a:pt x="0" y="0"/>
+                  </a:moveTo>
+                  <a:lnTo>
+                    <a:pt x="1295770" y="0"/>
+                  </a:lnTo>
+                  <a:lnTo>
+                    <a:pt x="1295770" y="0"/>
+                  </a:lnTo>
+                </a:path>
+              </a:pathLst>
+            </a:custGeom>
+            <a:ln w="6775" cap="flat">
+              <a:solidFill>
+                <a:srgbClr val="EBEBEB">
+                  <a:alpha val="100000"/>
+                </a:srgbClr>
+              </a:solidFill>
+              <a:prstDash val="solid"/>
+              <a:round/>
+            </a:ln>
+          </p:spPr>
+          <p:txBody>
+            <a:bodyPr/>
+            <a:lstStyle/>
+            <a:p/>
+          </p:txBody>
+        </p:sp>
+        <p:sp>
+          <p:nvSpPr>
+            <p:cNvPr id="50" name="pl50"/>
+            <p:cNvSpPr/>
+            <p:nvPr/>
+          </p:nvSpPr>
+          <p:spPr>
+            <a:xfrm>
+              <a:off x="4910601" y="5116600"/>
+              <a:ext cx="1295770" cy="0"/>
+            </a:xfrm>
+            <a:custGeom>
+              <a:avLst/>
+              <a:pathLst>
+                <a:path w="1295770" h="0">
+                  <a:moveTo>
+                    <a:pt x="0" y="0"/>
+                  </a:moveTo>
+                  <a:lnTo>
+                    <a:pt x="1295770" y="0"/>
+                  </a:lnTo>
+                  <a:lnTo>
+                    <a:pt x="1295770" y="0"/>
+                  </a:lnTo>
+                </a:path>
+              </a:pathLst>
+            </a:custGeom>
+            <a:ln w="13550" cap="flat">
+              <a:solidFill>
+                <a:srgbClr val="EBEBEB">
+                  <a:alpha val="100000"/>
+                </a:srgbClr>
+              </a:solidFill>
+              <a:prstDash val="solid"/>
+              <a:round/>
+            </a:ln>
+          </p:spPr>
+          <p:txBody>
+            <a:bodyPr/>
+            <a:lstStyle/>
+            <a:p/>
+          </p:txBody>
+        </p:sp>
+        <p:sp>
+          <p:nvSpPr>
+            <p:cNvPr id="51" name="pl51"/>
+            <p:cNvSpPr/>
+            <p:nvPr/>
+          </p:nvSpPr>
+          <p:spPr>
+            <a:xfrm>
+              <a:off x="4910601" y="4437736"/>
+              <a:ext cx="1295770" cy="0"/>
+            </a:xfrm>
+            <a:custGeom>
+              <a:avLst/>
+              <a:pathLst>
+                <a:path w="1295770" h="0">
+                  <a:moveTo>
+                    <a:pt x="0" y="0"/>
+                  </a:moveTo>
+                  <a:lnTo>
+                    <a:pt x="1295770" y="0"/>
+                  </a:lnTo>
+                  <a:lnTo>
+                    <a:pt x="1295770" y="0"/>
+                  </a:lnTo>
+                </a:path>
+              </a:pathLst>
+            </a:custGeom>
+            <a:ln w="13550" cap="flat">
+              <a:solidFill>
+                <a:srgbClr val="EBEBEB">
+                  <a:alpha val="100000"/>
+                </a:srgbClr>
+              </a:solidFill>
+              <a:prstDash val="solid"/>
+              <a:round/>
+            </a:ln>
+          </p:spPr>
+          <p:txBody>
+            <a:bodyPr/>
+            <a:lstStyle/>
+            <a:p/>
+          </p:txBody>
+        </p:sp>
+        <p:sp>
+          <p:nvSpPr>
+            <p:cNvPr id="52" name="pl52"/>
+            <p:cNvSpPr/>
+            <p:nvPr/>
+          </p:nvSpPr>
+          <p:spPr>
+            <a:xfrm>
+              <a:off x="4910601" y="3758871"/>
+              <a:ext cx="1295770" cy="0"/>
+            </a:xfrm>
+            <a:custGeom>
+              <a:avLst/>
+              <a:pathLst>
+                <a:path w="1295770" h="0">
+                  <a:moveTo>
+                    <a:pt x="0" y="0"/>
+                  </a:moveTo>
+                  <a:lnTo>
+                    <a:pt x="1295770" y="0"/>
+                  </a:lnTo>
+                  <a:lnTo>
+                    <a:pt x="1295770" y="0"/>
+                  </a:lnTo>
+                </a:path>
+              </a:pathLst>
+            </a:custGeom>
+            <a:ln w="13550" cap="flat">
+              <a:solidFill>
+                <a:srgbClr val="EBEBEB">
+                  <a:alpha val="100000"/>
+                </a:srgbClr>
+              </a:solidFill>
+              <a:prstDash val="solid"/>
+              <a:round/>
+            </a:ln>
+          </p:spPr>
+          <p:txBody>
+            <a:bodyPr/>
+            <a:lstStyle/>
+            <a:p/>
+          </p:txBody>
+        </p:sp>
+        <p:sp>
+          <p:nvSpPr>
+            <p:cNvPr id="53" name="pl53"/>
+            <p:cNvSpPr/>
+            <p:nvPr/>
+          </p:nvSpPr>
+          <p:spPr>
+            <a:xfrm>
+              <a:off x="4910601" y="3080007"/>
+              <a:ext cx="1295770" cy="0"/>
+            </a:xfrm>
+            <a:custGeom>
+              <a:avLst/>
+              <a:pathLst>
+                <a:path w="1295770" h="0">
+                  <a:moveTo>
+                    <a:pt x="0" y="0"/>
+                  </a:moveTo>
+                  <a:lnTo>
+                    <a:pt x="1295770" y="0"/>
+                  </a:lnTo>
+                  <a:lnTo>
+                    <a:pt x="1295770" y="0"/>
+                  </a:lnTo>
+                </a:path>
+              </a:pathLst>
+            </a:custGeom>
+            <a:ln w="13550" cap="flat">
+              <a:solidFill>
+                <a:srgbClr val="EBEBEB">
+                  <a:alpha val="100000"/>
+                </a:srgbClr>
+              </a:solidFill>
+              <a:prstDash val="solid"/>
+              <a:round/>
+            </a:ln>
+          </p:spPr>
+          <p:txBody>
+            <a:bodyPr/>
+            <a:lstStyle/>
+            <a:p/>
+          </p:txBody>
+        </p:sp>
+        <p:sp>
+          <p:nvSpPr>
+            <p:cNvPr id="54" name="pl54"/>
+            <p:cNvSpPr/>
+            <p:nvPr/>
+          </p:nvSpPr>
+          <p:spPr>
+            <a:xfrm>
+              <a:off x="4910601" y="2401142"/>
+              <a:ext cx="1295770" cy="0"/>
+            </a:xfrm>
+            <a:custGeom>
+              <a:avLst/>
+              <a:pathLst>
+                <a:path w="1295770" h="0">
+                  <a:moveTo>
+                    <a:pt x="0" y="0"/>
+                  </a:moveTo>
+                  <a:lnTo>
+                    <a:pt x="1295770" y="0"/>
+                  </a:lnTo>
+                  <a:lnTo>
+                    <a:pt x="1295770" y="0"/>
+                  </a:lnTo>
+                </a:path>
+              </a:pathLst>
+            </a:custGeom>
+            <a:ln w="13550" cap="flat">
+              <a:solidFill>
+                <a:srgbClr val="EBEBEB">
+                  <a:alpha val="100000"/>
+                </a:srgbClr>
+              </a:solidFill>
+              <a:prstDash val="solid"/>
+              <a:round/>
+            </a:ln>
+          </p:spPr>
+          <p:txBody>
+            <a:bodyPr/>
+            <a:lstStyle/>
+            <a:p/>
+          </p:txBody>
+        </p:sp>
+        <p:sp>
+          <p:nvSpPr>
+            <p:cNvPr id="55" name="pl55"/>
+            <p:cNvSpPr/>
+            <p:nvPr/>
+          </p:nvSpPr>
+          <p:spPr>
+            <a:xfrm>
+              <a:off x="5095711" y="1809173"/>
+              <a:ext cx="0" cy="3464924"/>
+            </a:xfrm>
+            <a:custGeom>
+              <a:avLst/>
+              <a:pathLst>
+                <a:path w="0" h="3464924">
+                  <a:moveTo>
+                    <a:pt x="0" y="3464924"/>
+                  </a:moveTo>
+                  <a:lnTo>
+                    <a:pt x="0" y="0"/>
+                  </a:lnTo>
+                  <a:lnTo>
+                    <a:pt x="0" y="0"/>
+                  </a:lnTo>
+                </a:path>
+              </a:pathLst>
+            </a:custGeom>
+            <a:ln w="13550" cap="flat">
+              <a:solidFill>
+                <a:srgbClr val="EBEBEB">
+                  <a:alpha val="100000"/>
+                </a:srgbClr>
+              </a:solidFill>
+              <a:prstDash val="solid"/>
+              <a:round/>
+            </a:ln>
+          </p:spPr>
+          <p:txBody>
+            <a:bodyPr/>
+            <a:lstStyle/>
+            <a:p/>
+          </p:txBody>
+        </p:sp>
+        <p:sp>
+          <p:nvSpPr>
+            <p:cNvPr id="56" name="pl56"/>
+            <p:cNvSpPr/>
+            <p:nvPr/>
+          </p:nvSpPr>
+          <p:spPr>
+            <a:xfrm>
+              <a:off x="5404228" y="1809173"/>
+              <a:ext cx="0" cy="3464924"/>
+            </a:xfrm>
+            <a:custGeom>
+              <a:avLst/>
+              <a:pathLst>
+                <a:path w="0" h="3464924">
+                  <a:moveTo>
+                    <a:pt x="0" y="3464924"/>
+                  </a:moveTo>
+                  <a:lnTo>
+                    <a:pt x="0" y="0"/>
+                  </a:lnTo>
+                  <a:lnTo>
+                    <a:pt x="0" y="0"/>
+                  </a:lnTo>
+                </a:path>
+              </a:pathLst>
+            </a:custGeom>
+            <a:ln w="13550" cap="flat">
+              <a:solidFill>
+                <a:srgbClr val="EBEBEB">
+                  <a:alpha val="100000"/>
+                </a:srgbClr>
+              </a:solidFill>
+              <a:prstDash val="solid"/>
+              <a:round/>
+            </a:ln>
+          </p:spPr>
+          <p:txBody>
+            <a:bodyPr/>
+            <a:lstStyle/>
+            <a:p/>
+          </p:txBody>
+        </p:sp>
+        <p:sp>
+          <p:nvSpPr>
+            <p:cNvPr id="57" name="pl57"/>
+            <p:cNvSpPr/>
+            <p:nvPr/>
+          </p:nvSpPr>
+          <p:spPr>
+            <a:xfrm>
+              <a:off x="5712745" y="1809173"/>
+              <a:ext cx="0" cy="3464924"/>
+            </a:xfrm>
+            <a:custGeom>
+              <a:avLst/>
+              <a:pathLst>
+                <a:path w="0" h="3464924">
+                  <a:moveTo>
+                    <a:pt x="0" y="3464924"/>
+                  </a:moveTo>
+                  <a:lnTo>
+                    <a:pt x="0" y="0"/>
+                  </a:lnTo>
+                  <a:lnTo>
+                    <a:pt x="0" y="0"/>
+                  </a:lnTo>
+                </a:path>
+              </a:pathLst>
+            </a:custGeom>
+            <a:ln w="13550" cap="flat">
+              <a:solidFill>
+                <a:srgbClr val="EBEBEB">
+                  <a:alpha val="100000"/>
+                </a:srgbClr>
+              </a:solidFill>
+              <a:prstDash val="solid"/>
+              <a:round/>
+            </a:ln>
+          </p:spPr>
+          <p:txBody>
+            <a:bodyPr/>
+            <a:lstStyle/>
+            <a:p/>
+          </p:txBody>
+        </p:sp>
+        <p:sp>
+          <p:nvSpPr>
+            <p:cNvPr id="58" name="pl58"/>
+            <p:cNvSpPr/>
+            <p:nvPr/>
+          </p:nvSpPr>
+          <p:spPr>
+            <a:xfrm>
+              <a:off x="6021262" y="1809173"/>
+              <a:ext cx="0" cy="3464924"/>
+            </a:xfrm>
+            <a:custGeom>
+              <a:avLst/>
+              <a:pathLst>
+                <a:path w="0" h="3464924">
+                  <a:moveTo>
+                    <a:pt x="0" y="3464924"/>
+                  </a:moveTo>
+                  <a:lnTo>
+                    <a:pt x="0" y="0"/>
+                  </a:lnTo>
+                  <a:lnTo>
+                    <a:pt x="0" y="0"/>
+                  </a:lnTo>
+                </a:path>
+              </a:pathLst>
+            </a:custGeom>
+            <a:ln w="13550" cap="flat">
+              <a:solidFill>
+                <a:srgbClr val="EBEBEB">
+                  <a:alpha val="100000"/>
+                </a:srgbClr>
+              </a:solidFill>
+              <a:prstDash val="solid"/>
+              <a:round/>
+            </a:ln>
+          </p:spPr>
+          <p:txBody>
+            <a:bodyPr/>
+            <a:lstStyle/>
+            <a:p/>
+          </p:txBody>
+        </p:sp>
+        <p:sp>
+          <p:nvSpPr>
+            <p:cNvPr id="59" name="rc59"/>
+            <p:cNvSpPr/>
+            <p:nvPr/>
+          </p:nvSpPr>
+          <p:spPr>
+            <a:xfrm>
+              <a:off x="5265396" y="5089446"/>
+              <a:ext cx="277665" cy="27154"/>
             </a:xfrm>
             <a:prstGeom prst="rect">
               <a:avLst/>
             </a:prstGeom>
-            <a:noFill/>
-          </p:spPr>
-          <p:txBody>
-            <a:bodyPr lIns="0" rIns="0" tIns="0" bIns="0" anchorCtr="1" anchor="ctr" wrap="none"/>
-            <a:lstStyle/>
-            <a:p>
-              <a:pPr algn="l" marL="0" marR="0" indent="0">
-                <a:lnSpc>
-                  <a:spcPts val="853"/>
-                </a:lnSpc>
-                <a:spcBef>
-                  <a:spcPts val="0"/>
-                </a:spcBef>
-                <a:spcAft>
-                  <a:spcPts val="0"/>
-                </a:spcAft>
-              </a:pPr>
-              <a:r>
-                <a:rPr sz="853" b="1">
-                  <a:solidFill>
-                    <a:srgbClr val="FFFFFF">
-                      <a:alpha val="100000"/>
-                    </a:srgbClr>
-                  </a:solidFill>
-                  <a:latin typeface="Arial"/>
-                  <a:cs typeface="Arial"/>
-                </a:rPr>
-                <a:t>菌株特异性</a:t>
-              </a:r>
-            </a:p>
-          </p:txBody>
-        </p:sp>
-        <p:sp>
-          <p:nvSpPr>
-            <p:cNvPr id="35" name="tx35"/>
-            <p:cNvSpPr/>
-            <p:nvPr/>
-          </p:nvSpPr>
-          <p:spPr>
-            <a:xfrm>
-              <a:off x="6749693" y="2237705"/>
-              <a:ext cx="873221" cy="80245"/>
+            <a:solidFill>
+              <a:srgbClr val="FCAE91">
+                <a:alpha val="100000"/>
+              </a:srgbClr>
+            </a:solidFill>
+          </p:spPr>
+          <p:txBody>
+            <a:bodyPr/>
+            <a:lstStyle/>
+            <a:p/>
+          </p:txBody>
+        </p:sp>
+        <p:sp>
+          <p:nvSpPr>
+            <p:cNvPr id="60" name="rc60"/>
+            <p:cNvSpPr/>
+            <p:nvPr/>
+          </p:nvSpPr>
+          <p:spPr>
+            <a:xfrm>
+              <a:off x="5573912" y="4763591"/>
+              <a:ext cx="277665" cy="353009"/>
             </a:xfrm>
             <a:prstGeom prst="rect">
               <a:avLst/>
             </a:prstGeom>
-            <a:noFill/>
-          </p:spPr>
-          <p:txBody>
-            <a:bodyPr lIns="0" rIns="0" tIns="0" bIns="0" anchorCtr="1" anchor="ctr" wrap="none"/>
-            <a:lstStyle/>
-            <a:p>
-              <a:pPr algn="l" marL="0" marR="0" indent="0">
-                <a:lnSpc>
-                  <a:spcPts val="853"/>
-                </a:lnSpc>
-                <a:spcBef>
-                  <a:spcPts val="0"/>
-                </a:spcBef>
-                <a:spcAft>
-                  <a:spcPts val="0"/>
-                </a:spcAft>
-              </a:pPr>
-              <a:r>
-                <a:rPr sz="853" b="1">
-                  <a:solidFill>
-                    <a:srgbClr val="FFFFFF">
-                      <a:alpha val="100000"/>
-                    </a:srgbClr>
-                  </a:solidFill>
-                  <a:latin typeface="Arial"/>
-                  <a:cs typeface="Arial"/>
-                </a:rPr>
-                <a:t>随机对照试验（RCT）</a:t>
-              </a:r>
-            </a:p>
-          </p:txBody>
-        </p:sp>
-        <p:sp>
-          <p:nvSpPr>
-            <p:cNvPr id="36" name="tx36"/>
-            <p:cNvSpPr/>
-            <p:nvPr/>
-          </p:nvSpPr>
-          <p:spPr>
-            <a:xfrm>
-              <a:off x="6293454" y="2677739"/>
-              <a:ext cx="873221" cy="80245"/>
+            <a:solidFill>
+              <a:srgbClr val="FB6A4A">
+                <a:alpha val="100000"/>
+              </a:srgbClr>
+            </a:solidFill>
+          </p:spPr>
+          <p:txBody>
+            <a:bodyPr/>
+            <a:lstStyle/>
+            <a:p/>
+          </p:txBody>
+        </p:sp>
+        <p:sp>
+          <p:nvSpPr>
+            <p:cNvPr id="61" name="rc61"/>
+            <p:cNvSpPr/>
+            <p:nvPr/>
+          </p:nvSpPr>
+          <p:spPr>
+            <a:xfrm>
+              <a:off x="5882429" y="4329118"/>
+              <a:ext cx="277665" cy="787482"/>
             </a:xfrm>
             <a:prstGeom prst="rect">
               <a:avLst/>
             </a:prstGeom>
-            <a:noFill/>
-          </p:spPr>
-          <p:txBody>
-            <a:bodyPr lIns="0" rIns="0" tIns="0" bIns="0" anchorCtr="1" anchor="ctr" wrap="none"/>
-            <a:lstStyle/>
-            <a:p>
-              <a:pPr algn="l" marL="0" marR="0" indent="0">
-                <a:lnSpc>
-                  <a:spcPts val="853"/>
-                </a:lnSpc>
-                <a:spcBef>
-                  <a:spcPts val="0"/>
-                </a:spcBef>
-                <a:spcAft>
-                  <a:spcPts val="0"/>
-                </a:spcAft>
-              </a:pPr>
-              <a:r>
-                <a:rPr sz="853" b="1">
-                  <a:solidFill>
-                    <a:srgbClr val="FFFFFF">
-                      <a:alpha val="100000"/>
-                    </a:srgbClr>
-                  </a:solidFill>
-                  <a:latin typeface="Arial"/>
-                  <a:cs typeface="Arial"/>
-                </a:rPr>
-                <a:t>菌落形成单位（CFU）</a:t>
-              </a:r>
-            </a:p>
-          </p:txBody>
-        </p:sp>
-        <p:sp>
-          <p:nvSpPr>
-            <p:cNvPr id="37" name="tx37"/>
-            <p:cNvSpPr/>
-            <p:nvPr/>
-          </p:nvSpPr>
-          <p:spPr>
-            <a:xfrm>
-              <a:off x="6216832" y="3130265"/>
-              <a:ext cx="162607" cy="67753"/>
-            </a:xfrm>
-            <a:prstGeom prst="rect">
-              <a:avLst/>
-            </a:prstGeom>
-            <a:noFill/>
-          </p:spPr>
-          <p:txBody>
-            <a:bodyPr lIns="0" rIns="0" tIns="0" bIns="0" anchorCtr="1" anchor="ctr" wrap="none"/>
-            <a:lstStyle/>
-            <a:p>
-              <a:pPr algn="l" marL="0" marR="0" indent="0">
-                <a:lnSpc>
-                  <a:spcPts val="853"/>
-                </a:lnSpc>
-                <a:spcBef>
-                  <a:spcPts val="0"/>
-                </a:spcBef>
-                <a:spcAft>
-                  <a:spcPts val="0"/>
-                </a:spcAft>
-              </a:pPr>
-              <a:r>
-                <a:rPr sz="853" b="1">
-                  <a:solidFill>
-                    <a:srgbClr val="FFFFFF">
-                      <a:alpha val="100000"/>
-                    </a:srgbClr>
-                  </a:solidFill>
-                  <a:latin typeface="Arial"/>
-                  <a:cs typeface="Arial"/>
-                </a:rPr>
-                <a:t>循证</a:t>
-              </a:r>
-            </a:p>
-          </p:txBody>
-        </p:sp>
-        <p:sp>
-          <p:nvSpPr>
-            <p:cNvPr id="38" name="tx38"/>
-            <p:cNvSpPr/>
-            <p:nvPr/>
-          </p:nvSpPr>
-          <p:spPr>
-            <a:xfrm>
-              <a:off x="5642170" y="3557807"/>
-              <a:ext cx="385398" cy="80245"/>
-            </a:xfrm>
-            <a:prstGeom prst="rect">
-              <a:avLst/>
-            </a:prstGeom>
-            <a:noFill/>
-          </p:spPr>
-          <p:txBody>
-            <a:bodyPr lIns="0" rIns="0" tIns="0" bIns="0" anchorCtr="1" anchor="ctr" wrap="none"/>
-            <a:lstStyle/>
-            <a:p>
-              <a:pPr algn="l" marL="0" marR="0" indent="0">
-                <a:lnSpc>
-                  <a:spcPts val="853"/>
-                </a:lnSpc>
-                <a:spcBef>
-                  <a:spcPts val="0"/>
-                </a:spcBef>
-                <a:spcAft>
-                  <a:spcPts val="0"/>
-                </a:spcAft>
-              </a:pPr>
-              <a:r>
-                <a:rPr sz="853" b="1">
-                  <a:solidFill>
-                    <a:srgbClr val="FFFFFF">
-                      <a:alpha val="100000"/>
-                    </a:srgbClr>
-                  </a:solidFill>
-                  <a:latin typeface="Arial"/>
-                  <a:cs typeface="Arial"/>
-                </a:rPr>
-                <a:t>出厂CFU</a:t>
-              </a:r>
-            </a:p>
-          </p:txBody>
-        </p:sp>
-        <p:sp>
-          <p:nvSpPr>
-            <p:cNvPr id="39" name="tx39"/>
-            <p:cNvSpPr/>
-            <p:nvPr/>
-          </p:nvSpPr>
-          <p:spPr>
-            <a:xfrm>
-              <a:off x="5416086" y="4010332"/>
-              <a:ext cx="325215" cy="67753"/>
-            </a:xfrm>
-            <a:prstGeom prst="rect">
-              <a:avLst/>
-            </a:prstGeom>
-            <a:noFill/>
-          </p:spPr>
-          <p:txBody>
-            <a:bodyPr lIns="0" rIns="0" tIns="0" bIns="0" anchorCtr="1" anchor="ctr" wrap="none"/>
-            <a:lstStyle/>
-            <a:p>
-              <a:pPr algn="l" marL="0" marR="0" indent="0">
-                <a:lnSpc>
-                  <a:spcPts val="853"/>
-                </a:lnSpc>
-                <a:spcBef>
-                  <a:spcPts val="0"/>
-                </a:spcBef>
-                <a:spcAft>
-                  <a:spcPts val="0"/>
-                </a:spcAft>
-              </a:pPr>
-              <a:r>
-                <a:rPr sz="853" b="1">
-                  <a:solidFill>
-                    <a:srgbClr val="FFFFFF">
-                      <a:alpha val="100000"/>
-                    </a:srgbClr>
-                  </a:solidFill>
-                  <a:latin typeface="Arial"/>
-                  <a:cs typeface="Arial"/>
-                </a:rPr>
-                <a:t>菌株编号</a:t>
-              </a:r>
-            </a:p>
-          </p:txBody>
-        </p:sp>
-        <p:sp>
-          <p:nvSpPr>
-            <p:cNvPr id="40" name="tx40"/>
-            <p:cNvSpPr/>
-            <p:nvPr/>
-          </p:nvSpPr>
-          <p:spPr>
-            <a:xfrm>
-              <a:off x="4922754" y="4453394"/>
-              <a:ext cx="466702" cy="80245"/>
-            </a:xfrm>
-            <a:prstGeom prst="rect">
-              <a:avLst/>
-            </a:prstGeom>
-            <a:noFill/>
-          </p:spPr>
-          <p:txBody>
-            <a:bodyPr lIns="0" rIns="0" tIns="0" bIns="0" anchorCtr="1" anchor="ctr" wrap="none"/>
-            <a:lstStyle/>
-            <a:p>
-              <a:pPr algn="l" marL="0" marR="0" indent="0">
-                <a:lnSpc>
-                  <a:spcPts val="853"/>
-                </a:lnSpc>
-                <a:spcBef>
-                  <a:spcPts val="0"/>
-                </a:spcBef>
-                <a:spcAft>
-                  <a:spcPts val="0"/>
-                </a:spcAft>
-              </a:pPr>
-              <a:r>
-                <a:rPr sz="853">
-                  <a:solidFill>
-                    <a:srgbClr val="000000">
-                      <a:alpha val="100000"/>
-                    </a:srgbClr>
-                  </a:solidFill>
-                  <a:latin typeface="Arial"/>
-                  <a:cs typeface="Arial"/>
-                </a:rPr>
-                <a:t>货架期CFU</a:t>
-              </a:r>
-            </a:p>
-          </p:txBody>
-        </p:sp>
-        <p:sp>
-          <p:nvSpPr>
-            <p:cNvPr id="41" name="tx41"/>
-            <p:cNvSpPr/>
-            <p:nvPr/>
-          </p:nvSpPr>
-          <p:spPr>
-            <a:xfrm>
-              <a:off x="3929763" y="4905920"/>
-              <a:ext cx="569126" cy="67753"/>
-            </a:xfrm>
-            <a:prstGeom prst="rect">
-              <a:avLst/>
-            </a:prstGeom>
-            <a:noFill/>
-          </p:spPr>
-          <p:txBody>
-            <a:bodyPr lIns="0" rIns="0" tIns="0" bIns="0" anchorCtr="1" anchor="ctr" wrap="none"/>
-            <a:lstStyle/>
-            <a:p>
-              <a:pPr algn="l" marL="0" marR="0" indent="0">
-                <a:lnSpc>
-                  <a:spcPts val="853"/>
-                </a:lnSpc>
-                <a:spcBef>
-                  <a:spcPts val="0"/>
-                </a:spcBef>
-                <a:spcAft>
-                  <a:spcPts val="0"/>
-                </a:spcAft>
-              </a:pPr>
-              <a:r>
-                <a:rPr sz="853">
-                  <a:solidFill>
-                    <a:srgbClr val="000000">
-                      <a:alpha val="100000"/>
-                    </a:srgbClr>
-                  </a:solidFill>
-                  <a:latin typeface="Arial"/>
-                  <a:cs typeface="Arial"/>
-                </a:rPr>
-                <a:t>以上有没有听过</a:t>
-              </a:r>
-            </a:p>
-          </p:txBody>
-        </p:sp>
-        <p:sp>
-          <p:nvSpPr>
-            <p:cNvPr id="42" name="tx42"/>
-            <p:cNvSpPr/>
-            <p:nvPr/>
-          </p:nvSpPr>
-          <p:spPr>
-            <a:xfrm>
-              <a:off x="3888016" y="5345953"/>
-              <a:ext cx="325215" cy="67753"/>
-            </a:xfrm>
-            <a:prstGeom prst="rect">
-              <a:avLst/>
-            </a:prstGeom>
-            <a:noFill/>
-          </p:spPr>
-          <p:txBody>
-            <a:bodyPr lIns="0" rIns="0" tIns="0" bIns="0" anchorCtr="1" anchor="ctr" wrap="none"/>
-            <a:lstStyle/>
-            <a:p>
-              <a:pPr algn="l" marL="0" marR="0" indent="0">
-                <a:lnSpc>
-                  <a:spcPts val="853"/>
-                </a:lnSpc>
-                <a:spcBef>
-                  <a:spcPts val="0"/>
-                </a:spcBef>
-                <a:spcAft>
-                  <a:spcPts val="0"/>
-                </a:spcAft>
-              </a:pPr>
-              <a:r>
-                <a:rPr sz="853">
-                  <a:solidFill>
-                    <a:srgbClr val="000000">
-                      <a:alpha val="100000"/>
-                    </a:srgbClr>
-                  </a:solidFill>
-                  <a:latin typeface="Arial"/>
-                  <a:cs typeface="Arial"/>
-                </a:rPr>
-                <a:t>冷链物流</a:t>
-              </a:r>
-            </a:p>
-          </p:txBody>
-        </p:sp>
-        <p:sp>
-          <p:nvSpPr>
-            <p:cNvPr id="43" name="rc43"/>
-            <p:cNvSpPr/>
-            <p:nvPr/>
-          </p:nvSpPr>
-          <p:spPr>
-            <a:xfrm>
-              <a:off x="2023549" y="1590617"/>
-              <a:ext cx="6913543" cy="4048310"/>
+            <a:solidFill>
+              <a:srgbClr val="CB181D">
+                <a:alpha val="100000"/>
+              </a:srgbClr>
+            </a:solidFill>
+          </p:spPr>
+          <p:txBody>
+            <a:bodyPr/>
+            <a:lstStyle/>
+            <a:p/>
+          </p:txBody>
+        </p:sp>
+        <p:sp>
+          <p:nvSpPr>
+            <p:cNvPr id="62" name="rc62"/>
+            <p:cNvSpPr/>
+            <p:nvPr/>
+          </p:nvSpPr>
+          <p:spPr>
+            <a:xfrm>
+              <a:off x="4910601" y="1809173"/>
+              <a:ext cx="1295770" cy="3464924"/>
             </a:xfrm>
             <a:prstGeom prst="rect">
               <a:avLst/>
             </a:prstGeom>
             <a:ln w="13550" cap="rnd">
               <a:solidFill>
-                <a:srgbClr val="B3B3B3">
-                  <a:alpha val="100000"/>
-                </a:srgbClr>
-              </a:solidFill>
-              <a:prstDash val="solid"/>
-              <a:round/>
-            </a:ln>
-          </p:spPr>
-          <p:txBody>
-            <a:bodyPr/>
-            <a:lstStyle/>
-            <a:p/>
-          </p:txBody>
-        </p:sp>
-        <p:sp>
-          <p:nvSpPr>
-            <p:cNvPr id="44" name="tx44"/>
-            <p:cNvSpPr/>
-            <p:nvPr/>
-          </p:nvSpPr>
-          <p:spPr>
-            <a:xfrm>
-              <a:off x="1926599" y="5333161"/>
-              <a:ext cx="62155" cy="81746"/>
+                <a:srgbClr val="333333">
+                  <a:alpha val="100000"/>
+                </a:srgbClr>
+              </a:solidFill>
+              <a:prstDash val="solid"/>
+              <a:round/>
+            </a:ln>
+          </p:spPr>
+          <p:txBody>
+            <a:bodyPr/>
+            <a:lstStyle/>
+            <a:p/>
+          </p:txBody>
+        </p:sp>
+        <p:sp>
+          <p:nvSpPr>
+            <p:cNvPr id="63" name="rc63"/>
+            <p:cNvSpPr/>
+            <p:nvPr/>
+          </p:nvSpPr>
+          <p:spPr>
+            <a:xfrm>
+              <a:off x="6275961" y="1809173"/>
+              <a:ext cx="1295770" cy="3464924"/>
+            </a:xfrm>
+            <a:prstGeom prst="rect">
+              <a:avLst/>
+            </a:prstGeom>
+            <a:solidFill>
+              <a:srgbClr val="FFFFFF">
+                <a:alpha val="100000"/>
+              </a:srgbClr>
+            </a:solidFill>
+          </p:spPr>
+          <p:txBody>
+            <a:bodyPr/>
+            <a:lstStyle/>
+            <a:p/>
+          </p:txBody>
+        </p:sp>
+        <p:sp>
+          <p:nvSpPr>
+            <p:cNvPr id="64" name="pl64"/>
+            <p:cNvSpPr/>
+            <p:nvPr/>
+          </p:nvSpPr>
+          <p:spPr>
+            <a:xfrm>
+              <a:off x="6275961" y="4777168"/>
+              <a:ext cx="1295770" cy="0"/>
+            </a:xfrm>
+            <a:custGeom>
+              <a:avLst/>
+              <a:pathLst>
+                <a:path w="1295770" h="0">
+                  <a:moveTo>
+                    <a:pt x="0" y="0"/>
+                  </a:moveTo>
+                  <a:lnTo>
+                    <a:pt x="1295770" y="0"/>
+                  </a:lnTo>
+                  <a:lnTo>
+                    <a:pt x="1295770" y="0"/>
+                  </a:lnTo>
+                </a:path>
+              </a:pathLst>
+            </a:custGeom>
+            <a:ln w="6775" cap="flat">
+              <a:solidFill>
+                <a:srgbClr val="EBEBEB">
+                  <a:alpha val="100000"/>
+                </a:srgbClr>
+              </a:solidFill>
+              <a:prstDash val="solid"/>
+              <a:round/>
+            </a:ln>
+          </p:spPr>
+          <p:txBody>
+            <a:bodyPr/>
+            <a:lstStyle/>
+            <a:p/>
+          </p:txBody>
+        </p:sp>
+        <p:sp>
+          <p:nvSpPr>
+            <p:cNvPr id="65" name="pl65"/>
+            <p:cNvSpPr/>
+            <p:nvPr/>
+          </p:nvSpPr>
+          <p:spPr>
+            <a:xfrm>
+              <a:off x="6275961" y="4098304"/>
+              <a:ext cx="1295770" cy="0"/>
+            </a:xfrm>
+            <a:custGeom>
+              <a:avLst/>
+              <a:pathLst>
+                <a:path w="1295770" h="0">
+                  <a:moveTo>
+                    <a:pt x="0" y="0"/>
+                  </a:moveTo>
+                  <a:lnTo>
+                    <a:pt x="1295770" y="0"/>
+                  </a:lnTo>
+                  <a:lnTo>
+                    <a:pt x="1295770" y="0"/>
+                  </a:lnTo>
+                </a:path>
+              </a:pathLst>
+            </a:custGeom>
+            <a:ln w="6775" cap="flat">
+              <a:solidFill>
+                <a:srgbClr val="EBEBEB">
+                  <a:alpha val="100000"/>
+                </a:srgbClr>
+              </a:solidFill>
+              <a:prstDash val="solid"/>
+              <a:round/>
+            </a:ln>
+          </p:spPr>
+          <p:txBody>
+            <a:bodyPr/>
+            <a:lstStyle/>
+            <a:p/>
+          </p:txBody>
+        </p:sp>
+        <p:sp>
+          <p:nvSpPr>
+            <p:cNvPr id="66" name="pl66"/>
+            <p:cNvSpPr/>
+            <p:nvPr/>
+          </p:nvSpPr>
+          <p:spPr>
+            <a:xfrm>
+              <a:off x="6275961" y="3419439"/>
+              <a:ext cx="1295770" cy="0"/>
+            </a:xfrm>
+            <a:custGeom>
+              <a:avLst/>
+              <a:pathLst>
+                <a:path w="1295770" h="0">
+                  <a:moveTo>
+                    <a:pt x="0" y="0"/>
+                  </a:moveTo>
+                  <a:lnTo>
+                    <a:pt x="1295770" y="0"/>
+                  </a:lnTo>
+                  <a:lnTo>
+                    <a:pt x="1295770" y="0"/>
+                  </a:lnTo>
+                </a:path>
+              </a:pathLst>
+            </a:custGeom>
+            <a:ln w="6775" cap="flat">
+              <a:solidFill>
+                <a:srgbClr val="EBEBEB">
+                  <a:alpha val="100000"/>
+                </a:srgbClr>
+              </a:solidFill>
+              <a:prstDash val="solid"/>
+              <a:round/>
+            </a:ln>
+          </p:spPr>
+          <p:txBody>
+            <a:bodyPr/>
+            <a:lstStyle/>
+            <a:p/>
+          </p:txBody>
+        </p:sp>
+        <p:sp>
+          <p:nvSpPr>
+            <p:cNvPr id="67" name="pl67"/>
+            <p:cNvSpPr/>
+            <p:nvPr/>
+          </p:nvSpPr>
+          <p:spPr>
+            <a:xfrm>
+              <a:off x="6275961" y="2740575"/>
+              <a:ext cx="1295770" cy="0"/>
+            </a:xfrm>
+            <a:custGeom>
+              <a:avLst/>
+              <a:pathLst>
+                <a:path w="1295770" h="0">
+                  <a:moveTo>
+                    <a:pt x="0" y="0"/>
+                  </a:moveTo>
+                  <a:lnTo>
+                    <a:pt x="1295770" y="0"/>
+                  </a:lnTo>
+                  <a:lnTo>
+                    <a:pt x="1295770" y="0"/>
+                  </a:lnTo>
+                </a:path>
+              </a:pathLst>
+            </a:custGeom>
+            <a:ln w="6775" cap="flat">
+              <a:solidFill>
+                <a:srgbClr val="EBEBEB">
+                  <a:alpha val="100000"/>
+                </a:srgbClr>
+              </a:solidFill>
+              <a:prstDash val="solid"/>
+              <a:round/>
+            </a:ln>
+          </p:spPr>
+          <p:txBody>
+            <a:bodyPr/>
+            <a:lstStyle/>
+            <a:p/>
+          </p:txBody>
+        </p:sp>
+        <p:sp>
+          <p:nvSpPr>
+            <p:cNvPr id="68" name="pl68"/>
+            <p:cNvSpPr/>
+            <p:nvPr/>
+          </p:nvSpPr>
+          <p:spPr>
+            <a:xfrm>
+              <a:off x="6275961" y="2061710"/>
+              <a:ext cx="1295770" cy="0"/>
+            </a:xfrm>
+            <a:custGeom>
+              <a:avLst/>
+              <a:pathLst>
+                <a:path w="1295770" h="0">
+                  <a:moveTo>
+                    <a:pt x="0" y="0"/>
+                  </a:moveTo>
+                  <a:lnTo>
+                    <a:pt x="1295770" y="0"/>
+                  </a:lnTo>
+                  <a:lnTo>
+                    <a:pt x="1295770" y="0"/>
+                  </a:lnTo>
+                </a:path>
+              </a:pathLst>
+            </a:custGeom>
+            <a:ln w="6775" cap="flat">
+              <a:solidFill>
+                <a:srgbClr val="EBEBEB">
+                  <a:alpha val="100000"/>
+                </a:srgbClr>
+              </a:solidFill>
+              <a:prstDash val="solid"/>
+              <a:round/>
+            </a:ln>
+          </p:spPr>
+          <p:txBody>
+            <a:bodyPr/>
+            <a:lstStyle/>
+            <a:p/>
+          </p:txBody>
+        </p:sp>
+        <p:sp>
+          <p:nvSpPr>
+            <p:cNvPr id="69" name="pl69"/>
+            <p:cNvSpPr/>
+            <p:nvPr/>
+          </p:nvSpPr>
+          <p:spPr>
+            <a:xfrm>
+              <a:off x="6275961" y="5116600"/>
+              <a:ext cx="1295770" cy="0"/>
+            </a:xfrm>
+            <a:custGeom>
+              <a:avLst/>
+              <a:pathLst>
+                <a:path w="1295770" h="0">
+                  <a:moveTo>
+                    <a:pt x="0" y="0"/>
+                  </a:moveTo>
+                  <a:lnTo>
+                    <a:pt x="1295770" y="0"/>
+                  </a:lnTo>
+                  <a:lnTo>
+                    <a:pt x="1295770" y="0"/>
+                  </a:lnTo>
+                </a:path>
+              </a:pathLst>
+            </a:custGeom>
+            <a:ln w="13550" cap="flat">
+              <a:solidFill>
+                <a:srgbClr val="EBEBEB">
+                  <a:alpha val="100000"/>
+                </a:srgbClr>
+              </a:solidFill>
+              <a:prstDash val="solid"/>
+              <a:round/>
+            </a:ln>
+          </p:spPr>
+          <p:txBody>
+            <a:bodyPr/>
+            <a:lstStyle/>
+            <a:p/>
+          </p:txBody>
+        </p:sp>
+        <p:sp>
+          <p:nvSpPr>
+            <p:cNvPr id="70" name="pl70"/>
+            <p:cNvSpPr/>
+            <p:nvPr/>
+          </p:nvSpPr>
+          <p:spPr>
+            <a:xfrm>
+              <a:off x="6275961" y="4437736"/>
+              <a:ext cx="1295770" cy="0"/>
+            </a:xfrm>
+            <a:custGeom>
+              <a:avLst/>
+              <a:pathLst>
+                <a:path w="1295770" h="0">
+                  <a:moveTo>
+                    <a:pt x="0" y="0"/>
+                  </a:moveTo>
+                  <a:lnTo>
+                    <a:pt x="1295770" y="0"/>
+                  </a:lnTo>
+                  <a:lnTo>
+                    <a:pt x="1295770" y="0"/>
+                  </a:lnTo>
+                </a:path>
+              </a:pathLst>
+            </a:custGeom>
+            <a:ln w="13550" cap="flat">
+              <a:solidFill>
+                <a:srgbClr val="EBEBEB">
+                  <a:alpha val="100000"/>
+                </a:srgbClr>
+              </a:solidFill>
+              <a:prstDash val="solid"/>
+              <a:round/>
+            </a:ln>
+          </p:spPr>
+          <p:txBody>
+            <a:bodyPr/>
+            <a:lstStyle/>
+            <a:p/>
+          </p:txBody>
+        </p:sp>
+        <p:sp>
+          <p:nvSpPr>
+            <p:cNvPr id="71" name="pl71"/>
+            <p:cNvSpPr/>
+            <p:nvPr/>
+          </p:nvSpPr>
+          <p:spPr>
+            <a:xfrm>
+              <a:off x="6275961" y="3758871"/>
+              <a:ext cx="1295770" cy="0"/>
+            </a:xfrm>
+            <a:custGeom>
+              <a:avLst/>
+              <a:pathLst>
+                <a:path w="1295770" h="0">
+                  <a:moveTo>
+                    <a:pt x="0" y="0"/>
+                  </a:moveTo>
+                  <a:lnTo>
+                    <a:pt x="1295770" y="0"/>
+                  </a:lnTo>
+                  <a:lnTo>
+                    <a:pt x="1295770" y="0"/>
+                  </a:lnTo>
+                </a:path>
+              </a:pathLst>
+            </a:custGeom>
+            <a:ln w="13550" cap="flat">
+              <a:solidFill>
+                <a:srgbClr val="EBEBEB">
+                  <a:alpha val="100000"/>
+                </a:srgbClr>
+              </a:solidFill>
+              <a:prstDash val="solid"/>
+              <a:round/>
+            </a:ln>
+          </p:spPr>
+          <p:txBody>
+            <a:bodyPr/>
+            <a:lstStyle/>
+            <a:p/>
+          </p:txBody>
+        </p:sp>
+        <p:sp>
+          <p:nvSpPr>
+            <p:cNvPr id="72" name="pl72"/>
+            <p:cNvSpPr/>
+            <p:nvPr/>
+          </p:nvSpPr>
+          <p:spPr>
+            <a:xfrm>
+              <a:off x="6275961" y="3080007"/>
+              <a:ext cx="1295770" cy="0"/>
+            </a:xfrm>
+            <a:custGeom>
+              <a:avLst/>
+              <a:pathLst>
+                <a:path w="1295770" h="0">
+                  <a:moveTo>
+                    <a:pt x="0" y="0"/>
+                  </a:moveTo>
+                  <a:lnTo>
+                    <a:pt x="1295770" y="0"/>
+                  </a:lnTo>
+                  <a:lnTo>
+                    <a:pt x="1295770" y="0"/>
+                  </a:lnTo>
+                </a:path>
+              </a:pathLst>
+            </a:custGeom>
+            <a:ln w="13550" cap="flat">
+              <a:solidFill>
+                <a:srgbClr val="EBEBEB">
+                  <a:alpha val="100000"/>
+                </a:srgbClr>
+              </a:solidFill>
+              <a:prstDash val="solid"/>
+              <a:round/>
+            </a:ln>
+          </p:spPr>
+          <p:txBody>
+            <a:bodyPr/>
+            <a:lstStyle/>
+            <a:p/>
+          </p:txBody>
+        </p:sp>
+        <p:sp>
+          <p:nvSpPr>
+            <p:cNvPr id="73" name="pl73"/>
+            <p:cNvSpPr/>
+            <p:nvPr/>
+          </p:nvSpPr>
+          <p:spPr>
+            <a:xfrm>
+              <a:off x="6275961" y="2401142"/>
+              <a:ext cx="1295770" cy="0"/>
+            </a:xfrm>
+            <a:custGeom>
+              <a:avLst/>
+              <a:pathLst>
+                <a:path w="1295770" h="0">
+                  <a:moveTo>
+                    <a:pt x="0" y="0"/>
+                  </a:moveTo>
+                  <a:lnTo>
+                    <a:pt x="1295770" y="0"/>
+                  </a:lnTo>
+                  <a:lnTo>
+                    <a:pt x="1295770" y="0"/>
+                  </a:lnTo>
+                </a:path>
+              </a:pathLst>
+            </a:custGeom>
+            <a:ln w="13550" cap="flat">
+              <a:solidFill>
+                <a:srgbClr val="EBEBEB">
+                  <a:alpha val="100000"/>
+                </a:srgbClr>
+              </a:solidFill>
+              <a:prstDash val="solid"/>
+              <a:round/>
+            </a:ln>
+          </p:spPr>
+          <p:txBody>
+            <a:bodyPr/>
+            <a:lstStyle/>
+            <a:p/>
+          </p:txBody>
+        </p:sp>
+        <p:sp>
+          <p:nvSpPr>
+            <p:cNvPr id="74" name="pl74"/>
+            <p:cNvSpPr/>
+            <p:nvPr/>
+          </p:nvSpPr>
+          <p:spPr>
+            <a:xfrm>
+              <a:off x="6461071" y="1809173"/>
+              <a:ext cx="0" cy="3464924"/>
+            </a:xfrm>
+            <a:custGeom>
+              <a:avLst/>
+              <a:pathLst>
+                <a:path w="0" h="3464924">
+                  <a:moveTo>
+                    <a:pt x="0" y="3464924"/>
+                  </a:moveTo>
+                  <a:lnTo>
+                    <a:pt x="0" y="0"/>
+                  </a:lnTo>
+                  <a:lnTo>
+                    <a:pt x="0" y="0"/>
+                  </a:lnTo>
+                </a:path>
+              </a:pathLst>
+            </a:custGeom>
+            <a:ln w="13550" cap="flat">
+              <a:solidFill>
+                <a:srgbClr val="EBEBEB">
+                  <a:alpha val="100000"/>
+                </a:srgbClr>
+              </a:solidFill>
+              <a:prstDash val="solid"/>
+              <a:round/>
+            </a:ln>
+          </p:spPr>
+          <p:txBody>
+            <a:bodyPr/>
+            <a:lstStyle/>
+            <a:p/>
+          </p:txBody>
+        </p:sp>
+        <p:sp>
+          <p:nvSpPr>
+            <p:cNvPr id="75" name="pl75"/>
+            <p:cNvSpPr/>
+            <p:nvPr/>
+          </p:nvSpPr>
+          <p:spPr>
+            <a:xfrm>
+              <a:off x="6769588" y="1809173"/>
+              <a:ext cx="0" cy="3464924"/>
+            </a:xfrm>
+            <a:custGeom>
+              <a:avLst/>
+              <a:pathLst>
+                <a:path w="0" h="3464924">
+                  <a:moveTo>
+                    <a:pt x="0" y="3464924"/>
+                  </a:moveTo>
+                  <a:lnTo>
+                    <a:pt x="0" y="0"/>
+                  </a:lnTo>
+                  <a:lnTo>
+                    <a:pt x="0" y="0"/>
+                  </a:lnTo>
+                </a:path>
+              </a:pathLst>
+            </a:custGeom>
+            <a:ln w="13550" cap="flat">
+              <a:solidFill>
+                <a:srgbClr val="EBEBEB">
+                  <a:alpha val="100000"/>
+                </a:srgbClr>
+              </a:solidFill>
+              <a:prstDash val="solid"/>
+              <a:round/>
+            </a:ln>
+          </p:spPr>
+          <p:txBody>
+            <a:bodyPr/>
+            <a:lstStyle/>
+            <a:p/>
+          </p:txBody>
+        </p:sp>
+        <p:sp>
+          <p:nvSpPr>
+            <p:cNvPr id="76" name="pl76"/>
+            <p:cNvSpPr/>
+            <p:nvPr/>
+          </p:nvSpPr>
+          <p:spPr>
+            <a:xfrm>
+              <a:off x="7078105" y="1809173"/>
+              <a:ext cx="0" cy="3464924"/>
+            </a:xfrm>
+            <a:custGeom>
+              <a:avLst/>
+              <a:pathLst>
+                <a:path w="0" h="3464924">
+                  <a:moveTo>
+                    <a:pt x="0" y="3464924"/>
+                  </a:moveTo>
+                  <a:lnTo>
+                    <a:pt x="0" y="0"/>
+                  </a:lnTo>
+                  <a:lnTo>
+                    <a:pt x="0" y="0"/>
+                  </a:lnTo>
+                </a:path>
+              </a:pathLst>
+            </a:custGeom>
+            <a:ln w="13550" cap="flat">
+              <a:solidFill>
+                <a:srgbClr val="EBEBEB">
+                  <a:alpha val="100000"/>
+                </a:srgbClr>
+              </a:solidFill>
+              <a:prstDash val="solid"/>
+              <a:round/>
+            </a:ln>
+          </p:spPr>
+          <p:txBody>
+            <a:bodyPr/>
+            <a:lstStyle/>
+            <a:p/>
+          </p:txBody>
+        </p:sp>
+        <p:sp>
+          <p:nvSpPr>
+            <p:cNvPr id="77" name="pl77"/>
+            <p:cNvSpPr/>
+            <p:nvPr/>
+          </p:nvSpPr>
+          <p:spPr>
+            <a:xfrm>
+              <a:off x="7386622" y="1809173"/>
+              <a:ext cx="0" cy="3464924"/>
+            </a:xfrm>
+            <a:custGeom>
+              <a:avLst/>
+              <a:pathLst>
+                <a:path w="0" h="3464924">
+                  <a:moveTo>
+                    <a:pt x="0" y="3464924"/>
+                  </a:moveTo>
+                  <a:lnTo>
+                    <a:pt x="0" y="0"/>
+                  </a:lnTo>
+                  <a:lnTo>
+                    <a:pt x="0" y="0"/>
+                  </a:lnTo>
+                </a:path>
+              </a:pathLst>
+            </a:custGeom>
+            <a:ln w="13550" cap="flat">
+              <a:solidFill>
+                <a:srgbClr val="EBEBEB">
+                  <a:alpha val="100000"/>
+                </a:srgbClr>
+              </a:solidFill>
+              <a:prstDash val="solid"/>
+              <a:round/>
+            </a:ln>
+          </p:spPr>
+          <p:txBody>
+            <a:bodyPr/>
+            <a:lstStyle/>
+            <a:p/>
+          </p:txBody>
+        </p:sp>
+        <p:sp>
+          <p:nvSpPr>
+            <p:cNvPr id="78" name="rc78"/>
+            <p:cNvSpPr/>
+            <p:nvPr/>
+          </p:nvSpPr>
+          <p:spPr>
+            <a:xfrm>
+              <a:off x="6939272" y="4627818"/>
+              <a:ext cx="277665" cy="488782"/>
+            </a:xfrm>
+            <a:prstGeom prst="rect">
+              <a:avLst/>
+            </a:prstGeom>
+            <a:solidFill>
+              <a:srgbClr val="FB6A4A">
+                <a:alpha val="100000"/>
+              </a:srgbClr>
+            </a:solidFill>
+          </p:spPr>
+          <p:txBody>
+            <a:bodyPr/>
+            <a:lstStyle/>
+            <a:p/>
+          </p:txBody>
+        </p:sp>
+        <p:sp>
+          <p:nvSpPr>
+            <p:cNvPr id="79" name="rc79"/>
+            <p:cNvSpPr/>
+            <p:nvPr/>
+          </p:nvSpPr>
+          <p:spPr>
+            <a:xfrm>
+              <a:off x="7247789" y="4654973"/>
+              <a:ext cx="277665" cy="461627"/>
+            </a:xfrm>
+            <a:prstGeom prst="rect">
+              <a:avLst/>
+            </a:prstGeom>
+            <a:solidFill>
+              <a:srgbClr val="CB181D">
+                <a:alpha val="100000"/>
+              </a:srgbClr>
+            </a:solidFill>
+          </p:spPr>
+          <p:txBody>
+            <a:bodyPr/>
+            <a:lstStyle/>
+            <a:p/>
+          </p:txBody>
+        </p:sp>
+        <p:sp>
+          <p:nvSpPr>
+            <p:cNvPr id="80" name="rc80"/>
+            <p:cNvSpPr/>
+            <p:nvPr/>
+          </p:nvSpPr>
+          <p:spPr>
+            <a:xfrm>
+              <a:off x="6275961" y="1809173"/>
+              <a:ext cx="1295770" cy="3464924"/>
+            </a:xfrm>
+            <a:prstGeom prst="rect">
+              <a:avLst/>
+            </a:prstGeom>
+            <a:ln w="13550" cap="rnd">
+              <a:solidFill>
+                <a:srgbClr val="333333">
+                  <a:alpha val="100000"/>
+                </a:srgbClr>
+              </a:solidFill>
+              <a:prstDash val="solid"/>
+              <a:round/>
+            </a:ln>
+          </p:spPr>
+          <p:txBody>
+            <a:bodyPr/>
+            <a:lstStyle/>
+            <a:p/>
+          </p:txBody>
+        </p:sp>
+        <p:sp>
+          <p:nvSpPr>
+            <p:cNvPr id="81" name="rc81"/>
+            <p:cNvSpPr/>
+            <p:nvPr/>
+          </p:nvSpPr>
+          <p:spPr>
+            <a:xfrm>
+              <a:off x="7641321" y="1809173"/>
+              <a:ext cx="1295770" cy="3464924"/>
+            </a:xfrm>
+            <a:prstGeom prst="rect">
+              <a:avLst/>
+            </a:prstGeom>
+            <a:solidFill>
+              <a:srgbClr val="FFFFFF">
+                <a:alpha val="100000"/>
+              </a:srgbClr>
+            </a:solidFill>
+          </p:spPr>
+          <p:txBody>
+            <a:bodyPr/>
+            <a:lstStyle/>
+            <a:p/>
+          </p:txBody>
+        </p:sp>
+        <p:sp>
+          <p:nvSpPr>
+            <p:cNvPr id="82" name="pl82"/>
+            <p:cNvSpPr/>
+            <p:nvPr/>
+          </p:nvSpPr>
+          <p:spPr>
+            <a:xfrm>
+              <a:off x="7641321" y="4777168"/>
+              <a:ext cx="1295770" cy="0"/>
+            </a:xfrm>
+            <a:custGeom>
+              <a:avLst/>
+              <a:pathLst>
+                <a:path w="1295770" h="0">
+                  <a:moveTo>
+                    <a:pt x="0" y="0"/>
+                  </a:moveTo>
+                  <a:lnTo>
+                    <a:pt x="1295770" y="0"/>
+                  </a:lnTo>
+                  <a:lnTo>
+                    <a:pt x="1295770" y="0"/>
+                  </a:lnTo>
+                </a:path>
+              </a:pathLst>
+            </a:custGeom>
+            <a:ln w="6775" cap="flat">
+              <a:solidFill>
+                <a:srgbClr val="EBEBEB">
+                  <a:alpha val="100000"/>
+                </a:srgbClr>
+              </a:solidFill>
+              <a:prstDash val="solid"/>
+              <a:round/>
+            </a:ln>
+          </p:spPr>
+          <p:txBody>
+            <a:bodyPr/>
+            <a:lstStyle/>
+            <a:p/>
+          </p:txBody>
+        </p:sp>
+        <p:sp>
+          <p:nvSpPr>
+            <p:cNvPr id="83" name="pl83"/>
+            <p:cNvSpPr/>
+            <p:nvPr/>
+          </p:nvSpPr>
+          <p:spPr>
+            <a:xfrm>
+              <a:off x="7641321" y="4098304"/>
+              <a:ext cx="1295770" cy="0"/>
+            </a:xfrm>
+            <a:custGeom>
+              <a:avLst/>
+              <a:pathLst>
+                <a:path w="1295770" h="0">
+                  <a:moveTo>
+                    <a:pt x="0" y="0"/>
+                  </a:moveTo>
+                  <a:lnTo>
+                    <a:pt x="1295770" y="0"/>
+                  </a:lnTo>
+                  <a:lnTo>
+                    <a:pt x="1295770" y="0"/>
+                  </a:lnTo>
+                </a:path>
+              </a:pathLst>
+            </a:custGeom>
+            <a:ln w="6775" cap="flat">
+              <a:solidFill>
+                <a:srgbClr val="EBEBEB">
+                  <a:alpha val="100000"/>
+                </a:srgbClr>
+              </a:solidFill>
+              <a:prstDash val="solid"/>
+              <a:round/>
+            </a:ln>
+          </p:spPr>
+          <p:txBody>
+            <a:bodyPr/>
+            <a:lstStyle/>
+            <a:p/>
+          </p:txBody>
+        </p:sp>
+        <p:sp>
+          <p:nvSpPr>
+            <p:cNvPr id="84" name="pl84"/>
+            <p:cNvSpPr/>
+            <p:nvPr/>
+          </p:nvSpPr>
+          <p:spPr>
+            <a:xfrm>
+              <a:off x="7641321" y="3419439"/>
+              <a:ext cx="1295770" cy="0"/>
+            </a:xfrm>
+            <a:custGeom>
+              <a:avLst/>
+              <a:pathLst>
+                <a:path w="1295770" h="0">
+                  <a:moveTo>
+                    <a:pt x="0" y="0"/>
+                  </a:moveTo>
+                  <a:lnTo>
+                    <a:pt x="1295770" y="0"/>
+                  </a:lnTo>
+                  <a:lnTo>
+                    <a:pt x="1295770" y="0"/>
+                  </a:lnTo>
+                </a:path>
+              </a:pathLst>
+            </a:custGeom>
+            <a:ln w="6775" cap="flat">
+              <a:solidFill>
+                <a:srgbClr val="EBEBEB">
+                  <a:alpha val="100000"/>
+                </a:srgbClr>
+              </a:solidFill>
+              <a:prstDash val="solid"/>
+              <a:round/>
+            </a:ln>
+          </p:spPr>
+          <p:txBody>
+            <a:bodyPr/>
+            <a:lstStyle/>
+            <a:p/>
+          </p:txBody>
+        </p:sp>
+        <p:sp>
+          <p:nvSpPr>
+            <p:cNvPr id="85" name="pl85"/>
+            <p:cNvSpPr/>
+            <p:nvPr/>
+          </p:nvSpPr>
+          <p:spPr>
+            <a:xfrm>
+              <a:off x="7641321" y="2740575"/>
+              <a:ext cx="1295770" cy="0"/>
+            </a:xfrm>
+            <a:custGeom>
+              <a:avLst/>
+              <a:pathLst>
+                <a:path w="1295770" h="0">
+                  <a:moveTo>
+                    <a:pt x="0" y="0"/>
+                  </a:moveTo>
+                  <a:lnTo>
+                    <a:pt x="1295770" y="0"/>
+                  </a:lnTo>
+                  <a:lnTo>
+                    <a:pt x="1295770" y="0"/>
+                  </a:lnTo>
+                </a:path>
+              </a:pathLst>
+            </a:custGeom>
+            <a:ln w="6775" cap="flat">
+              <a:solidFill>
+                <a:srgbClr val="EBEBEB">
+                  <a:alpha val="100000"/>
+                </a:srgbClr>
+              </a:solidFill>
+              <a:prstDash val="solid"/>
+              <a:round/>
+            </a:ln>
+          </p:spPr>
+          <p:txBody>
+            <a:bodyPr/>
+            <a:lstStyle/>
+            <a:p/>
+          </p:txBody>
+        </p:sp>
+        <p:sp>
+          <p:nvSpPr>
+            <p:cNvPr id="86" name="pl86"/>
+            <p:cNvSpPr/>
+            <p:nvPr/>
+          </p:nvSpPr>
+          <p:spPr>
+            <a:xfrm>
+              <a:off x="7641321" y="2061710"/>
+              <a:ext cx="1295770" cy="0"/>
+            </a:xfrm>
+            <a:custGeom>
+              <a:avLst/>
+              <a:pathLst>
+                <a:path w="1295770" h="0">
+                  <a:moveTo>
+                    <a:pt x="0" y="0"/>
+                  </a:moveTo>
+                  <a:lnTo>
+                    <a:pt x="1295770" y="0"/>
+                  </a:lnTo>
+                  <a:lnTo>
+                    <a:pt x="1295770" y="0"/>
+                  </a:lnTo>
+                </a:path>
+              </a:pathLst>
+            </a:custGeom>
+            <a:ln w="6775" cap="flat">
+              <a:solidFill>
+                <a:srgbClr val="EBEBEB">
+                  <a:alpha val="100000"/>
+                </a:srgbClr>
+              </a:solidFill>
+              <a:prstDash val="solid"/>
+              <a:round/>
+            </a:ln>
+          </p:spPr>
+          <p:txBody>
+            <a:bodyPr/>
+            <a:lstStyle/>
+            <a:p/>
+          </p:txBody>
+        </p:sp>
+        <p:sp>
+          <p:nvSpPr>
+            <p:cNvPr id="87" name="pl87"/>
+            <p:cNvSpPr/>
+            <p:nvPr/>
+          </p:nvSpPr>
+          <p:spPr>
+            <a:xfrm>
+              <a:off x="7641321" y="5116600"/>
+              <a:ext cx="1295770" cy="0"/>
+            </a:xfrm>
+            <a:custGeom>
+              <a:avLst/>
+              <a:pathLst>
+                <a:path w="1295770" h="0">
+                  <a:moveTo>
+                    <a:pt x="0" y="0"/>
+                  </a:moveTo>
+                  <a:lnTo>
+                    <a:pt x="1295770" y="0"/>
+                  </a:lnTo>
+                  <a:lnTo>
+                    <a:pt x="1295770" y="0"/>
+                  </a:lnTo>
+                </a:path>
+              </a:pathLst>
+            </a:custGeom>
+            <a:ln w="13550" cap="flat">
+              <a:solidFill>
+                <a:srgbClr val="EBEBEB">
+                  <a:alpha val="100000"/>
+                </a:srgbClr>
+              </a:solidFill>
+              <a:prstDash val="solid"/>
+              <a:round/>
+            </a:ln>
+          </p:spPr>
+          <p:txBody>
+            <a:bodyPr/>
+            <a:lstStyle/>
+            <a:p/>
+          </p:txBody>
+        </p:sp>
+        <p:sp>
+          <p:nvSpPr>
+            <p:cNvPr id="88" name="pl88"/>
+            <p:cNvSpPr/>
+            <p:nvPr/>
+          </p:nvSpPr>
+          <p:spPr>
+            <a:xfrm>
+              <a:off x="7641321" y="4437736"/>
+              <a:ext cx="1295770" cy="0"/>
+            </a:xfrm>
+            <a:custGeom>
+              <a:avLst/>
+              <a:pathLst>
+                <a:path w="1295770" h="0">
+                  <a:moveTo>
+                    <a:pt x="0" y="0"/>
+                  </a:moveTo>
+                  <a:lnTo>
+                    <a:pt x="1295770" y="0"/>
+                  </a:lnTo>
+                  <a:lnTo>
+                    <a:pt x="1295770" y="0"/>
+                  </a:lnTo>
+                </a:path>
+              </a:pathLst>
+            </a:custGeom>
+            <a:ln w="13550" cap="flat">
+              <a:solidFill>
+                <a:srgbClr val="EBEBEB">
+                  <a:alpha val="100000"/>
+                </a:srgbClr>
+              </a:solidFill>
+              <a:prstDash val="solid"/>
+              <a:round/>
+            </a:ln>
+          </p:spPr>
+          <p:txBody>
+            <a:bodyPr/>
+            <a:lstStyle/>
+            <a:p/>
+          </p:txBody>
+        </p:sp>
+        <p:sp>
+          <p:nvSpPr>
+            <p:cNvPr id="89" name="pl89"/>
+            <p:cNvSpPr/>
+            <p:nvPr/>
+          </p:nvSpPr>
+          <p:spPr>
+            <a:xfrm>
+              <a:off x="7641321" y="3758871"/>
+              <a:ext cx="1295770" cy="0"/>
+            </a:xfrm>
+            <a:custGeom>
+              <a:avLst/>
+              <a:pathLst>
+                <a:path w="1295770" h="0">
+                  <a:moveTo>
+                    <a:pt x="0" y="0"/>
+                  </a:moveTo>
+                  <a:lnTo>
+                    <a:pt x="1295770" y="0"/>
+                  </a:lnTo>
+                  <a:lnTo>
+                    <a:pt x="1295770" y="0"/>
+                  </a:lnTo>
+                </a:path>
+              </a:pathLst>
+            </a:custGeom>
+            <a:ln w="13550" cap="flat">
+              <a:solidFill>
+                <a:srgbClr val="EBEBEB">
+                  <a:alpha val="100000"/>
+                </a:srgbClr>
+              </a:solidFill>
+              <a:prstDash val="solid"/>
+              <a:round/>
+            </a:ln>
+          </p:spPr>
+          <p:txBody>
+            <a:bodyPr/>
+            <a:lstStyle/>
+            <a:p/>
+          </p:txBody>
+        </p:sp>
+        <p:sp>
+          <p:nvSpPr>
+            <p:cNvPr id="90" name="pl90"/>
+            <p:cNvSpPr/>
+            <p:nvPr/>
+          </p:nvSpPr>
+          <p:spPr>
+            <a:xfrm>
+              <a:off x="7641321" y="3080007"/>
+              <a:ext cx="1295770" cy="0"/>
+            </a:xfrm>
+            <a:custGeom>
+              <a:avLst/>
+              <a:pathLst>
+                <a:path w="1295770" h="0">
+                  <a:moveTo>
+                    <a:pt x="0" y="0"/>
+                  </a:moveTo>
+                  <a:lnTo>
+                    <a:pt x="1295770" y="0"/>
+                  </a:lnTo>
+                  <a:lnTo>
+                    <a:pt x="1295770" y="0"/>
+                  </a:lnTo>
+                </a:path>
+              </a:pathLst>
+            </a:custGeom>
+            <a:ln w="13550" cap="flat">
+              <a:solidFill>
+                <a:srgbClr val="EBEBEB">
+                  <a:alpha val="100000"/>
+                </a:srgbClr>
+              </a:solidFill>
+              <a:prstDash val="solid"/>
+              <a:round/>
+            </a:ln>
+          </p:spPr>
+          <p:txBody>
+            <a:bodyPr/>
+            <a:lstStyle/>
+            <a:p/>
+          </p:txBody>
+        </p:sp>
+        <p:sp>
+          <p:nvSpPr>
+            <p:cNvPr id="91" name="pl91"/>
+            <p:cNvSpPr/>
+            <p:nvPr/>
+          </p:nvSpPr>
+          <p:spPr>
+            <a:xfrm>
+              <a:off x="7641321" y="2401142"/>
+              <a:ext cx="1295770" cy="0"/>
+            </a:xfrm>
+            <a:custGeom>
+              <a:avLst/>
+              <a:pathLst>
+                <a:path w="1295770" h="0">
+                  <a:moveTo>
+                    <a:pt x="0" y="0"/>
+                  </a:moveTo>
+                  <a:lnTo>
+                    <a:pt x="1295770" y="0"/>
+                  </a:lnTo>
+                  <a:lnTo>
+                    <a:pt x="1295770" y="0"/>
+                  </a:lnTo>
+                </a:path>
+              </a:pathLst>
+            </a:custGeom>
+            <a:ln w="13550" cap="flat">
+              <a:solidFill>
+                <a:srgbClr val="EBEBEB">
+                  <a:alpha val="100000"/>
+                </a:srgbClr>
+              </a:solidFill>
+              <a:prstDash val="solid"/>
+              <a:round/>
+            </a:ln>
+          </p:spPr>
+          <p:txBody>
+            <a:bodyPr/>
+            <a:lstStyle/>
+            <a:p/>
+          </p:txBody>
+        </p:sp>
+        <p:sp>
+          <p:nvSpPr>
+            <p:cNvPr id="92" name="pl92"/>
+            <p:cNvSpPr/>
+            <p:nvPr/>
+          </p:nvSpPr>
+          <p:spPr>
+            <a:xfrm>
+              <a:off x="7826431" y="1809173"/>
+              <a:ext cx="0" cy="3464924"/>
+            </a:xfrm>
+            <a:custGeom>
+              <a:avLst/>
+              <a:pathLst>
+                <a:path w="0" h="3464924">
+                  <a:moveTo>
+                    <a:pt x="0" y="3464924"/>
+                  </a:moveTo>
+                  <a:lnTo>
+                    <a:pt x="0" y="0"/>
+                  </a:lnTo>
+                  <a:lnTo>
+                    <a:pt x="0" y="0"/>
+                  </a:lnTo>
+                </a:path>
+              </a:pathLst>
+            </a:custGeom>
+            <a:ln w="13550" cap="flat">
+              <a:solidFill>
+                <a:srgbClr val="EBEBEB">
+                  <a:alpha val="100000"/>
+                </a:srgbClr>
+              </a:solidFill>
+              <a:prstDash val="solid"/>
+              <a:round/>
+            </a:ln>
+          </p:spPr>
+          <p:txBody>
+            <a:bodyPr/>
+            <a:lstStyle/>
+            <a:p/>
+          </p:txBody>
+        </p:sp>
+        <p:sp>
+          <p:nvSpPr>
+            <p:cNvPr id="93" name="pl93"/>
+            <p:cNvSpPr/>
+            <p:nvPr/>
+          </p:nvSpPr>
+          <p:spPr>
+            <a:xfrm>
+              <a:off x="8134948" y="1809173"/>
+              <a:ext cx="0" cy="3464924"/>
+            </a:xfrm>
+            <a:custGeom>
+              <a:avLst/>
+              <a:pathLst>
+                <a:path w="0" h="3464924">
+                  <a:moveTo>
+                    <a:pt x="0" y="3464924"/>
+                  </a:moveTo>
+                  <a:lnTo>
+                    <a:pt x="0" y="0"/>
+                  </a:lnTo>
+                  <a:lnTo>
+                    <a:pt x="0" y="0"/>
+                  </a:lnTo>
+                </a:path>
+              </a:pathLst>
+            </a:custGeom>
+            <a:ln w="13550" cap="flat">
+              <a:solidFill>
+                <a:srgbClr val="EBEBEB">
+                  <a:alpha val="100000"/>
+                </a:srgbClr>
+              </a:solidFill>
+              <a:prstDash val="solid"/>
+              <a:round/>
+            </a:ln>
+          </p:spPr>
+          <p:txBody>
+            <a:bodyPr/>
+            <a:lstStyle/>
+            <a:p/>
+          </p:txBody>
+        </p:sp>
+        <p:sp>
+          <p:nvSpPr>
+            <p:cNvPr id="94" name="pl94"/>
+            <p:cNvSpPr/>
+            <p:nvPr/>
+          </p:nvSpPr>
+          <p:spPr>
+            <a:xfrm>
+              <a:off x="8443465" y="1809173"/>
+              <a:ext cx="0" cy="3464924"/>
+            </a:xfrm>
+            <a:custGeom>
+              <a:avLst/>
+              <a:pathLst>
+                <a:path w="0" h="3464924">
+                  <a:moveTo>
+                    <a:pt x="0" y="3464924"/>
+                  </a:moveTo>
+                  <a:lnTo>
+                    <a:pt x="0" y="0"/>
+                  </a:lnTo>
+                  <a:lnTo>
+                    <a:pt x="0" y="0"/>
+                  </a:lnTo>
+                </a:path>
+              </a:pathLst>
+            </a:custGeom>
+            <a:ln w="13550" cap="flat">
+              <a:solidFill>
+                <a:srgbClr val="EBEBEB">
+                  <a:alpha val="100000"/>
+                </a:srgbClr>
+              </a:solidFill>
+              <a:prstDash val="solid"/>
+              <a:round/>
+            </a:ln>
+          </p:spPr>
+          <p:txBody>
+            <a:bodyPr/>
+            <a:lstStyle/>
+            <a:p/>
+          </p:txBody>
+        </p:sp>
+        <p:sp>
+          <p:nvSpPr>
+            <p:cNvPr id="95" name="pl95"/>
+            <p:cNvSpPr/>
+            <p:nvPr/>
+          </p:nvSpPr>
+          <p:spPr>
+            <a:xfrm>
+              <a:off x="8751982" y="1809173"/>
+              <a:ext cx="0" cy="3464924"/>
+            </a:xfrm>
+            <a:custGeom>
+              <a:avLst/>
+              <a:pathLst>
+                <a:path w="0" h="3464924">
+                  <a:moveTo>
+                    <a:pt x="0" y="3464924"/>
+                  </a:moveTo>
+                  <a:lnTo>
+                    <a:pt x="0" y="0"/>
+                  </a:lnTo>
+                  <a:lnTo>
+                    <a:pt x="0" y="0"/>
+                  </a:lnTo>
+                </a:path>
+              </a:pathLst>
+            </a:custGeom>
+            <a:ln w="13550" cap="flat">
+              <a:solidFill>
+                <a:srgbClr val="EBEBEB">
+                  <a:alpha val="100000"/>
+                </a:srgbClr>
+              </a:solidFill>
+              <a:prstDash val="solid"/>
+              <a:round/>
+            </a:ln>
+          </p:spPr>
+          <p:txBody>
+            <a:bodyPr/>
+            <a:lstStyle/>
+            <a:p/>
+          </p:txBody>
+        </p:sp>
+        <p:sp>
+          <p:nvSpPr>
+            <p:cNvPr id="96" name="rc96"/>
+            <p:cNvSpPr/>
+            <p:nvPr/>
+          </p:nvSpPr>
+          <p:spPr>
+            <a:xfrm>
+              <a:off x="7996115" y="5103023"/>
+              <a:ext cx="277665" cy="13577"/>
+            </a:xfrm>
+            <a:prstGeom prst="rect">
+              <a:avLst/>
+            </a:prstGeom>
+            <a:solidFill>
+              <a:srgbClr val="FCAE91">
+                <a:alpha val="100000"/>
+              </a:srgbClr>
+            </a:solidFill>
+          </p:spPr>
+          <p:txBody>
+            <a:bodyPr/>
+            <a:lstStyle/>
+            <a:p/>
+          </p:txBody>
+        </p:sp>
+        <p:sp>
+          <p:nvSpPr>
+            <p:cNvPr id="97" name="rc97"/>
+            <p:cNvSpPr/>
+            <p:nvPr/>
+          </p:nvSpPr>
+          <p:spPr>
+            <a:xfrm>
+              <a:off x="8304632" y="4329118"/>
+              <a:ext cx="277665" cy="787482"/>
+            </a:xfrm>
+            <a:prstGeom prst="rect">
+              <a:avLst/>
+            </a:prstGeom>
+            <a:solidFill>
+              <a:srgbClr val="FB6A4A">
+                <a:alpha val="100000"/>
+              </a:srgbClr>
+            </a:solidFill>
+          </p:spPr>
+          <p:txBody>
+            <a:bodyPr/>
+            <a:lstStyle/>
+            <a:p/>
+          </p:txBody>
+        </p:sp>
+        <p:sp>
+          <p:nvSpPr>
+            <p:cNvPr id="98" name="rc98"/>
+            <p:cNvSpPr/>
+            <p:nvPr/>
+          </p:nvSpPr>
+          <p:spPr>
+            <a:xfrm>
+              <a:off x="8613149" y="4587086"/>
+              <a:ext cx="277665" cy="529514"/>
+            </a:xfrm>
+            <a:prstGeom prst="rect">
+              <a:avLst/>
+            </a:prstGeom>
+            <a:solidFill>
+              <a:srgbClr val="CB181D">
+                <a:alpha val="100000"/>
+              </a:srgbClr>
+            </a:solidFill>
+          </p:spPr>
+          <p:txBody>
+            <a:bodyPr/>
+            <a:lstStyle/>
+            <a:p/>
+          </p:txBody>
+        </p:sp>
+        <p:sp>
+          <p:nvSpPr>
+            <p:cNvPr id="99" name="rc99"/>
+            <p:cNvSpPr/>
+            <p:nvPr/>
+          </p:nvSpPr>
+          <p:spPr>
+            <a:xfrm>
+              <a:off x="7641321" y="1809173"/>
+              <a:ext cx="1295770" cy="3464924"/>
+            </a:xfrm>
+            <a:prstGeom prst="rect">
+              <a:avLst/>
+            </a:prstGeom>
+            <a:ln w="13550" cap="rnd">
+              <a:solidFill>
+                <a:srgbClr val="333333">
+                  <a:alpha val="100000"/>
+                </a:srgbClr>
+              </a:solidFill>
+              <a:prstDash val="solid"/>
+              <a:round/>
+            </a:ln>
+          </p:spPr>
+          <p:txBody>
+            <a:bodyPr/>
+            <a:lstStyle/>
+            <a:p/>
+          </p:txBody>
+        </p:sp>
+        <p:sp>
+          <p:nvSpPr>
+            <p:cNvPr id="100" name="rc100"/>
+            <p:cNvSpPr/>
+            <p:nvPr/>
+          </p:nvSpPr>
+          <p:spPr>
+            <a:xfrm>
+              <a:off x="2179881" y="1590617"/>
+              <a:ext cx="1295770" cy="218555"/>
+            </a:xfrm>
+            <a:prstGeom prst="rect">
+              <a:avLst/>
+            </a:prstGeom>
+            <a:solidFill>
+              <a:srgbClr val="D9D9D9">
+                <a:alpha val="100000"/>
+              </a:srgbClr>
+            </a:solidFill>
+            <a:ln w="13550" cap="rnd">
+              <a:solidFill>
+                <a:srgbClr val="333333">
+                  <a:alpha val="100000"/>
+                </a:srgbClr>
+              </a:solidFill>
+              <a:prstDash val="solid"/>
+              <a:round/>
+            </a:ln>
+          </p:spPr>
+          <p:txBody>
+            <a:bodyPr/>
+            <a:lstStyle/>
+            <a:p/>
+          </p:txBody>
+        </p:sp>
+        <p:sp>
+          <p:nvSpPr>
+            <p:cNvPr id="101" name="tx101"/>
+            <p:cNvSpPr/>
+            <p:nvPr/>
+          </p:nvSpPr>
+          <p:spPr>
+            <a:xfrm>
+              <a:off x="2618217" y="1670045"/>
+              <a:ext cx="419100" cy="69850"/>
             </a:xfrm>
             <a:prstGeom prst="rect">
               <a:avLst/>
@@ -4737,30 +6931,65 @@
                 </a:spcAft>
               </a:pPr>
               <a:r>
-                <a:rPr sz="880" b="1">
+                <a:rPr sz="880">
                   <a:solidFill>
-                    <a:srgbClr val="4D4D4D">
+                    <a:srgbClr val="1A1A1A">
                       <a:alpha val="100000"/>
                     </a:srgbClr>
                   </a:solidFill>
                   <a:latin typeface="Arial"/>
                   <a:cs typeface="Arial"/>
                 </a:rPr>
-                <a:t>9</a:t>
+                <a:t>基础研究者</a:t>
               </a:r>
             </a:p>
           </p:txBody>
         </p:sp>
         <p:sp>
           <p:nvSpPr>
-            <p:cNvPr id="45" name="tx45"/>
-            <p:cNvSpPr/>
-            <p:nvPr/>
-          </p:nvSpPr>
-          <p:spPr>
-            <a:xfrm>
-              <a:off x="1926599" y="4893127"/>
-              <a:ext cx="62155" cy="81746"/>
+            <p:cNvPr id="102" name="rc102"/>
+            <p:cNvSpPr/>
+            <p:nvPr/>
+          </p:nvSpPr>
+          <p:spPr>
+            <a:xfrm>
+              <a:off x="3545241" y="1590617"/>
+              <a:ext cx="1295770" cy="218555"/>
+            </a:xfrm>
+            <a:prstGeom prst="rect">
+              <a:avLst/>
+            </a:prstGeom>
+            <a:solidFill>
+              <a:srgbClr val="D9D9D9">
+                <a:alpha val="100000"/>
+              </a:srgbClr>
+            </a:solidFill>
+            <a:ln w="13550" cap="rnd">
+              <a:solidFill>
+                <a:srgbClr val="333333">
+                  <a:alpha val="100000"/>
+                </a:srgbClr>
+              </a:solidFill>
+              <a:prstDash val="solid"/>
+              <a:round/>
+            </a:ln>
+          </p:spPr>
+          <p:txBody>
+            <a:bodyPr/>
+            <a:lstStyle/>
+            <a:p/>
+          </p:txBody>
+        </p:sp>
+        <p:sp>
+          <p:nvSpPr>
+            <p:cNvPr id="103" name="tx103"/>
+            <p:cNvSpPr/>
+            <p:nvPr/>
+          </p:nvSpPr>
+          <p:spPr>
+            <a:xfrm>
+              <a:off x="4025487" y="1670045"/>
+              <a:ext cx="335280" cy="69850"/>
             </a:xfrm>
             <a:prstGeom prst="rect">
               <a:avLst/>
@@ -4783,30 +7012,65 @@
                 </a:spcAft>
               </a:pPr>
               <a:r>
-                <a:rPr sz="880" b="1">
+                <a:rPr sz="880">
                   <a:solidFill>
-                    <a:srgbClr val="4D4D4D">
+                    <a:srgbClr val="1A1A1A">
                       <a:alpha val="100000"/>
                     </a:srgbClr>
                   </a:solidFill>
                   <a:latin typeface="Arial"/>
                   <a:cs typeface="Arial"/>
                 </a:rPr>
-                <a:t>8</a:t>
+                <a:t>临床医生</a:t>
               </a:r>
             </a:p>
           </p:txBody>
         </p:sp>
         <p:sp>
           <p:nvSpPr>
-            <p:cNvPr id="46" name="tx46"/>
-            <p:cNvSpPr/>
-            <p:nvPr/>
-          </p:nvSpPr>
-          <p:spPr>
-            <a:xfrm>
-              <a:off x="1926599" y="4455931"/>
-              <a:ext cx="62155" cy="78908"/>
+            <p:cNvPr id="104" name="rc104"/>
+            <p:cNvSpPr/>
+            <p:nvPr/>
+          </p:nvSpPr>
+          <p:spPr>
+            <a:xfrm>
+              <a:off x="4910601" y="1590617"/>
+              <a:ext cx="1295770" cy="218555"/>
+            </a:xfrm>
+            <a:prstGeom prst="rect">
+              <a:avLst/>
+            </a:prstGeom>
+            <a:solidFill>
+              <a:srgbClr val="D9D9D9">
+                <a:alpha val="100000"/>
+              </a:srgbClr>
+            </a:solidFill>
+            <a:ln w="13550" cap="rnd">
+              <a:solidFill>
+                <a:srgbClr val="333333">
+                  <a:alpha val="100000"/>
+                </a:srgbClr>
+              </a:solidFill>
+              <a:prstDash val="solid"/>
+              <a:round/>
+            </a:ln>
+          </p:spPr>
+          <p:txBody>
+            <a:bodyPr/>
+            <a:lstStyle/>
+            <a:p/>
+          </p:txBody>
+        </p:sp>
+        <p:sp>
+          <p:nvSpPr>
+            <p:cNvPr id="105" name="tx105"/>
+            <p:cNvSpPr/>
+            <p:nvPr/>
+          </p:nvSpPr>
+          <p:spPr>
+            <a:xfrm>
+              <a:off x="5348937" y="1670045"/>
+              <a:ext cx="419100" cy="69850"/>
             </a:xfrm>
             <a:prstGeom prst="rect">
               <a:avLst/>
@@ -4829,30 +7093,65 @@
                 </a:spcAft>
               </a:pPr>
               <a:r>
-                <a:rPr sz="880" b="1">
+                <a:rPr sz="880">
                   <a:solidFill>
-                    <a:srgbClr val="4D4D4D">
+                    <a:srgbClr val="1A1A1A">
                       <a:alpha val="100000"/>
                     </a:srgbClr>
                   </a:solidFill>
                   <a:latin typeface="Arial"/>
                   <a:cs typeface="Arial"/>
                 </a:rPr>
-                <a:t>7</a:t>
+                <a:t>企业管理者</a:t>
               </a:r>
             </a:p>
           </p:txBody>
         </p:sp>
         <p:sp>
           <p:nvSpPr>
-            <p:cNvPr id="47" name="tx47"/>
-            <p:cNvSpPr/>
-            <p:nvPr/>
-          </p:nvSpPr>
-          <p:spPr>
-            <a:xfrm>
-              <a:off x="1926599" y="4013114"/>
-              <a:ext cx="62155" cy="81691"/>
+            <p:cNvPr id="106" name="rc106"/>
+            <p:cNvSpPr/>
+            <p:nvPr/>
+          </p:nvSpPr>
+          <p:spPr>
+            <a:xfrm>
+              <a:off x="6275961" y="1590617"/>
+              <a:ext cx="1295770" cy="218555"/>
+            </a:xfrm>
+            <a:prstGeom prst="rect">
+              <a:avLst/>
+            </a:prstGeom>
+            <a:solidFill>
+              <a:srgbClr val="D9D9D9">
+                <a:alpha val="100000"/>
+              </a:srgbClr>
+            </a:solidFill>
+            <a:ln w="13550" cap="rnd">
+              <a:solidFill>
+                <a:srgbClr val="333333">
+                  <a:alpha val="100000"/>
+                </a:srgbClr>
+              </a:solidFill>
+              <a:prstDash val="solid"/>
+              <a:round/>
+            </a:ln>
+          </p:spPr>
+          <p:txBody>
+            <a:bodyPr/>
+            <a:lstStyle/>
+            <a:p/>
+          </p:txBody>
+        </p:sp>
+        <p:sp>
+          <p:nvSpPr>
+            <p:cNvPr id="107" name="tx107"/>
+            <p:cNvSpPr/>
+            <p:nvPr/>
+          </p:nvSpPr>
+          <p:spPr>
+            <a:xfrm>
+              <a:off x="6672387" y="1670045"/>
+              <a:ext cx="502920" cy="69850"/>
             </a:xfrm>
             <a:prstGeom prst="rect">
               <a:avLst/>
@@ -4875,30 +7174,65 @@
                 </a:spcAft>
               </a:pPr>
               <a:r>
-                <a:rPr sz="880" b="1">
+                <a:rPr sz="880">
                   <a:solidFill>
-                    <a:srgbClr val="4D4D4D">
+                    <a:srgbClr val="1A1A1A">
                       <a:alpha val="100000"/>
                     </a:srgbClr>
                   </a:solidFill>
                   <a:latin typeface="Arial"/>
                   <a:cs typeface="Arial"/>
                 </a:rPr>
-                <a:t>6</a:t>
+                <a:t>企业研发人员</a:t>
               </a:r>
             </a:p>
           </p:txBody>
         </p:sp>
         <p:sp>
           <p:nvSpPr>
-            <p:cNvPr id="48" name="tx48"/>
-            <p:cNvSpPr/>
-            <p:nvPr/>
-          </p:nvSpPr>
-          <p:spPr>
-            <a:xfrm>
-              <a:off x="1926599" y="3574499"/>
-              <a:ext cx="62155" cy="80272"/>
+            <p:cNvPr id="108" name="rc108"/>
+            <p:cNvSpPr/>
+            <p:nvPr/>
+          </p:nvSpPr>
+          <p:spPr>
+            <a:xfrm>
+              <a:off x="7641321" y="1590617"/>
+              <a:ext cx="1295770" cy="218555"/>
+            </a:xfrm>
+            <a:prstGeom prst="rect">
+              <a:avLst/>
+            </a:prstGeom>
+            <a:solidFill>
+              <a:srgbClr val="D9D9D9">
+                <a:alpha val="100000"/>
+              </a:srgbClr>
+            </a:solidFill>
+            <a:ln w="13550" cap="rnd">
+              <a:solidFill>
+                <a:srgbClr val="333333">
+                  <a:alpha val="100000"/>
+                </a:srgbClr>
+              </a:solidFill>
+              <a:prstDash val="solid"/>
+              <a:round/>
+            </a:ln>
+          </p:spPr>
+          <p:txBody>
+            <a:bodyPr/>
+            <a:lstStyle/>
+            <a:p/>
+          </p:txBody>
+        </p:sp>
+        <p:sp>
+          <p:nvSpPr>
+            <p:cNvPr id="109" name="tx109"/>
+            <p:cNvSpPr/>
+            <p:nvPr/>
+          </p:nvSpPr>
+          <p:spPr>
+            <a:xfrm>
+              <a:off x="8205386" y="1670045"/>
+              <a:ext cx="167640" cy="69850"/>
             </a:xfrm>
             <a:prstGeom prst="rect">
               <a:avLst/>
@@ -4921,573 +7255,29 @@
                 </a:spcAft>
               </a:pPr>
               <a:r>
-                <a:rPr sz="880" b="1">
+                <a:rPr sz="880">
                   <a:solidFill>
-                    <a:srgbClr val="4D4D4D">
+                    <a:srgbClr val="1A1A1A">
                       <a:alpha val="100000"/>
                     </a:srgbClr>
                   </a:solidFill>
                   <a:latin typeface="Arial"/>
                   <a:cs typeface="Arial"/>
                 </a:rPr>
-                <a:t>5</a:t>
+                <a:t>其他</a:t>
               </a:r>
             </a:p>
           </p:txBody>
         </p:sp>
         <p:sp>
           <p:nvSpPr>
-            <p:cNvPr id="49" name="tx49"/>
-            <p:cNvSpPr/>
-            <p:nvPr/>
-          </p:nvSpPr>
-          <p:spPr>
-            <a:xfrm>
-              <a:off x="1926599" y="3134411"/>
-              <a:ext cx="62155" cy="80327"/>
-            </a:xfrm>
-            <a:prstGeom prst="rect">
-              <a:avLst/>
-            </a:prstGeom>
-            <a:noFill/>
-          </p:spPr>
-          <p:txBody>
-            <a:bodyPr lIns="0" rIns="0" tIns="0" bIns="0" anchorCtr="1" anchor="ctr" wrap="none"/>
-            <a:lstStyle/>
-            <a:p>
-              <a:pPr algn="l" marL="0" marR="0" indent="0">
-                <a:lnSpc>
-                  <a:spcPts val="880"/>
-                </a:lnSpc>
-                <a:spcBef>
-                  <a:spcPts val="0"/>
-                </a:spcBef>
-                <a:spcAft>
-                  <a:spcPts val="0"/>
-                </a:spcAft>
-              </a:pPr>
-              <a:r>
-                <a:rPr sz="880" b="1">
-                  <a:solidFill>
-                    <a:srgbClr val="4D4D4D">
-                      <a:alpha val="100000"/>
-                    </a:srgbClr>
-                  </a:solidFill>
-                  <a:latin typeface="Arial"/>
-                  <a:cs typeface="Arial"/>
-                </a:rPr>
-                <a:t>4</a:t>
-              </a:r>
-            </a:p>
-          </p:txBody>
-        </p:sp>
-        <p:sp>
-          <p:nvSpPr>
-            <p:cNvPr id="50" name="tx50"/>
-            <p:cNvSpPr/>
-            <p:nvPr/>
-          </p:nvSpPr>
-          <p:spPr>
-            <a:xfrm>
-              <a:off x="1926599" y="2693013"/>
-              <a:ext cx="62155" cy="81691"/>
-            </a:xfrm>
-            <a:prstGeom prst="rect">
-              <a:avLst/>
-            </a:prstGeom>
-            <a:noFill/>
-          </p:spPr>
-          <p:txBody>
-            <a:bodyPr lIns="0" rIns="0" tIns="0" bIns="0" anchorCtr="1" anchor="ctr" wrap="none"/>
-            <a:lstStyle/>
-            <a:p>
-              <a:pPr algn="l" marL="0" marR="0" indent="0">
-                <a:lnSpc>
-                  <a:spcPts val="880"/>
-                </a:lnSpc>
-                <a:spcBef>
-                  <a:spcPts val="0"/>
-                </a:spcBef>
-                <a:spcAft>
-                  <a:spcPts val="0"/>
-                </a:spcAft>
-              </a:pPr>
-              <a:r>
-                <a:rPr sz="880" b="1">
-                  <a:solidFill>
-                    <a:srgbClr val="4D4D4D">
-                      <a:alpha val="100000"/>
-                    </a:srgbClr>
-                  </a:solidFill>
-                  <a:latin typeface="Arial"/>
-                  <a:cs typeface="Arial"/>
-                </a:rPr>
-                <a:t>3</a:t>
-              </a:r>
-            </a:p>
-          </p:txBody>
-        </p:sp>
-        <p:sp>
-          <p:nvSpPr>
-            <p:cNvPr id="51" name="tx51"/>
-            <p:cNvSpPr/>
-            <p:nvPr/>
-          </p:nvSpPr>
-          <p:spPr>
-            <a:xfrm>
-              <a:off x="1926599" y="2254343"/>
-              <a:ext cx="62155" cy="80327"/>
-            </a:xfrm>
-            <a:prstGeom prst="rect">
-              <a:avLst/>
-            </a:prstGeom>
-            <a:noFill/>
-          </p:spPr>
-          <p:txBody>
-            <a:bodyPr lIns="0" rIns="0" tIns="0" bIns="0" anchorCtr="1" anchor="ctr" wrap="none"/>
-            <a:lstStyle/>
-            <a:p>
-              <a:pPr algn="l" marL="0" marR="0" indent="0">
-                <a:lnSpc>
-                  <a:spcPts val="880"/>
-                </a:lnSpc>
-                <a:spcBef>
-                  <a:spcPts val="0"/>
-                </a:spcBef>
-                <a:spcAft>
-                  <a:spcPts val="0"/>
-                </a:spcAft>
-              </a:pPr>
-              <a:r>
-                <a:rPr sz="880" b="1">
-                  <a:solidFill>
-                    <a:srgbClr val="4D4D4D">
-                      <a:alpha val="100000"/>
-                    </a:srgbClr>
-                  </a:solidFill>
-                  <a:latin typeface="Arial"/>
-                  <a:cs typeface="Arial"/>
-                </a:rPr>
-                <a:t>2</a:t>
-              </a:r>
-            </a:p>
-          </p:txBody>
-        </p:sp>
-        <p:sp>
-          <p:nvSpPr>
-            <p:cNvPr id="52" name="tx52"/>
-            <p:cNvSpPr/>
-            <p:nvPr/>
-          </p:nvSpPr>
-          <p:spPr>
-            <a:xfrm>
-              <a:off x="1926599" y="1814310"/>
-              <a:ext cx="62155" cy="80327"/>
-            </a:xfrm>
-            <a:prstGeom prst="rect">
-              <a:avLst/>
-            </a:prstGeom>
-            <a:noFill/>
-          </p:spPr>
-          <p:txBody>
-            <a:bodyPr lIns="0" rIns="0" tIns="0" bIns="0" anchorCtr="1" anchor="ctr" wrap="none"/>
-            <a:lstStyle/>
-            <a:p>
-              <a:pPr algn="l" marL="0" marR="0" indent="0">
-                <a:lnSpc>
-                  <a:spcPts val="880"/>
-                </a:lnSpc>
-                <a:spcBef>
-                  <a:spcPts val="0"/>
-                </a:spcBef>
-                <a:spcAft>
-                  <a:spcPts val="0"/>
-                </a:spcAft>
-              </a:pPr>
-              <a:r>
-                <a:rPr sz="880" b="1">
-                  <a:solidFill>
-                    <a:srgbClr val="4D4D4D">
-                      <a:alpha val="100000"/>
-                    </a:srgbClr>
-                  </a:solidFill>
-                  <a:latin typeface="Arial"/>
-                  <a:cs typeface="Arial"/>
-                </a:rPr>
-                <a:t>1</a:t>
-              </a:r>
-            </a:p>
-          </p:txBody>
-        </p:sp>
-        <p:sp>
-          <p:nvSpPr>
-            <p:cNvPr id="53" name="pl53"/>
-            <p:cNvSpPr/>
-            <p:nvPr/>
-          </p:nvSpPr>
-          <p:spPr>
-            <a:xfrm>
-              <a:off x="1988754" y="5374907"/>
-              <a:ext cx="34794" cy="0"/>
-            </a:xfrm>
-            <a:custGeom>
-              <a:avLst/>
-              <a:pathLst>
-                <a:path w="34794" h="0">
-                  <a:moveTo>
-                    <a:pt x="0" y="0"/>
-                  </a:moveTo>
-                  <a:lnTo>
-                    <a:pt x="34794" y="0"/>
-                  </a:lnTo>
-                </a:path>
-              </a:pathLst>
-            </a:custGeom>
-            <a:ln w="6775" cap="flat">
-              <a:solidFill>
-                <a:srgbClr val="B3B3B3">
-                  <a:alpha val="100000"/>
-                </a:srgbClr>
-              </a:solidFill>
-              <a:prstDash val="solid"/>
-              <a:round/>
-            </a:ln>
-          </p:spPr>
-          <p:txBody>
-            <a:bodyPr/>
-            <a:lstStyle/>
-            <a:p/>
-          </p:txBody>
-        </p:sp>
-        <p:sp>
-          <p:nvSpPr>
-            <p:cNvPr id="54" name="pl54"/>
-            <p:cNvSpPr/>
-            <p:nvPr/>
-          </p:nvSpPr>
-          <p:spPr>
-            <a:xfrm>
-              <a:off x="1988754" y="4934873"/>
-              <a:ext cx="34794" cy="0"/>
-            </a:xfrm>
-            <a:custGeom>
-              <a:avLst/>
-              <a:pathLst>
-                <a:path w="34794" h="0">
-                  <a:moveTo>
-                    <a:pt x="0" y="0"/>
-                  </a:moveTo>
-                  <a:lnTo>
-                    <a:pt x="34794" y="0"/>
-                  </a:lnTo>
-                </a:path>
-              </a:pathLst>
-            </a:custGeom>
-            <a:ln w="6775" cap="flat">
-              <a:solidFill>
-                <a:srgbClr val="B3B3B3">
-                  <a:alpha val="100000"/>
-                </a:srgbClr>
-              </a:solidFill>
-              <a:prstDash val="solid"/>
-              <a:round/>
-            </a:ln>
-          </p:spPr>
-          <p:txBody>
-            <a:bodyPr/>
-            <a:lstStyle/>
-            <a:p/>
-          </p:txBody>
-        </p:sp>
-        <p:sp>
-          <p:nvSpPr>
-            <p:cNvPr id="55" name="pl55"/>
-            <p:cNvSpPr/>
-            <p:nvPr/>
-          </p:nvSpPr>
-          <p:spPr>
-            <a:xfrm>
-              <a:off x="1988754" y="4494840"/>
-              <a:ext cx="34794" cy="0"/>
-            </a:xfrm>
-            <a:custGeom>
-              <a:avLst/>
-              <a:pathLst>
-                <a:path w="34794" h="0">
-                  <a:moveTo>
-                    <a:pt x="0" y="0"/>
-                  </a:moveTo>
-                  <a:lnTo>
-                    <a:pt x="34794" y="0"/>
-                  </a:lnTo>
-                </a:path>
-              </a:pathLst>
-            </a:custGeom>
-            <a:ln w="6775" cap="flat">
-              <a:solidFill>
-                <a:srgbClr val="B3B3B3">
-                  <a:alpha val="100000"/>
-                </a:srgbClr>
-              </a:solidFill>
-              <a:prstDash val="solid"/>
-              <a:round/>
-            </a:ln>
-          </p:spPr>
-          <p:txBody>
-            <a:bodyPr/>
-            <a:lstStyle/>
-            <a:p/>
-          </p:txBody>
-        </p:sp>
-        <p:sp>
-          <p:nvSpPr>
-            <p:cNvPr id="56" name="pl56"/>
-            <p:cNvSpPr/>
-            <p:nvPr/>
-          </p:nvSpPr>
-          <p:spPr>
-            <a:xfrm>
-              <a:off x="1988754" y="4054806"/>
-              <a:ext cx="34794" cy="0"/>
-            </a:xfrm>
-            <a:custGeom>
-              <a:avLst/>
-              <a:pathLst>
-                <a:path w="34794" h="0">
-                  <a:moveTo>
-                    <a:pt x="0" y="0"/>
-                  </a:moveTo>
-                  <a:lnTo>
-                    <a:pt x="34794" y="0"/>
-                  </a:lnTo>
-                </a:path>
-              </a:pathLst>
-            </a:custGeom>
-            <a:ln w="6775" cap="flat">
-              <a:solidFill>
-                <a:srgbClr val="B3B3B3">
-                  <a:alpha val="100000"/>
-                </a:srgbClr>
-              </a:solidFill>
-              <a:prstDash val="solid"/>
-              <a:round/>
-            </a:ln>
-          </p:spPr>
-          <p:txBody>
-            <a:bodyPr/>
-            <a:lstStyle/>
-            <a:p/>
-          </p:txBody>
-        </p:sp>
-        <p:sp>
-          <p:nvSpPr>
-            <p:cNvPr id="57" name="pl57"/>
-            <p:cNvSpPr/>
-            <p:nvPr/>
-          </p:nvSpPr>
-          <p:spPr>
-            <a:xfrm>
-              <a:off x="1988754" y="3614772"/>
-              <a:ext cx="34794" cy="0"/>
-            </a:xfrm>
-            <a:custGeom>
-              <a:avLst/>
-              <a:pathLst>
-                <a:path w="34794" h="0">
-                  <a:moveTo>
-                    <a:pt x="0" y="0"/>
-                  </a:moveTo>
-                  <a:lnTo>
-                    <a:pt x="34794" y="0"/>
-                  </a:lnTo>
-                </a:path>
-              </a:pathLst>
-            </a:custGeom>
-            <a:ln w="6775" cap="flat">
-              <a:solidFill>
-                <a:srgbClr val="B3B3B3">
-                  <a:alpha val="100000"/>
-                </a:srgbClr>
-              </a:solidFill>
-              <a:prstDash val="solid"/>
-              <a:round/>
-            </a:ln>
-          </p:spPr>
-          <p:txBody>
-            <a:bodyPr/>
-            <a:lstStyle/>
-            <a:p/>
-          </p:txBody>
-        </p:sp>
-        <p:sp>
-          <p:nvSpPr>
-            <p:cNvPr id="58" name="pl58"/>
-            <p:cNvSpPr/>
-            <p:nvPr/>
-          </p:nvSpPr>
-          <p:spPr>
-            <a:xfrm>
-              <a:off x="1988754" y="3174738"/>
-              <a:ext cx="34794" cy="0"/>
-            </a:xfrm>
-            <a:custGeom>
-              <a:avLst/>
-              <a:pathLst>
-                <a:path w="34794" h="0">
-                  <a:moveTo>
-                    <a:pt x="0" y="0"/>
-                  </a:moveTo>
-                  <a:lnTo>
-                    <a:pt x="34794" y="0"/>
-                  </a:lnTo>
-                </a:path>
-              </a:pathLst>
-            </a:custGeom>
-            <a:ln w="6775" cap="flat">
-              <a:solidFill>
-                <a:srgbClr val="B3B3B3">
-                  <a:alpha val="100000"/>
-                </a:srgbClr>
-              </a:solidFill>
-              <a:prstDash val="solid"/>
-              <a:round/>
-            </a:ln>
-          </p:spPr>
-          <p:txBody>
-            <a:bodyPr/>
-            <a:lstStyle/>
-            <a:p/>
-          </p:txBody>
-        </p:sp>
-        <p:sp>
-          <p:nvSpPr>
-            <p:cNvPr id="59" name="pl59"/>
-            <p:cNvSpPr/>
-            <p:nvPr/>
-          </p:nvSpPr>
-          <p:spPr>
-            <a:xfrm>
-              <a:off x="1988754" y="2734705"/>
-              <a:ext cx="34794" cy="0"/>
-            </a:xfrm>
-            <a:custGeom>
-              <a:avLst/>
-              <a:pathLst>
-                <a:path w="34794" h="0">
-                  <a:moveTo>
-                    <a:pt x="0" y="0"/>
-                  </a:moveTo>
-                  <a:lnTo>
-                    <a:pt x="34794" y="0"/>
-                  </a:lnTo>
-                </a:path>
-              </a:pathLst>
-            </a:custGeom>
-            <a:ln w="6775" cap="flat">
-              <a:solidFill>
-                <a:srgbClr val="B3B3B3">
-                  <a:alpha val="100000"/>
-                </a:srgbClr>
-              </a:solidFill>
-              <a:prstDash val="solid"/>
-              <a:round/>
-            </a:ln>
-          </p:spPr>
-          <p:txBody>
-            <a:bodyPr/>
-            <a:lstStyle/>
-            <a:p/>
-          </p:txBody>
-        </p:sp>
-        <p:sp>
-          <p:nvSpPr>
-            <p:cNvPr id="60" name="pl60"/>
-            <p:cNvSpPr/>
-            <p:nvPr/>
-          </p:nvSpPr>
-          <p:spPr>
-            <a:xfrm>
-              <a:off x="1988754" y="2294671"/>
-              <a:ext cx="34794" cy="0"/>
-            </a:xfrm>
-            <a:custGeom>
-              <a:avLst/>
-              <a:pathLst>
-                <a:path w="34794" h="0">
-                  <a:moveTo>
-                    <a:pt x="0" y="0"/>
-                  </a:moveTo>
-                  <a:lnTo>
-                    <a:pt x="34794" y="0"/>
-                  </a:lnTo>
-                </a:path>
-              </a:pathLst>
-            </a:custGeom>
-            <a:ln w="6775" cap="flat">
-              <a:solidFill>
-                <a:srgbClr val="B3B3B3">
-                  <a:alpha val="100000"/>
-                </a:srgbClr>
-              </a:solidFill>
-              <a:prstDash val="solid"/>
-              <a:round/>
-            </a:ln>
-          </p:spPr>
-          <p:txBody>
-            <a:bodyPr/>
-            <a:lstStyle/>
-            <a:p/>
-          </p:txBody>
-        </p:sp>
-        <p:sp>
-          <p:nvSpPr>
-            <p:cNvPr id="61" name="pl61"/>
-            <p:cNvSpPr/>
-            <p:nvPr/>
-          </p:nvSpPr>
-          <p:spPr>
-            <a:xfrm>
-              <a:off x="1988754" y="1854637"/>
-              <a:ext cx="34794" cy="0"/>
-            </a:xfrm>
-            <a:custGeom>
-              <a:avLst/>
-              <a:pathLst>
-                <a:path w="34794" h="0">
-                  <a:moveTo>
-                    <a:pt x="0" y="0"/>
-                  </a:moveTo>
-                  <a:lnTo>
-                    <a:pt x="34794" y="0"/>
-                  </a:lnTo>
-                </a:path>
-              </a:pathLst>
-            </a:custGeom>
-            <a:ln w="6775" cap="flat">
-              <a:solidFill>
-                <a:srgbClr val="B3B3B3">
-                  <a:alpha val="100000"/>
-                </a:srgbClr>
-              </a:solidFill>
-              <a:prstDash val="solid"/>
-              <a:round/>
-            </a:ln>
-          </p:spPr>
-          <p:txBody>
-            <a:bodyPr/>
-            <a:lstStyle/>
-            <a:p/>
-          </p:txBody>
-        </p:sp>
-        <p:sp>
-          <p:nvSpPr>
-            <p:cNvPr id="62" name="pl62"/>
-            <p:cNvSpPr/>
-            <p:nvPr/>
-          </p:nvSpPr>
-          <p:spPr>
-            <a:xfrm>
-              <a:off x="2023549" y="5638927"/>
+            <p:cNvPr id="110" name="pl110"/>
+            <p:cNvSpPr/>
+            <p:nvPr/>
+          </p:nvSpPr>
+          <p:spPr>
+            <a:xfrm>
+              <a:off x="2364991" y="5274097"/>
               <a:ext cx="0" cy="34794"/>
             </a:xfrm>
             <a:custGeom>
@@ -5503,31 +7293,31 @@
                 </a:path>
               </a:pathLst>
             </a:custGeom>
-            <a:ln w="6775" cap="flat">
-              <a:solidFill>
-                <a:srgbClr val="B3B3B3">
-                  <a:alpha val="100000"/>
-                </a:srgbClr>
-              </a:solidFill>
-              <a:prstDash val="solid"/>
-              <a:round/>
-            </a:ln>
-          </p:spPr>
-          <p:txBody>
-            <a:bodyPr/>
-            <a:lstStyle/>
-            <a:p/>
-          </p:txBody>
-        </p:sp>
-        <p:sp>
-          <p:nvSpPr>
-            <p:cNvPr id="63" name="pl63"/>
-            <p:cNvSpPr/>
-            <p:nvPr/>
-          </p:nvSpPr>
-          <p:spPr>
-            <a:xfrm>
-              <a:off x="3514526" y="5638927"/>
+            <a:ln w="13550" cap="flat">
+              <a:solidFill>
+                <a:srgbClr val="333333">
+                  <a:alpha val="100000"/>
+                </a:srgbClr>
+              </a:solidFill>
+              <a:prstDash val="solid"/>
+              <a:round/>
+            </a:ln>
+          </p:spPr>
+          <p:txBody>
+            <a:bodyPr/>
+            <a:lstStyle/>
+            <a:p/>
+          </p:txBody>
+        </p:sp>
+        <p:sp>
+          <p:nvSpPr>
+            <p:cNvPr id="111" name="pl111"/>
+            <p:cNvSpPr/>
+            <p:nvPr/>
+          </p:nvSpPr>
+          <p:spPr>
+            <a:xfrm>
+              <a:off x="2673508" y="5274097"/>
               <a:ext cx="0" cy="34794"/>
             </a:xfrm>
             <a:custGeom>
@@ -5543,31 +7333,31 @@
                 </a:path>
               </a:pathLst>
             </a:custGeom>
-            <a:ln w="6775" cap="flat">
-              <a:solidFill>
-                <a:srgbClr val="B3B3B3">
-                  <a:alpha val="100000"/>
-                </a:srgbClr>
-              </a:solidFill>
-              <a:prstDash val="solid"/>
-              <a:round/>
-            </a:ln>
-          </p:spPr>
-          <p:txBody>
-            <a:bodyPr/>
-            <a:lstStyle/>
-            <a:p/>
-          </p:txBody>
-        </p:sp>
-        <p:sp>
-          <p:nvSpPr>
-            <p:cNvPr id="64" name="pl64"/>
-            <p:cNvSpPr/>
-            <p:nvPr/>
-          </p:nvSpPr>
-          <p:spPr>
-            <a:xfrm>
-              <a:off x="5005504" y="5638927"/>
+            <a:ln w="13550" cap="flat">
+              <a:solidFill>
+                <a:srgbClr val="333333">
+                  <a:alpha val="100000"/>
+                </a:srgbClr>
+              </a:solidFill>
+              <a:prstDash val="solid"/>
+              <a:round/>
+            </a:ln>
+          </p:spPr>
+          <p:txBody>
+            <a:bodyPr/>
+            <a:lstStyle/>
+            <a:p/>
+          </p:txBody>
+        </p:sp>
+        <p:sp>
+          <p:nvSpPr>
+            <p:cNvPr id="112" name="pl112"/>
+            <p:cNvSpPr/>
+            <p:nvPr/>
+          </p:nvSpPr>
+          <p:spPr>
+            <a:xfrm>
+              <a:off x="2982025" y="5274097"/>
               <a:ext cx="0" cy="34794"/>
             </a:xfrm>
             <a:custGeom>
@@ -5583,31 +7373,31 @@
                 </a:path>
               </a:pathLst>
             </a:custGeom>
-            <a:ln w="6775" cap="flat">
-              <a:solidFill>
-                <a:srgbClr val="B3B3B3">
-                  <a:alpha val="100000"/>
-                </a:srgbClr>
-              </a:solidFill>
-              <a:prstDash val="solid"/>
-              <a:round/>
-            </a:ln>
-          </p:spPr>
-          <p:txBody>
-            <a:bodyPr/>
-            <a:lstStyle/>
-            <a:p/>
-          </p:txBody>
-        </p:sp>
-        <p:sp>
-          <p:nvSpPr>
-            <p:cNvPr id="65" name="pl65"/>
-            <p:cNvSpPr/>
-            <p:nvPr/>
-          </p:nvSpPr>
-          <p:spPr>
-            <a:xfrm>
-              <a:off x="6496481" y="5638927"/>
+            <a:ln w="13550" cap="flat">
+              <a:solidFill>
+                <a:srgbClr val="333333">
+                  <a:alpha val="100000"/>
+                </a:srgbClr>
+              </a:solidFill>
+              <a:prstDash val="solid"/>
+              <a:round/>
+            </a:ln>
+          </p:spPr>
+          <p:txBody>
+            <a:bodyPr/>
+            <a:lstStyle/>
+            <a:p/>
+          </p:txBody>
+        </p:sp>
+        <p:sp>
+          <p:nvSpPr>
+            <p:cNvPr id="113" name="pl113"/>
+            <p:cNvSpPr/>
+            <p:nvPr/>
+          </p:nvSpPr>
+          <p:spPr>
+            <a:xfrm>
+              <a:off x="3290542" y="5274097"/>
               <a:ext cx="0" cy="34794"/>
             </a:xfrm>
             <a:custGeom>
@@ -5623,31 +7413,31 @@
                 </a:path>
               </a:pathLst>
             </a:custGeom>
-            <a:ln w="6775" cap="flat">
-              <a:solidFill>
-                <a:srgbClr val="B3B3B3">
-                  <a:alpha val="100000"/>
-                </a:srgbClr>
-              </a:solidFill>
-              <a:prstDash val="solid"/>
-              <a:round/>
-            </a:ln>
-          </p:spPr>
-          <p:txBody>
-            <a:bodyPr/>
-            <a:lstStyle/>
-            <a:p/>
-          </p:txBody>
-        </p:sp>
-        <p:sp>
-          <p:nvSpPr>
-            <p:cNvPr id="66" name="pl66"/>
-            <p:cNvSpPr/>
-            <p:nvPr/>
-          </p:nvSpPr>
-          <p:spPr>
-            <a:xfrm>
-              <a:off x="7987459" y="5638927"/>
+            <a:ln w="13550" cap="flat">
+              <a:solidFill>
+                <a:srgbClr val="333333">
+                  <a:alpha val="100000"/>
+                </a:srgbClr>
+              </a:solidFill>
+              <a:prstDash val="solid"/>
+              <a:round/>
+            </a:ln>
+          </p:spPr>
+          <p:txBody>
+            <a:bodyPr/>
+            <a:lstStyle/>
+            <a:p/>
+          </p:txBody>
+        </p:sp>
+        <p:sp>
+          <p:nvSpPr>
+            <p:cNvPr id="114" name="pl114"/>
+            <p:cNvSpPr/>
+            <p:nvPr/>
+          </p:nvSpPr>
+          <p:spPr>
+            <a:xfrm>
+              <a:off x="3730351" y="5274097"/>
               <a:ext cx="0" cy="34794"/>
             </a:xfrm>
             <a:custGeom>
@@ -5663,31 +7453,631 @@
                 </a:path>
               </a:pathLst>
             </a:custGeom>
-            <a:ln w="6775" cap="flat">
-              <a:solidFill>
-                <a:srgbClr val="B3B3B3">
-                  <a:alpha val="100000"/>
-                </a:srgbClr>
-              </a:solidFill>
-              <a:prstDash val="solid"/>
-              <a:round/>
-            </a:ln>
-          </p:spPr>
-          <p:txBody>
-            <a:bodyPr/>
-            <a:lstStyle/>
-            <a:p/>
-          </p:txBody>
-        </p:sp>
-        <p:sp>
-          <p:nvSpPr>
-            <p:cNvPr id="67" name="tx67"/>
-            <p:cNvSpPr/>
-            <p:nvPr/>
-          </p:nvSpPr>
-          <p:spPr>
-            <a:xfrm>
-              <a:off x="1992471" y="5699866"/>
+            <a:ln w="13550" cap="flat">
+              <a:solidFill>
+                <a:srgbClr val="333333">
+                  <a:alpha val="100000"/>
+                </a:srgbClr>
+              </a:solidFill>
+              <a:prstDash val="solid"/>
+              <a:round/>
+            </a:ln>
+          </p:spPr>
+          <p:txBody>
+            <a:bodyPr/>
+            <a:lstStyle/>
+            <a:p/>
+          </p:txBody>
+        </p:sp>
+        <p:sp>
+          <p:nvSpPr>
+            <p:cNvPr id="115" name="pl115"/>
+            <p:cNvSpPr/>
+            <p:nvPr/>
+          </p:nvSpPr>
+          <p:spPr>
+            <a:xfrm>
+              <a:off x="4038868" y="5274097"/>
+              <a:ext cx="0" cy="34794"/>
+            </a:xfrm>
+            <a:custGeom>
+              <a:avLst/>
+              <a:pathLst>
+                <a:path w="0" h="34794">
+                  <a:moveTo>
+                    <a:pt x="0" y="34794"/>
+                  </a:moveTo>
+                  <a:lnTo>
+                    <a:pt x="0" y="0"/>
+                  </a:lnTo>
+                </a:path>
+              </a:pathLst>
+            </a:custGeom>
+            <a:ln w="13550" cap="flat">
+              <a:solidFill>
+                <a:srgbClr val="333333">
+                  <a:alpha val="100000"/>
+                </a:srgbClr>
+              </a:solidFill>
+              <a:prstDash val="solid"/>
+              <a:round/>
+            </a:ln>
+          </p:spPr>
+          <p:txBody>
+            <a:bodyPr/>
+            <a:lstStyle/>
+            <a:p/>
+          </p:txBody>
+        </p:sp>
+        <p:sp>
+          <p:nvSpPr>
+            <p:cNvPr id="116" name="pl116"/>
+            <p:cNvSpPr/>
+            <p:nvPr/>
+          </p:nvSpPr>
+          <p:spPr>
+            <a:xfrm>
+              <a:off x="4347385" y="5274097"/>
+              <a:ext cx="0" cy="34794"/>
+            </a:xfrm>
+            <a:custGeom>
+              <a:avLst/>
+              <a:pathLst>
+                <a:path w="0" h="34794">
+                  <a:moveTo>
+                    <a:pt x="0" y="34794"/>
+                  </a:moveTo>
+                  <a:lnTo>
+                    <a:pt x="0" y="0"/>
+                  </a:lnTo>
+                </a:path>
+              </a:pathLst>
+            </a:custGeom>
+            <a:ln w="13550" cap="flat">
+              <a:solidFill>
+                <a:srgbClr val="333333">
+                  <a:alpha val="100000"/>
+                </a:srgbClr>
+              </a:solidFill>
+              <a:prstDash val="solid"/>
+              <a:round/>
+            </a:ln>
+          </p:spPr>
+          <p:txBody>
+            <a:bodyPr/>
+            <a:lstStyle/>
+            <a:p/>
+          </p:txBody>
+        </p:sp>
+        <p:sp>
+          <p:nvSpPr>
+            <p:cNvPr id="117" name="pl117"/>
+            <p:cNvSpPr/>
+            <p:nvPr/>
+          </p:nvSpPr>
+          <p:spPr>
+            <a:xfrm>
+              <a:off x="4655902" y="5274097"/>
+              <a:ext cx="0" cy="34794"/>
+            </a:xfrm>
+            <a:custGeom>
+              <a:avLst/>
+              <a:pathLst>
+                <a:path w="0" h="34794">
+                  <a:moveTo>
+                    <a:pt x="0" y="34794"/>
+                  </a:moveTo>
+                  <a:lnTo>
+                    <a:pt x="0" y="0"/>
+                  </a:lnTo>
+                </a:path>
+              </a:pathLst>
+            </a:custGeom>
+            <a:ln w="13550" cap="flat">
+              <a:solidFill>
+                <a:srgbClr val="333333">
+                  <a:alpha val="100000"/>
+                </a:srgbClr>
+              </a:solidFill>
+              <a:prstDash val="solid"/>
+              <a:round/>
+            </a:ln>
+          </p:spPr>
+          <p:txBody>
+            <a:bodyPr/>
+            <a:lstStyle/>
+            <a:p/>
+          </p:txBody>
+        </p:sp>
+        <p:sp>
+          <p:nvSpPr>
+            <p:cNvPr id="118" name="pl118"/>
+            <p:cNvSpPr/>
+            <p:nvPr/>
+          </p:nvSpPr>
+          <p:spPr>
+            <a:xfrm>
+              <a:off x="5095711" y="5274097"/>
+              <a:ext cx="0" cy="34794"/>
+            </a:xfrm>
+            <a:custGeom>
+              <a:avLst/>
+              <a:pathLst>
+                <a:path w="0" h="34794">
+                  <a:moveTo>
+                    <a:pt x="0" y="34794"/>
+                  </a:moveTo>
+                  <a:lnTo>
+                    <a:pt x="0" y="0"/>
+                  </a:lnTo>
+                </a:path>
+              </a:pathLst>
+            </a:custGeom>
+            <a:ln w="13550" cap="flat">
+              <a:solidFill>
+                <a:srgbClr val="333333">
+                  <a:alpha val="100000"/>
+                </a:srgbClr>
+              </a:solidFill>
+              <a:prstDash val="solid"/>
+              <a:round/>
+            </a:ln>
+          </p:spPr>
+          <p:txBody>
+            <a:bodyPr/>
+            <a:lstStyle/>
+            <a:p/>
+          </p:txBody>
+        </p:sp>
+        <p:sp>
+          <p:nvSpPr>
+            <p:cNvPr id="119" name="pl119"/>
+            <p:cNvSpPr/>
+            <p:nvPr/>
+          </p:nvSpPr>
+          <p:spPr>
+            <a:xfrm>
+              <a:off x="5404228" y="5274097"/>
+              <a:ext cx="0" cy="34794"/>
+            </a:xfrm>
+            <a:custGeom>
+              <a:avLst/>
+              <a:pathLst>
+                <a:path w="0" h="34794">
+                  <a:moveTo>
+                    <a:pt x="0" y="34794"/>
+                  </a:moveTo>
+                  <a:lnTo>
+                    <a:pt x="0" y="0"/>
+                  </a:lnTo>
+                </a:path>
+              </a:pathLst>
+            </a:custGeom>
+            <a:ln w="13550" cap="flat">
+              <a:solidFill>
+                <a:srgbClr val="333333">
+                  <a:alpha val="100000"/>
+                </a:srgbClr>
+              </a:solidFill>
+              <a:prstDash val="solid"/>
+              <a:round/>
+            </a:ln>
+          </p:spPr>
+          <p:txBody>
+            <a:bodyPr/>
+            <a:lstStyle/>
+            <a:p/>
+          </p:txBody>
+        </p:sp>
+        <p:sp>
+          <p:nvSpPr>
+            <p:cNvPr id="120" name="pl120"/>
+            <p:cNvSpPr/>
+            <p:nvPr/>
+          </p:nvSpPr>
+          <p:spPr>
+            <a:xfrm>
+              <a:off x="5712745" y="5274097"/>
+              <a:ext cx="0" cy="34794"/>
+            </a:xfrm>
+            <a:custGeom>
+              <a:avLst/>
+              <a:pathLst>
+                <a:path w="0" h="34794">
+                  <a:moveTo>
+                    <a:pt x="0" y="34794"/>
+                  </a:moveTo>
+                  <a:lnTo>
+                    <a:pt x="0" y="0"/>
+                  </a:lnTo>
+                </a:path>
+              </a:pathLst>
+            </a:custGeom>
+            <a:ln w="13550" cap="flat">
+              <a:solidFill>
+                <a:srgbClr val="333333">
+                  <a:alpha val="100000"/>
+                </a:srgbClr>
+              </a:solidFill>
+              <a:prstDash val="solid"/>
+              <a:round/>
+            </a:ln>
+          </p:spPr>
+          <p:txBody>
+            <a:bodyPr/>
+            <a:lstStyle/>
+            <a:p/>
+          </p:txBody>
+        </p:sp>
+        <p:sp>
+          <p:nvSpPr>
+            <p:cNvPr id="121" name="pl121"/>
+            <p:cNvSpPr/>
+            <p:nvPr/>
+          </p:nvSpPr>
+          <p:spPr>
+            <a:xfrm>
+              <a:off x="6021262" y="5274097"/>
+              <a:ext cx="0" cy="34794"/>
+            </a:xfrm>
+            <a:custGeom>
+              <a:avLst/>
+              <a:pathLst>
+                <a:path w="0" h="34794">
+                  <a:moveTo>
+                    <a:pt x="0" y="34794"/>
+                  </a:moveTo>
+                  <a:lnTo>
+                    <a:pt x="0" y="0"/>
+                  </a:lnTo>
+                </a:path>
+              </a:pathLst>
+            </a:custGeom>
+            <a:ln w="13550" cap="flat">
+              <a:solidFill>
+                <a:srgbClr val="333333">
+                  <a:alpha val="100000"/>
+                </a:srgbClr>
+              </a:solidFill>
+              <a:prstDash val="solid"/>
+              <a:round/>
+            </a:ln>
+          </p:spPr>
+          <p:txBody>
+            <a:bodyPr/>
+            <a:lstStyle/>
+            <a:p/>
+          </p:txBody>
+        </p:sp>
+        <p:sp>
+          <p:nvSpPr>
+            <p:cNvPr id="122" name="pl122"/>
+            <p:cNvSpPr/>
+            <p:nvPr/>
+          </p:nvSpPr>
+          <p:spPr>
+            <a:xfrm>
+              <a:off x="6461071" y="5274097"/>
+              <a:ext cx="0" cy="34794"/>
+            </a:xfrm>
+            <a:custGeom>
+              <a:avLst/>
+              <a:pathLst>
+                <a:path w="0" h="34794">
+                  <a:moveTo>
+                    <a:pt x="0" y="34794"/>
+                  </a:moveTo>
+                  <a:lnTo>
+                    <a:pt x="0" y="0"/>
+                  </a:lnTo>
+                </a:path>
+              </a:pathLst>
+            </a:custGeom>
+            <a:ln w="13550" cap="flat">
+              <a:solidFill>
+                <a:srgbClr val="333333">
+                  <a:alpha val="100000"/>
+                </a:srgbClr>
+              </a:solidFill>
+              <a:prstDash val="solid"/>
+              <a:round/>
+            </a:ln>
+          </p:spPr>
+          <p:txBody>
+            <a:bodyPr/>
+            <a:lstStyle/>
+            <a:p/>
+          </p:txBody>
+        </p:sp>
+        <p:sp>
+          <p:nvSpPr>
+            <p:cNvPr id="123" name="pl123"/>
+            <p:cNvSpPr/>
+            <p:nvPr/>
+          </p:nvSpPr>
+          <p:spPr>
+            <a:xfrm>
+              <a:off x="6769588" y="5274097"/>
+              <a:ext cx="0" cy="34794"/>
+            </a:xfrm>
+            <a:custGeom>
+              <a:avLst/>
+              <a:pathLst>
+                <a:path w="0" h="34794">
+                  <a:moveTo>
+                    <a:pt x="0" y="34794"/>
+                  </a:moveTo>
+                  <a:lnTo>
+                    <a:pt x="0" y="0"/>
+                  </a:lnTo>
+                </a:path>
+              </a:pathLst>
+            </a:custGeom>
+            <a:ln w="13550" cap="flat">
+              <a:solidFill>
+                <a:srgbClr val="333333">
+                  <a:alpha val="100000"/>
+                </a:srgbClr>
+              </a:solidFill>
+              <a:prstDash val="solid"/>
+              <a:round/>
+            </a:ln>
+          </p:spPr>
+          <p:txBody>
+            <a:bodyPr/>
+            <a:lstStyle/>
+            <a:p/>
+          </p:txBody>
+        </p:sp>
+        <p:sp>
+          <p:nvSpPr>
+            <p:cNvPr id="124" name="pl124"/>
+            <p:cNvSpPr/>
+            <p:nvPr/>
+          </p:nvSpPr>
+          <p:spPr>
+            <a:xfrm>
+              <a:off x="7078105" y="5274097"/>
+              <a:ext cx="0" cy="34794"/>
+            </a:xfrm>
+            <a:custGeom>
+              <a:avLst/>
+              <a:pathLst>
+                <a:path w="0" h="34794">
+                  <a:moveTo>
+                    <a:pt x="0" y="34794"/>
+                  </a:moveTo>
+                  <a:lnTo>
+                    <a:pt x="0" y="0"/>
+                  </a:lnTo>
+                </a:path>
+              </a:pathLst>
+            </a:custGeom>
+            <a:ln w="13550" cap="flat">
+              <a:solidFill>
+                <a:srgbClr val="333333">
+                  <a:alpha val="100000"/>
+                </a:srgbClr>
+              </a:solidFill>
+              <a:prstDash val="solid"/>
+              <a:round/>
+            </a:ln>
+          </p:spPr>
+          <p:txBody>
+            <a:bodyPr/>
+            <a:lstStyle/>
+            <a:p/>
+          </p:txBody>
+        </p:sp>
+        <p:sp>
+          <p:nvSpPr>
+            <p:cNvPr id="125" name="pl125"/>
+            <p:cNvSpPr/>
+            <p:nvPr/>
+          </p:nvSpPr>
+          <p:spPr>
+            <a:xfrm>
+              <a:off x="7386622" y="5274097"/>
+              <a:ext cx="0" cy="34794"/>
+            </a:xfrm>
+            <a:custGeom>
+              <a:avLst/>
+              <a:pathLst>
+                <a:path w="0" h="34794">
+                  <a:moveTo>
+                    <a:pt x="0" y="34794"/>
+                  </a:moveTo>
+                  <a:lnTo>
+                    <a:pt x="0" y="0"/>
+                  </a:lnTo>
+                </a:path>
+              </a:pathLst>
+            </a:custGeom>
+            <a:ln w="13550" cap="flat">
+              <a:solidFill>
+                <a:srgbClr val="333333">
+                  <a:alpha val="100000"/>
+                </a:srgbClr>
+              </a:solidFill>
+              <a:prstDash val="solid"/>
+              <a:round/>
+            </a:ln>
+          </p:spPr>
+          <p:txBody>
+            <a:bodyPr/>
+            <a:lstStyle/>
+            <a:p/>
+          </p:txBody>
+        </p:sp>
+        <p:sp>
+          <p:nvSpPr>
+            <p:cNvPr id="126" name="pl126"/>
+            <p:cNvSpPr/>
+            <p:nvPr/>
+          </p:nvSpPr>
+          <p:spPr>
+            <a:xfrm>
+              <a:off x="7826431" y="5274097"/>
+              <a:ext cx="0" cy="34794"/>
+            </a:xfrm>
+            <a:custGeom>
+              <a:avLst/>
+              <a:pathLst>
+                <a:path w="0" h="34794">
+                  <a:moveTo>
+                    <a:pt x="0" y="34794"/>
+                  </a:moveTo>
+                  <a:lnTo>
+                    <a:pt x="0" y="0"/>
+                  </a:lnTo>
+                </a:path>
+              </a:pathLst>
+            </a:custGeom>
+            <a:ln w="13550" cap="flat">
+              <a:solidFill>
+                <a:srgbClr val="333333">
+                  <a:alpha val="100000"/>
+                </a:srgbClr>
+              </a:solidFill>
+              <a:prstDash val="solid"/>
+              <a:round/>
+            </a:ln>
+          </p:spPr>
+          <p:txBody>
+            <a:bodyPr/>
+            <a:lstStyle/>
+            <a:p/>
+          </p:txBody>
+        </p:sp>
+        <p:sp>
+          <p:nvSpPr>
+            <p:cNvPr id="127" name="pl127"/>
+            <p:cNvSpPr/>
+            <p:nvPr/>
+          </p:nvSpPr>
+          <p:spPr>
+            <a:xfrm>
+              <a:off x="8134948" y="5274097"/>
+              <a:ext cx="0" cy="34794"/>
+            </a:xfrm>
+            <a:custGeom>
+              <a:avLst/>
+              <a:pathLst>
+                <a:path w="0" h="34794">
+                  <a:moveTo>
+                    <a:pt x="0" y="34794"/>
+                  </a:moveTo>
+                  <a:lnTo>
+                    <a:pt x="0" y="0"/>
+                  </a:lnTo>
+                </a:path>
+              </a:pathLst>
+            </a:custGeom>
+            <a:ln w="13550" cap="flat">
+              <a:solidFill>
+                <a:srgbClr val="333333">
+                  <a:alpha val="100000"/>
+                </a:srgbClr>
+              </a:solidFill>
+              <a:prstDash val="solid"/>
+              <a:round/>
+            </a:ln>
+          </p:spPr>
+          <p:txBody>
+            <a:bodyPr/>
+            <a:lstStyle/>
+            <a:p/>
+          </p:txBody>
+        </p:sp>
+        <p:sp>
+          <p:nvSpPr>
+            <p:cNvPr id="128" name="pl128"/>
+            <p:cNvSpPr/>
+            <p:nvPr/>
+          </p:nvSpPr>
+          <p:spPr>
+            <a:xfrm>
+              <a:off x="8443465" y="5274097"/>
+              <a:ext cx="0" cy="34794"/>
+            </a:xfrm>
+            <a:custGeom>
+              <a:avLst/>
+              <a:pathLst>
+                <a:path w="0" h="34794">
+                  <a:moveTo>
+                    <a:pt x="0" y="34794"/>
+                  </a:moveTo>
+                  <a:lnTo>
+                    <a:pt x="0" y="0"/>
+                  </a:lnTo>
+                </a:path>
+              </a:pathLst>
+            </a:custGeom>
+            <a:ln w="13550" cap="flat">
+              <a:solidFill>
+                <a:srgbClr val="333333">
+                  <a:alpha val="100000"/>
+                </a:srgbClr>
+              </a:solidFill>
+              <a:prstDash val="solid"/>
+              <a:round/>
+            </a:ln>
+          </p:spPr>
+          <p:txBody>
+            <a:bodyPr/>
+            <a:lstStyle/>
+            <a:p/>
+          </p:txBody>
+        </p:sp>
+        <p:sp>
+          <p:nvSpPr>
+            <p:cNvPr id="129" name="pl129"/>
+            <p:cNvSpPr/>
+            <p:nvPr/>
+          </p:nvSpPr>
+          <p:spPr>
+            <a:xfrm>
+              <a:off x="8751982" y="5274097"/>
+              <a:ext cx="0" cy="34794"/>
+            </a:xfrm>
+            <a:custGeom>
+              <a:avLst/>
+              <a:pathLst>
+                <a:path w="0" h="34794">
+                  <a:moveTo>
+                    <a:pt x="0" y="34794"/>
+                  </a:moveTo>
+                  <a:lnTo>
+                    <a:pt x="0" y="0"/>
+                  </a:lnTo>
+                </a:path>
+              </a:pathLst>
+            </a:custGeom>
+            <a:ln w="13550" cap="flat">
+              <a:solidFill>
+                <a:srgbClr val="333333">
+                  <a:alpha val="100000"/>
+                </a:srgbClr>
+              </a:solidFill>
+              <a:prstDash val="solid"/>
+              <a:round/>
+            </a:ln>
+          </p:spPr>
+          <p:txBody>
+            <a:bodyPr/>
+            <a:lstStyle/>
+            <a:p/>
+          </p:txBody>
+        </p:sp>
+        <p:sp>
+          <p:nvSpPr>
+            <p:cNvPr id="130" name="tx130"/>
+            <p:cNvSpPr/>
+            <p:nvPr/>
+          </p:nvSpPr>
+          <p:spPr>
+            <a:xfrm>
+              <a:off x="2055095" y="5074909"/>
               <a:ext cx="62155" cy="81691"/>
             </a:xfrm>
             <a:prstGeom prst="rect">
@@ -5727,14 +8117,14 @@
         </p:sp>
         <p:sp>
           <p:nvSpPr>
-            <p:cNvPr id="68" name="tx68"/>
-            <p:cNvSpPr/>
-            <p:nvPr/>
-          </p:nvSpPr>
-          <p:spPr>
-            <a:xfrm>
-              <a:off x="3421293" y="5699866"/>
-              <a:ext cx="186466" cy="81691"/>
+            <p:cNvPr id="131" name="tx131"/>
+            <p:cNvSpPr/>
+            <p:nvPr/>
+          </p:nvSpPr>
+          <p:spPr>
+            <a:xfrm>
+              <a:off x="1992940" y="4396044"/>
+              <a:ext cx="124311" cy="81691"/>
             </a:xfrm>
             <a:prstGeom prst="rect">
               <a:avLst/>
@@ -5766,21 +8156,21 @@
                   <a:latin typeface="Arial"/>
                   <a:cs typeface="Arial"/>
                 </a:rPr>
-                <a:t>500</a:t>
+                <a:t>50</a:t>
               </a:r>
             </a:p>
           </p:txBody>
         </p:sp>
         <p:sp>
           <p:nvSpPr>
-            <p:cNvPr id="69" name="tx69"/>
-            <p:cNvSpPr/>
-            <p:nvPr/>
-          </p:nvSpPr>
-          <p:spPr>
-            <a:xfrm>
-              <a:off x="4881193" y="5699866"/>
-              <a:ext cx="248622" cy="81691"/>
+            <p:cNvPr id="132" name="tx132"/>
+            <p:cNvSpPr/>
+            <p:nvPr/>
+          </p:nvSpPr>
+          <p:spPr>
+            <a:xfrm>
+              <a:off x="1930784" y="3717180"/>
+              <a:ext cx="186466" cy="81691"/>
             </a:xfrm>
             <a:prstGeom prst="rect">
               <a:avLst/>
@@ -5812,21 +8202,21 @@
                   <a:latin typeface="Arial"/>
                   <a:cs typeface="Arial"/>
                 </a:rPr>
-                <a:t>1000</a:t>
+                <a:t>100</a:t>
               </a:r>
             </a:p>
           </p:txBody>
         </p:sp>
         <p:sp>
           <p:nvSpPr>
-            <p:cNvPr id="70" name="tx70"/>
-            <p:cNvSpPr/>
-            <p:nvPr/>
-          </p:nvSpPr>
-          <p:spPr>
-            <a:xfrm>
-              <a:off x="6372170" y="5699866"/>
-              <a:ext cx="248622" cy="81691"/>
+            <p:cNvPr id="133" name="tx133"/>
+            <p:cNvSpPr/>
+            <p:nvPr/>
+          </p:nvSpPr>
+          <p:spPr>
+            <a:xfrm>
+              <a:off x="1930784" y="3038315"/>
+              <a:ext cx="186466" cy="81691"/>
             </a:xfrm>
             <a:prstGeom prst="rect">
               <a:avLst/>
@@ -5858,21 +8248,21 @@
                   <a:latin typeface="Arial"/>
                   <a:cs typeface="Arial"/>
                 </a:rPr>
-                <a:t>1500</a:t>
+                <a:t>150</a:t>
               </a:r>
             </a:p>
           </p:txBody>
         </p:sp>
         <p:sp>
           <p:nvSpPr>
-            <p:cNvPr id="71" name="tx71"/>
-            <p:cNvSpPr/>
-            <p:nvPr/>
-          </p:nvSpPr>
-          <p:spPr>
-            <a:xfrm>
-              <a:off x="7863147" y="5699866"/>
-              <a:ext cx="248622" cy="81691"/>
+            <p:cNvPr id="134" name="tx134"/>
+            <p:cNvSpPr/>
+            <p:nvPr/>
+          </p:nvSpPr>
+          <p:spPr>
+            <a:xfrm>
+              <a:off x="1930784" y="2359451"/>
+              <a:ext cx="186466" cy="81691"/>
             </a:xfrm>
             <a:prstGeom prst="rect">
               <a:avLst/>
@@ -5904,7 +8294,625 @@
                   <a:latin typeface="Arial"/>
                   <a:cs typeface="Arial"/>
                 </a:rPr>
-                <a:t>2000</a:t>
+                <a:t>200</a:t>
+              </a:r>
+            </a:p>
+          </p:txBody>
+        </p:sp>
+        <p:sp>
+          <p:nvSpPr>
+            <p:cNvPr id="135" name="pl135"/>
+            <p:cNvSpPr/>
+            <p:nvPr/>
+          </p:nvSpPr>
+          <p:spPr>
+            <a:xfrm>
+              <a:off x="2145087" y="5116600"/>
+              <a:ext cx="34794" cy="0"/>
+            </a:xfrm>
+            <a:custGeom>
+              <a:avLst/>
+              <a:pathLst>
+                <a:path w="34794" h="0">
+                  <a:moveTo>
+                    <a:pt x="0" y="0"/>
+                  </a:moveTo>
+                  <a:lnTo>
+                    <a:pt x="34794" y="0"/>
+                  </a:lnTo>
+                </a:path>
+              </a:pathLst>
+            </a:custGeom>
+            <a:ln w="13550" cap="flat">
+              <a:solidFill>
+                <a:srgbClr val="333333">
+                  <a:alpha val="100000"/>
+                </a:srgbClr>
+              </a:solidFill>
+              <a:prstDash val="solid"/>
+              <a:round/>
+            </a:ln>
+          </p:spPr>
+          <p:txBody>
+            <a:bodyPr/>
+            <a:lstStyle/>
+            <a:p/>
+          </p:txBody>
+        </p:sp>
+        <p:sp>
+          <p:nvSpPr>
+            <p:cNvPr id="136" name="pl136"/>
+            <p:cNvSpPr/>
+            <p:nvPr/>
+          </p:nvSpPr>
+          <p:spPr>
+            <a:xfrm>
+              <a:off x="2145087" y="4437736"/>
+              <a:ext cx="34794" cy="0"/>
+            </a:xfrm>
+            <a:custGeom>
+              <a:avLst/>
+              <a:pathLst>
+                <a:path w="34794" h="0">
+                  <a:moveTo>
+                    <a:pt x="0" y="0"/>
+                  </a:moveTo>
+                  <a:lnTo>
+                    <a:pt x="34794" y="0"/>
+                  </a:lnTo>
+                </a:path>
+              </a:pathLst>
+            </a:custGeom>
+            <a:ln w="13550" cap="flat">
+              <a:solidFill>
+                <a:srgbClr val="333333">
+                  <a:alpha val="100000"/>
+                </a:srgbClr>
+              </a:solidFill>
+              <a:prstDash val="solid"/>
+              <a:round/>
+            </a:ln>
+          </p:spPr>
+          <p:txBody>
+            <a:bodyPr/>
+            <a:lstStyle/>
+            <a:p/>
+          </p:txBody>
+        </p:sp>
+        <p:sp>
+          <p:nvSpPr>
+            <p:cNvPr id="137" name="pl137"/>
+            <p:cNvSpPr/>
+            <p:nvPr/>
+          </p:nvSpPr>
+          <p:spPr>
+            <a:xfrm>
+              <a:off x="2145087" y="3758871"/>
+              <a:ext cx="34794" cy="0"/>
+            </a:xfrm>
+            <a:custGeom>
+              <a:avLst/>
+              <a:pathLst>
+                <a:path w="34794" h="0">
+                  <a:moveTo>
+                    <a:pt x="0" y="0"/>
+                  </a:moveTo>
+                  <a:lnTo>
+                    <a:pt x="34794" y="0"/>
+                  </a:lnTo>
+                </a:path>
+              </a:pathLst>
+            </a:custGeom>
+            <a:ln w="13550" cap="flat">
+              <a:solidFill>
+                <a:srgbClr val="333333">
+                  <a:alpha val="100000"/>
+                </a:srgbClr>
+              </a:solidFill>
+              <a:prstDash val="solid"/>
+              <a:round/>
+            </a:ln>
+          </p:spPr>
+          <p:txBody>
+            <a:bodyPr/>
+            <a:lstStyle/>
+            <a:p/>
+          </p:txBody>
+        </p:sp>
+        <p:sp>
+          <p:nvSpPr>
+            <p:cNvPr id="138" name="pl138"/>
+            <p:cNvSpPr/>
+            <p:nvPr/>
+          </p:nvSpPr>
+          <p:spPr>
+            <a:xfrm>
+              <a:off x="2145087" y="3080007"/>
+              <a:ext cx="34794" cy="0"/>
+            </a:xfrm>
+            <a:custGeom>
+              <a:avLst/>
+              <a:pathLst>
+                <a:path w="34794" h="0">
+                  <a:moveTo>
+                    <a:pt x="0" y="0"/>
+                  </a:moveTo>
+                  <a:lnTo>
+                    <a:pt x="34794" y="0"/>
+                  </a:lnTo>
+                </a:path>
+              </a:pathLst>
+            </a:custGeom>
+            <a:ln w="13550" cap="flat">
+              <a:solidFill>
+                <a:srgbClr val="333333">
+                  <a:alpha val="100000"/>
+                </a:srgbClr>
+              </a:solidFill>
+              <a:prstDash val="solid"/>
+              <a:round/>
+            </a:ln>
+          </p:spPr>
+          <p:txBody>
+            <a:bodyPr/>
+            <a:lstStyle/>
+            <a:p/>
+          </p:txBody>
+        </p:sp>
+        <p:sp>
+          <p:nvSpPr>
+            <p:cNvPr id="139" name="pl139"/>
+            <p:cNvSpPr/>
+            <p:nvPr/>
+          </p:nvSpPr>
+          <p:spPr>
+            <a:xfrm>
+              <a:off x="2145087" y="2401142"/>
+              <a:ext cx="34794" cy="0"/>
+            </a:xfrm>
+            <a:custGeom>
+              <a:avLst/>
+              <a:pathLst>
+                <a:path w="34794" h="0">
+                  <a:moveTo>
+                    <a:pt x="0" y="0"/>
+                  </a:moveTo>
+                  <a:lnTo>
+                    <a:pt x="34794" y="0"/>
+                  </a:lnTo>
+                </a:path>
+              </a:pathLst>
+            </a:custGeom>
+            <a:ln w="13550" cap="flat">
+              <a:solidFill>
+                <a:srgbClr val="333333">
+                  <a:alpha val="100000"/>
+                </a:srgbClr>
+              </a:solidFill>
+              <a:prstDash val="solid"/>
+              <a:round/>
+            </a:ln>
+          </p:spPr>
+          <p:txBody>
+            <a:bodyPr/>
+            <a:lstStyle/>
+            <a:p/>
+          </p:txBody>
+        </p:sp>
+        <p:sp>
+          <p:nvSpPr>
+            <p:cNvPr id="140" name="rc140"/>
+            <p:cNvSpPr/>
+            <p:nvPr/>
+          </p:nvSpPr>
+          <p:spPr>
+            <a:xfrm>
+              <a:off x="4009020" y="5613598"/>
+              <a:ext cx="3098933" cy="358634"/>
+            </a:xfrm>
+            <a:prstGeom prst="rect">
+              <a:avLst/>
+            </a:prstGeom>
+            <a:solidFill>
+              <a:srgbClr val="FFFFFF">
+                <a:alpha val="100000"/>
+              </a:srgbClr>
+            </a:solidFill>
+          </p:spPr>
+          <p:txBody>
+            <a:bodyPr/>
+            <a:lstStyle/>
+            <a:p/>
+          </p:txBody>
+        </p:sp>
+        <p:sp>
+          <p:nvSpPr>
+            <p:cNvPr id="141" name="rc141"/>
+            <p:cNvSpPr/>
+            <p:nvPr/>
+          </p:nvSpPr>
+          <p:spPr>
+            <a:xfrm>
+              <a:off x="4148198" y="5683187"/>
+              <a:ext cx="219455" cy="219455"/>
+            </a:xfrm>
+            <a:prstGeom prst="rect">
+              <a:avLst/>
+            </a:prstGeom>
+            <a:solidFill>
+              <a:srgbClr val="FFFFFF">
+                <a:alpha val="100000"/>
+              </a:srgbClr>
+            </a:solidFill>
+          </p:spPr>
+          <p:txBody>
+            <a:bodyPr/>
+            <a:lstStyle/>
+            <a:p/>
+          </p:txBody>
+        </p:sp>
+        <p:sp>
+          <p:nvSpPr>
+            <p:cNvPr id="142" name="rc142"/>
+            <p:cNvSpPr/>
+            <p:nvPr/>
+          </p:nvSpPr>
+          <p:spPr>
+            <a:xfrm>
+              <a:off x="4157198" y="5692187"/>
+              <a:ext cx="201456" cy="201456"/>
+            </a:xfrm>
+            <a:prstGeom prst="rect">
+              <a:avLst/>
+            </a:prstGeom>
+            <a:solidFill>
+              <a:srgbClr val="FEE5D9">
+                <a:alpha val="100000"/>
+              </a:srgbClr>
+            </a:solidFill>
+          </p:spPr>
+          <p:txBody>
+            <a:bodyPr/>
+            <a:lstStyle/>
+            <a:p/>
+          </p:txBody>
+        </p:sp>
+        <p:sp>
+          <p:nvSpPr>
+            <p:cNvPr id="143" name="rc143"/>
+            <p:cNvSpPr/>
+            <p:nvPr/>
+          </p:nvSpPr>
+          <p:spPr>
+            <a:xfrm>
+              <a:off x="4983463" y="5683187"/>
+              <a:ext cx="219455" cy="219455"/>
+            </a:xfrm>
+            <a:prstGeom prst="rect">
+              <a:avLst/>
+            </a:prstGeom>
+            <a:solidFill>
+              <a:srgbClr val="FFFFFF">
+                <a:alpha val="100000"/>
+              </a:srgbClr>
+            </a:solidFill>
+          </p:spPr>
+          <p:txBody>
+            <a:bodyPr/>
+            <a:lstStyle/>
+            <a:p/>
+          </p:txBody>
+        </p:sp>
+        <p:sp>
+          <p:nvSpPr>
+            <p:cNvPr id="144" name="rc144"/>
+            <p:cNvSpPr/>
+            <p:nvPr/>
+          </p:nvSpPr>
+          <p:spPr>
+            <a:xfrm>
+              <a:off x="4992463" y="5692187"/>
+              <a:ext cx="201456" cy="201456"/>
+            </a:xfrm>
+            <a:prstGeom prst="rect">
+              <a:avLst/>
+            </a:prstGeom>
+            <a:solidFill>
+              <a:srgbClr val="FCAE91">
+                <a:alpha val="100000"/>
+              </a:srgbClr>
+            </a:solidFill>
+          </p:spPr>
+          <p:txBody>
+            <a:bodyPr/>
+            <a:lstStyle/>
+            <a:p/>
+          </p:txBody>
+        </p:sp>
+        <p:sp>
+          <p:nvSpPr>
+            <p:cNvPr id="145" name="rc145"/>
+            <p:cNvSpPr/>
+            <p:nvPr/>
+          </p:nvSpPr>
+          <p:spPr>
+            <a:xfrm>
+              <a:off x="5628076" y="5683187"/>
+              <a:ext cx="219455" cy="219455"/>
+            </a:xfrm>
+            <a:prstGeom prst="rect">
+              <a:avLst/>
+            </a:prstGeom>
+            <a:solidFill>
+              <a:srgbClr val="FFFFFF">
+                <a:alpha val="100000"/>
+              </a:srgbClr>
+            </a:solidFill>
+          </p:spPr>
+          <p:txBody>
+            <a:bodyPr/>
+            <a:lstStyle/>
+            <a:p/>
+          </p:txBody>
+        </p:sp>
+        <p:sp>
+          <p:nvSpPr>
+            <p:cNvPr id="146" name="rc146"/>
+            <p:cNvSpPr/>
+            <p:nvPr/>
+          </p:nvSpPr>
+          <p:spPr>
+            <a:xfrm>
+              <a:off x="5637076" y="5692187"/>
+              <a:ext cx="201456" cy="201456"/>
+            </a:xfrm>
+            <a:prstGeom prst="rect">
+              <a:avLst/>
+            </a:prstGeom>
+            <a:solidFill>
+              <a:srgbClr val="FB6A4A">
+                <a:alpha val="100000"/>
+              </a:srgbClr>
+            </a:solidFill>
+          </p:spPr>
+          <p:txBody>
+            <a:bodyPr/>
+            <a:lstStyle/>
+            <a:p/>
+          </p:txBody>
+        </p:sp>
+        <p:sp>
+          <p:nvSpPr>
+            <p:cNvPr id="147" name="rc147"/>
+            <p:cNvSpPr/>
+            <p:nvPr/>
+          </p:nvSpPr>
+          <p:spPr>
+            <a:xfrm>
+              <a:off x="6368015" y="5683187"/>
+              <a:ext cx="219455" cy="219455"/>
+            </a:xfrm>
+            <a:prstGeom prst="rect">
+              <a:avLst/>
+            </a:prstGeom>
+            <a:solidFill>
+              <a:srgbClr val="FFFFFF">
+                <a:alpha val="100000"/>
+              </a:srgbClr>
+            </a:solidFill>
+          </p:spPr>
+          <p:txBody>
+            <a:bodyPr/>
+            <a:lstStyle/>
+            <a:p/>
+          </p:txBody>
+        </p:sp>
+        <p:sp>
+          <p:nvSpPr>
+            <p:cNvPr id="148" name="rc148"/>
+            <p:cNvSpPr/>
+            <p:nvPr/>
+          </p:nvSpPr>
+          <p:spPr>
+            <a:xfrm>
+              <a:off x="6377015" y="5692187"/>
+              <a:ext cx="201456" cy="201456"/>
+            </a:xfrm>
+            <a:prstGeom prst="rect">
+              <a:avLst/>
+            </a:prstGeom>
+            <a:solidFill>
+              <a:srgbClr val="CB181D">
+                <a:alpha val="100000"/>
+              </a:srgbClr>
+            </a:solidFill>
+          </p:spPr>
+          <p:txBody>
+            <a:bodyPr/>
+            <a:lstStyle/>
+            <a:p/>
+          </p:txBody>
+        </p:sp>
+        <p:sp>
+          <p:nvSpPr>
+            <p:cNvPr id="149" name="tx149"/>
+            <p:cNvSpPr/>
+            <p:nvPr/>
+          </p:nvSpPr>
+          <p:spPr>
+            <a:xfrm>
+              <a:off x="4437243" y="5763065"/>
+              <a:ext cx="419100" cy="69850"/>
+            </a:xfrm>
+            <a:prstGeom prst="rect">
+              <a:avLst/>
+            </a:prstGeom>
+            <a:noFill/>
+          </p:spPr>
+          <p:txBody>
+            <a:bodyPr lIns="0" rIns="0" tIns="0" bIns="0" anchorCtr="1" anchor="ctr" wrap="none"/>
+            <a:lstStyle/>
+            <a:p>
+              <a:pPr algn="l" marL="0" marR="0" indent="0">
+                <a:lnSpc>
+                  <a:spcPts val="880"/>
+                </a:lnSpc>
+                <a:spcBef>
+                  <a:spcPts val="0"/>
+                </a:spcBef>
+                <a:spcAft>
+                  <a:spcPts val="0"/>
+                </a:spcAft>
+              </a:pPr>
+              <a:r>
+                <a:rPr sz="880">
+                  <a:solidFill>
+                    <a:srgbClr val="000000">
+                      <a:alpha val="100000"/>
+                    </a:srgbClr>
+                  </a:solidFill>
+                  <a:latin typeface="Arial"/>
+                  <a:cs typeface="Arial"/>
+                </a:rPr>
+                <a:t>完全不认同</a:t>
+              </a:r>
+            </a:p>
+          </p:txBody>
+        </p:sp>
+        <p:sp>
+          <p:nvSpPr>
+            <p:cNvPr id="150" name="tx150"/>
+            <p:cNvSpPr/>
+            <p:nvPr/>
+          </p:nvSpPr>
+          <p:spPr>
+            <a:xfrm>
+              <a:off x="5272508" y="5763065"/>
+              <a:ext cx="251460" cy="69850"/>
+            </a:xfrm>
+            <a:prstGeom prst="rect">
+              <a:avLst/>
+            </a:prstGeom>
+            <a:noFill/>
+          </p:spPr>
+          <p:txBody>
+            <a:bodyPr lIns="0" rIns="0" tIns="0" bIns="0" anchorCtr="1" anchor="ctr" wrap="none"/>
+            <a:lstStyle/>
+            <a:p>
+              <a:pPr algn="l" marL="0" marR="0" indent="0">
+                <a:lnSpc>
+                  <a:spcPts val="880"/>
+                </a:lnSpc>
+                <a:spcBef>
+                  <a:spcPts val="0"/>
+                </a:spcBef>
+                <a:spcAft>
+                  <a:spcPts val="0"/>
+                </a:spcAft>
+              </a:pPr>
+              <a:r>
+                <a:rPr sz="880">
+                  <a:solidFill>
+                    <a:srgbClr val="000000">
+                      <a:alpha val="100000"/>
+                    </a:srgbClr>
+                  </a:solidFill>
+                  <a:latin typeface="Arial"/>
+                  <a:cs typeface="Arial"/>
+                </a:rPr>
+                <a:t>不认同</a:t>
+              </a:r>
+            </a:p>
+          </p:txBody>
+        </p:sp>
+        <p:sp>
+          <p:nvSpPr>
+            <p:cNvPr id="151" name="tx151"/>
+            <p:cNvSpPr/>
+            <p:nvPr/>
+          </p:nvSpPr>
+          <p:spPr>
+            <a:xfrm>
+              <a:off x="5917121" y="5763065"/>
+              <a:ext cx="335280" cy="69850"/>
+            </a:xfrm>
+            <a:prstGeom prst="rect">
+              <a:avLst/>
+            </a:prstGeom>
+            <a:noFill/>
+          </p:spPr>
+          <p:txBody>
+            <a:bodyPr lIns="0" rIns="0" tIns="0" bIns="0" anchorCtr="1" anchor="ctr" wrap="none"/>
+            <a:lstStyle/>
+            <a:p>
+              <a:pPr algn="l" marL="0" marR="0" indent="0">
+                <a:lnSpc>
+                  <a:spcPts val="880"/>
+                </a:lnSpc>
+                <a:spcBef>
+                  <a:spcPts val="0"/>
+                </a:spcBef>
+                <a:spcAft>
+                  <a:spcPts val="0"/>
+                </a:spcAft>
+              </a:pPr>
+              <a:r>
+                <a:rPr sz="880">
+                  <a:solidFill>
+                    <a:srgbClr val="000000">
+                      <a:alpha val="100000"/>
+                    </a:srgbClr>
+                  </a:solidFill>
+                  <a:latin typeface="Arial"/>
+                  <a:cs typeface="Arial"/>
+                </a:rPr>
+                <a:t>有限认同</a:t>
+              </a:r>
+            </a:p>
+          </p:txBody>
+        </p:sp>
+        <p:sp>
+          <p:nvSpPr>
+            <p:cNvPr id="152" name="tx152"/>
+            <p:cNvSpPr/>
+            <p:nvPr/>
+          </p:nvSpPr>
+          <p:spPr>
+            <a:xfrm>
+              <a:off x="6657060" y="5763065"/>
+              <a:ext cx="335280" cy="69850"/>
+            </a:xfrm>
+            <a:prstGeom prst="rect">
+              <a:avLst/>
+            </a:prstGeom>
+            <a:noFill/>
+          </p:spPr>
+          <p:txBody>
+            <a:bodyPr lIns="0" rIns="0" tIns="0" bIns="0" anchorCtr="1" anchor="ctr" wrap="none"/>
+            <a:lstStyle/>
+            <a:p>
+              <a:pPr algn="l" marL="0" marR="0" indent="0">
+                <a:lnSpc>
+                  <a:spcPts val="880"/>
+                </a:lnSpc>
+                <a:spcBef>
+                  <a:spcPts val="0"/>
+                </a:spcBef>
+                <a:spcAft>
+                  <a:spcPts val="0"/>
+                </a:spcAft>
+              </a:pPr>
+              <a:r>
+                <a:rPr sz="880">
+                  <a:solidFill>
+                    <a:srgbClr val="000000">
+                      <a:alpha val="100000"/>
+                    </a:srgbClr>
+                  </a:solidFill>
+                  <a:latin typeface="Arial"/>
+                  <a:cs typeface="Arial"/>
+                </a:rPr>
+                <a:t>完全认同</a:t>
               </a:r>
             </a:p>
           </p:txBody>
